--- a/03. Apache Hadoop-Map Reduce.pptx
+++ b/03. Apache Hadoop-Map Reduce.pptx
@@ -5,10 +5,10 @@
     <p:sldMasterId id="2147483648" r:id="rId1"/>
   </p:sldMasterIdLst>
   <p:notesMasterIdLst>
-    <p:notesMasterId r:id="rId16"/>
+    <p:notesMasterId r:id="rId17"/>
   </p:notesMasterIdLst>
   <p:sldIdLst>
-    <p:sldId id="256" r:id="rId2"/>
+    <p:sldId id="270" r:id="rId2"/>
     <p:sldId id="257" r:id="rId3"/>
     <p:sldId id="258" r:id="rId4"/>
     <p:sldId id="259" r:id="rId5"/>
@@ -21,7 +21,8 @@
     <p:sldId id="266" r:id="rId12"/>
     <p:sldId id="267" r:id="rId13"/>
     <p:sldId id="268" r:id="rId14"/>
-    <p:sldId id="269" r:id="rId15"/>
+    <p:sldId id="271" r:id="rId15"/>
+    <p:sldId id="269" r:id="rId16"/>
   </p:sldIdLst>
   <p:sldSz cx="12192000" cy="6858000"/>
   <p:notesSz cx="6858000" cy="9144000"/>
@@ -128,6 +129,2784 @@
 </p:presentation>
 </file>
 
+<file path=ppt/diagrams/colors1.xml><?xml version="1.0" encoding="utf-8"?>
+<dgm:colorsDef xmlns:dgm="http://schemas.openxmlformats.org/drawingml/2006/diagram" xmlns:a="http://schemas.openxmlformats.org/drawingml/2006/main" uniqueId="urn:microsoft.com/office/officeart/2005/8/colors/accent1_2">
+  <dgm:title val=""/>
+  <dgm:desc val=""/>
+  <dgm:catLst>
+    <dgm:cat type="accent1" pri="11200"/>
+  </dgm:catLst>
+  <dgm:styleLbl name="node0">
+    <dgm:fillClrLst meth="repeat">
+      <a:schemeClr val="accent1"/>
+    </dgm:fillClrLst>
+    <dgm:linClrLst meth="repeat">
+      <a:schemeClr val="lt1"/>
+    </dgm:linClrLst>
+    <dgm:effectClrLst/>
+    <dgm:txLinClrLst/>
+    <dgm:txFillClrLst/>
+    <dgm:txEffectClrLst/>
+  </dgm:styleLbl>
+  <dgm:styleLbl name="alignNode1">
+    <dgm:fillClrLst meth="repeat">
+      <a:schemeClr val="accent1"/>
+    </dgm:fillClrLst>
+    <dgm:linClrLst meth="repeat">
+      <a:schemeClr val="accent1"/>
+    </dgm:linClrLst>
+    <dgm:effectClrLst/>
+    <dgm:txLinClrLst/>
+    <dgm:txFillClrLst/>
+    <dgm:txEffectClrLst/>
+  </dgm:styleLbl>
+  <dgm:styleLbl name="node1">
+    <dgm:fillClrLst meth="repeat">
+      <a:schemeClr val="accent1"/>
+    </dgm:fillClrLst>
+    <dgm:linClrLst meth="repeat">
+      <a:schemeClr val="lt1"/>
+    </dgm:linClrLst>
+    <dgm:effectClrLst/>
+    <dgm:txLinClrLst/>
+    <dgm:txFillClrLst/>
+    <dgm:txEffectClrLst/>
+  </dgm:styleLbl>
+  <dgm:styleLbl name="lnNode1">
+    <dgm:fillClrLst meth="repeat">
+      <a:schemeClr val="accent1"/>
+    </dgm:fillClrLst>
+    <dgm:linClrLst meth="repeat">
+      <a:schemeClr val="lt1"/>
+    </dgm:linClrLst>
+    <dgm:effectClrLst/>
+    <dgm:txLinClrLst/>
+    <dgm:txFillClrLst/>
+    <dgm:txEffectClrLst/>
+  </dgm:styleLbl>
+  <dgm:styleLbl name="vennNode1">
+    <dgm:fillClrLst meth="repeat">
+      <a:schemeClr val="accent1">
+        <a:alpha val="50000"/>
+      </a:schemeClr>
+    </dgm:fillClrLst>
+    <dgm:linClrLst meth="repeat">
+      <a:schemeClr val="lt1"/>
+    </dgm:linClrLst>
+    <dgm:effectClrLst/>
+    <dgm:txLinClrLst/>
+    <dgm:txFillClrLst/>
+    <dgm:txEffectClrLst/>
+  </dgm:styleLbl>
+  <dgm:styleLbl name="node2">
+    <dgm:fillClrLst meth="repeat">
+      <a:schemeClr val="accent1"/>
+    </dgm:fillClrLst>
+    <dgm:linClrLst meth="repeat">
+      <a:schemeClr val="lt1"/>
+    </dgm:linClrLst>
+    <dgm:effectClrLst/>
+    <dgm:txLinClrLst/>
+    <dgm:txFillClrLst/>
+    <dgm:txEffectClrLst/>
+  </dgm:styleLbl>
+  <dgm:styleLbl name="node3">
+    <dgm:fillClrLst meth="repeat">
+      <a:schemeClr val="accent1"/>
+    </dgm:fillClrLst>
+    <dgm:linClrLst meth="repeat">
+      <a:schemeClr val="lt1"/>
+    </dgm:linClrLst>
+    <dgm:effectClrLst/>
+    <dgm:txLinClrLst/>
+    <dgm:txFillClrLst/>
+    <dgm:txEffectClrLst/>
+  </dgm:styleLbl>
+  <dgm:styleLbl name="node4">
+    <dgm:fillClrLst meth="repeat">
+      <a:schemeClr val="accent1"/>
+    </dgm:fillClrLst>
+    <dgm:linClrLst meth="repeat">
+      <a:schemeClr val="lt1"/>
+    </dgm:linClrLst>
+    <dgm:effectClrLst/>
+    <dgm:txLinClrLst/>
+    <dgm:txFillClrLst/>
+    <dgm:txEffectClrLst/>
+  </dgm:styleLbl>
+  <dgm:styleLbl name="fgImgPlace1">
+    <dgm:fillClrLst meth="repeat">
+      <a:schemeClr val="accent1">
+        <a:tint val="50000"/>
+      </a:schemeClr>
+    </dgm:fillClrLst>
+    <dgm:linClrLst meth="repeat">
+      <a:schemeClr val="lt1"/>
+    </dgm:linClrLst>
+    <dgm:effectClrLst/>
+    <dgm:txLinClrLst/>
+    <dgm:txFillClrLst meth="repeat">
+      <a:schemeClr val="lt1"/>
+    </dgm:txFillClrLst>
+    <dgm:txEffectClrLst/>
+  </dgm:styleLbl>
+  <dgm:styleLbl name="alignImgPlace1">
+    <dgm:fillClrLst meth="repeat">
+      <a:schemeClr val="accent1">
+        <a:tint val="50000"/>
+      </a:schemeClr>
+    </dgm:fillClrLst>
+    <dgm:linClrLst meth="repeat">
+      <a:schemeClr val="lt1"/>
+    </dgm:linClrLst>
+    <dgm:effectClrLst/>
+    <dgm:txLinClrLst/>
+    <dgm:txFillClrLst meth="repeat">
+      <a:schemeClr val="lt1"/>
+    </dgm:txFillClrLst>
+    <dgm:txEffectClrLst/>
+  </dgm:styleLbl>
+  <dgm:styleLbl name="bgImgPlace1">
+    <dgm:fillClrLst meth="repeat">
+      <a:schemeClr val="accent1">
+        <a:tint val="50000"/>
+      </a:schemeClr>
+    </dgm:fillClrLst>
+    <dgm:linClrLst meth="repeat">
+      <a:schemeClr val="lt1"/>
+    </dgm:linClrLst>
+    <dgm:effectClrLst/>
+    <dgm:txLinClrLst/>
+    <dgm:txFillClrLst meth="repeat">
+      <a:schemeClr val="lt1"/>
+    </dgm:txFillClrLst>
+    <dgm:txEffectClrLst/>
+  </dgm:styleLbl>
+  <dgm:styleLbl name="sibTrans2D1">
+    <dgm:fillClrLst meth="repeat">
+      <a:schemeClr val="accent1">
+        <a:tint val="60000"/>
+      </a:schemeClr>
+    </dgm:fillClrLst>
+    <dgm:linClrLst meth="repeat">
+      <a:schemeClr val="accent1">
+        <a:tint val="60000"/>
+      </a:schemeClr>
+    </dgm:linClrLst>
+    <dgm:effectClrLst/>
+    <dgm:txLinClrLst/>
+    <dgm:txFillClrLst/>
+    <dgm:txEffectClrLst/>
+  </dgm:styleLbl>
+  <dgm:styleLbl name="fgSibTrans2D1">
+    <dgm:fillClrLst meth="repeat">
+      <a:schemeClr val="accent1">
+        <a:tint val="60000"/>
+      </a:schemeClr>
+    </dgm:fillClrLst>
+    <dgm:linClrLst meth="repeat">
+      <a:schemeClr val="accent1">
+        <a:tint val="60000"/>
+      </a:schemeClr>
+    </dgm:linClrLst>
+    <dgm:effectClrLst/>
+    <dgm:txLinClrLst/>
+    <dgm:txFillClrLst/>
+    <dgm:txEffectClrLst/>
+  </dgm:styleLbl>
+  <dgm:styleLbl name="bgSibTrans2D1">
+    <dgm:fillClrLst meth="repeat">
+      <a:schemeClr val="accent1">
+        <a:tint val="60000"/>
+      </a:schemeClr>
+    </dgm:fillClrLst>
+    <dgm:linClrLst meth="repeat">
+      <a:schemeClr val="accent1">
+        <a:tint val="60000"/>
+      </a:schemeClr>
+    </dgm:linClrLst>
+    <dgm:effectClrLst/>
+    <dgm:txLinClrLst/>
+    <dgm:txFillClrLst/>
+    <dgm:txEffectClrLst/>
+  </dgm:styleLbl>
+  <dgm:styleLbl name="sibTrans1D1">
+    <dgm:fillClrLst meth="repeat">
+      <a:schemeClr val="accent1"/>
+    </dgm:fillClrLst>
+    <dgm:linClrLst meth="repeat">
+      <a:schemeClr val="accent1"/>
+    </dgm:linClrLst>
+    <dgm:effectClrLst/>
+    <dgm:txLinClrLst/>
+    <dgm:txFillClrLst meth="repeat">
+      <a:schemeClr val="tx1"/>
+    </dgm:txFillClrLst>
+    <dgm:txEffectClrLst/>
+  </dgm:styleLbl>
+  <dgm:styleLbl name="callout">
+    <dgm:fillClrLst meth="repeat">
+      <a:schemeClr val="accent1"/>
+    </dgm:fillClrLst>
+    <dgm:linClrLst meth="repeat">
+      <a:schemeClr val="accent1">
+        <a:tint val="50000"/>
+      </a:schemeClr>
+    </dgm:linClrLst>
+    <dgm:effectClrLst/>
+    <dgm:txLinClrLst/>
+    <dgm:txFillClrLst meth="repeat">
+      <a:schemeClr val="tx1"/>
+    </dgm:txFillClrLst>
+    <dgm:txEffectClrLst/>
+  </dgm:styleLbl>
+  <dgm:styleLbl name="asst0">
+    <dgm:fillClrLst meth="repeat">
+      <a:schemeClr val="accent1"/>
+    </dgm:fillClrLst>
+    <dgm:linClrLst meth="repeat">
+      <a:schemeClr val="lt1"/>
+    </dgm:linClrLst>
+    <dgm:effectClrLst/>
+    <dgm:txLinClrLst/>
+    <dgm:txFillClrLst/>
+    <dgm:txEffectClrLst/>
+  </dgm:styleLbl>
+  <dgm:styleLbl name="asst1">
+    <dgm:fillClrLst meth="repeat">
+      <a:schemeClr val="accent1"/>
+    </dgm:fillClrLst>
+    <dgm:linClrLst meth="repeat">
+      <a:schemeClr val="lt1"/>
+    </dgm:linClrLst>
+    <dgm:effectClrLst/>
+    <dgm:txLinClrLst/>
+    <dgm:txFillClrLst/>
+    <dgm:txEffectClrLst/>
+  </dgm:styleLbl>
+  <dgm:styleLbl name="asst2">
+    <dgm:fillClrLst meth="repeat">
+      <a:schemeClr val="accent1"/>
+    </dgm:fillClrLst>
+    <dgm:linClrLst meth="repeat">
+      <a:schemeClr val="lt1"/>
+    </dgm:linClrLst>
+    <dgm:effectClrLst/>
+    <dgm:txLinClrLst/>
+    <dgm:txFillClrLst/>
+    <dgm:txEffectClrLst/>
+  </dgm:styleLbl>
+  <dgm:styleLbl name="asst3">
+    <dgm:fillClrLst meth="repeat">
+      <a:schemeClr val="accent1"/>
+    </dgm:fillClrLst>
+    <dgm:linClrLst meth="repeat">
+      <a:schemeClr val="lt1"/>
+    </dgm:linClrLst>
+    <dgm:effectClrLst/>
+    <dgm:txLinClrLst/>
+    <dgm:txFillClrLst/>
+    <dgm:txEffectClrLst/>
+  </dgm:styleLbl>
+  <dgm:styleLbl name="asst4">
+    <dgm:fillClrLst meth="repeat">
+      <a:schemeClr val="accent1"/>
+    </dgm:fillClrLst>
+    <dgm:linClrLst meth="repeat">
+      <a:schemeClr val="lt1"/>
+    </dgm:linClrLst>
+    <dgm:effectClrLst/>
+    <dgm:txLinClrLst/>
+    <dgm:txFillClrLst/>
+    <dgm:txEffectClrLst/>
+  </dgm:styleLbl>
+  <dgm:styleLbl name="parChTrans2D1">
+    <dgm:fillClrLst meth="repeat">
+      <a:schemeClr val="accent1">
+        <a:tint val="60000"/>
+      </a:schemeClr>
+    </dgm:fillClrLst>
+    <dgm:linClrLst meth="repeat">
+      <a:schemeClr val="accent1">
+        <a:tint val="60000"/>
+      </a:schemeClr>
+    </dgm:linClrLst>
+    <dgm:effectClrLst/>
+    <dgm:txLinClrLst/>
+    <dgm:txFillClrLst meth="repeat">
+      <a:schemeClr val="lt1"/>
+    </dgm:txFillClrLst>
+    <dgm:txEffectClrLst/>
+  </dgm:styleLbl>
+  <dgm:styleLbl name="parChTrans2D2">
+    <dgm:fillClrLst meth="repeat">
+      <a:schemeClr val="accent1"/>
+    </dgm:fillClrLst>
+    <dgm:linClrLst meth="repeat">
+      <a:schemeClr val="accent1"/>
+    </dgm:linClrLst>
+    <dgm:effectClrLst/>
+    <dgm:txLinClrLst/>
+    <dgm:txFillClrLst meth="repeat">
+      <a:schemeClr val="lt1"/>
+    </dgm:txFillClrLst>
+    <dgm:txEffectClrLst/>
+  </dgm:styleLbl>
+  <dgm:styleLbl name="parChTrans2D3">
+    <dgm:fillClrLst meth="repeat">
+      <a:schemeClr val="accent1"/>
+    </dgm:fillClrLst>
+    <dgm:linClrLst meth="repeat">
+      <a:schemeClr val="accent1"/>
+    </dgm:linClrLst>
+    <dgm:effectClrLst/>
+    <dgm:txLinClrLst/>
+    <dgm:txFillClrLst meth="repeat">
+      <a:schemeClr val="lt1"/>
+    </dgm:txFillClrLst>
+    <dgm:txEffectClrLst/>
+  </dgm:styleLbl>
+  <dgm:styleLbl name="parChTrans2D4">
+    <dgm:fillClrLst meth="repeat">
+      <a:schemeClr val="accent1"/>
+    </dgm:fillClrLst>
+    <dgm:linClrLst meth="repeat">
+      <a:schemeClr val="accent1"/>
+    </dgm:linClrLst>
+    <dgm:effectClrLst/>
+    <dgm:txLinClrLst/>
+    <dgm:txFillClrLst meth="repeat">
+      <a:schemeClr val="lt1"/>
+    </dgm:txFillClrLst>
+    <dgm:txEffectClrLst/>
+  </dgm:styleLbl>
+  <dgm:styleLbl name="parChTrans1D1">
+    <dgm:fillClrLst meth="repeat">
+      <a:schemeClr val="accent1"/>
+    </dgm:fillClrLst>
+    <dgm:linClrLst meth="repeat">
+      <a:schemeClr val="accent1">
+        <a:shade val="60000"/>
+      </a:schemeClr>
+    </dgm:linClrLst>
+    <dgm:effectClrLst/>
+    <dgm:txLinClrLst/>
+    <dgm:txFillClrLst meth="repeat">
+      <a:schemeClr val="tx1"/>
+    </dgm:txFillClrLst>
+    <dgm:txEffectClrLst/>
+  </dgm:styleLbl>
+  <dgm:styleLbl name="parChTrans1D2">
+    <dgm:fillClrLst meth="repeat">
+      <a:schemeClr val="accent1"/>
+    </dgm:fillClrLst>
+    <dgm:linClrLst meth="repeat">
+      <a:schemeClr val="accent1">
+        <a:shade val="60000"/>
+      </a:schemeClr>
+    </dgm:linClrLst>
+    <dgm:effectClrLst/>
+    <dgm:txLinClrLst/>
+    <dgm:txFillClrLst meth="repeat">
+      <a:schemeClr val="tx1"/>
+    </dgm:txFillClrLst>
+    <dgm:txEffectClrLst/>
+  </dgm:styleLbl>
+  <dgm:styleLbl name="parChTrans1D3">
+    <dgm:fillClrLst meth="repeat">
+      <a:schemeClr val="accent1"/>
+    </dgm:fillClrLst>
+    <dgm:linClrLst meth="repeat">
+      <a:schemeClr val="accent1">
+        <a:shade val="80000"/>
+      </a:schemeClr>
+    </dgm:linClrLst>
+    <dgm:effectClrLst/>
+    <dgm:txLinClrLst/>
+    <dgm:txFillClrLst meth="repeat">
+      <a:schemeClr val="tx1"/>
+    </dgm:txFillClrLst>
+    <dgm:txEffectClrLst/>
+  </dgm:styleLbl>
+  <dgm:styleLbl name="parChTrans1D4">
+    <dgm:fillClrLst meth="repeat">
+      <a:schemeClr val="accent1"/>
+    </dgm:fillClrLst>
+    <dgm:linClrLst meth="repeat">
+      <a:schemeClr val="accent1">
+        <a:shade val="80000"/>
+      </a:schemeClr>
+    </dgm:linClrLst>
+    <dgm:effectClrLst/>
+    <dgm:txLinClrLst/>
+    <dgm:txFillClrLst meth="repeat">
+      <a:schemeClr val="tx1"/>
+    </dgm:txFillClrLst>
+    <dgm:txEffectClrLst/>
+  </dgm:styleLbl>
+  <dgm:styleLbl name="fgAcc1">
+    <dgm:fillClrLst meth="repeat">
+      <a:schemeClr val="lt1">
+        <a:alpha val="90000"/>
+      </a:schemeClr>
+    </dgm:fillClrLst>
+    <dgm:linClrLst meth="repeat">
+      <a:schemeClr val="accent1"/>
+    </dgm:linClrLst>
+    <dgm:effectClrLst/>
+    <dgm:txLinClrLst/>
+    <dgm:txFillClrLst meth="repeat">
+      <a:schemeClr val="dk1"/>
+    </dgm:txFillClrLst>
+    <dgm:txEffectClrLst/>
+  </dgm:styleLbl>
+  <dgm:styleLbl name="conFgAcc1">
+    <dgm:fillClrLst meth="repeat">
+      <a:schemeClr val="lt1">
+        <a:alpha val="90000"/>
+      </a:schemeClr>
+    </dgm:fillClrLst>
+    <dgm:linClrLst meth="repeat">
+      <a:schemeClr val="accent1"/>
+    </dgm:linClrLst>
+    <dgm:effectClrLst/>
+    <dgm:txLinClrLst/>
+    <dgm:txFillClrLst meth="repeat">
+      <a:schemeClr val="dk1"/>
+    </dgm:txFillClrLst>
+    <dgm:txEffectClrLst/>
+  </dgm:styleLbl>
+  <dgm:styleLbl name="alignAcc1">
+    <dgm:fillClrLst meth="repeat">
+      <a:schemeClr val="lt1">
+        <a:alpha val="90000"/>
+      </a:schemeClr>
+    </dgm:fillClrLst>
+    <dgm:linClrLst meth="repeat">
+      <a:schemeClr val="accent1"/>
+    </dgm:linClrLst>
+    <dgm:effectClrLst/>
+    <dgm:txLinClrLst/>
+    <dgm:txFillClrLst meth="repeat">
+      <a:schemeClr val="dk1"/>
+    </dgm:txFillClrLst>
+    <dgm:txEffectClrLst/>
+  </dgm:styleLbl>
+  <dgm:styleLbl name="trAlignAcc1">
+    <dgm:fillClrLst meth="repeat">
+      <a:schemeClr val="lt1">
+        <a:alpha val="40000"/>
+      </a:schemeClr>
+    </dgm:fillClrLst>
+    <dgm:linClrLst meth="repeat">
+      <a:schemeClr val="accent1"/>
+    </dgm:linClrLst>
+    <dgm:effectClrLst/>
+    <dgm:txLinClrLst/>
+    <dgm:txFillClrLst meth="repeat">
+      <a:schemeClr val="dk1"/>
+    </dgm:txFillClrLst>
+    <dgm:txEffectClrLst/>
+  </dgm:styleLbl>
+  <dgm:styleLbl name="bgAcc1">
+    <dgm:fillClrLst meth="repeat">
+      <a:schemeClr val="lt1">
+        <a:alpha val="90000"/>
+      </a:schemeClr>
+    </dgm:fillClrLst>
+    <dgm:linClrLst meth="repeat">
+      <a:schemeClr val="accent1"/>
+    </dgm:linClrLst>
+    <dgm:effectClrLst/>
+    <dgm:txLinClrLst/>
+    <dgm:txFillClrLst meth="repeat">
+      <a:schemeClr val="dk1"/>
+    </dgm:txFillClrLst>
+    <dgm:txEffectClrLst/>
+  </dgm:styleLbl>
+  <dgm:styleLbl name="solidFgAcc1">
+    <dgm:fillClrLst meth="repeat">
+      <a:schemeClr val="lt1"/>
+    </dgm:fillClrLst>
+    <dgm:linClrLst meth="repeat">
+      <a:schemeClr val="accent1"/>
+    </dgm:linClrLst>
+    <dgm:effectClrLst/>
+    <dgm:txLinClrLst/>
+    <dgm:txFillClrLst meth="repeat">
+      <a:schemeClr val="dk1"/>
+    </dgm:txFillClrLst>
+    <dgm:txEffectClrLst/>
+  </dgm:styleLbl>
+  <dgm:styleLbl name="solidAlignAcc1">
+    <dgm:fillClrLst meth="repeat">
+      <a:schemeClr val="lt1"/>
+    </dgm:fillClrLst>
+    <dgm:linClrLst meth="repeat">
+      <a:schemeClr val="accent1"/>
+    </dgm:linClrLst>
+    <dgm:effectClrLst/>
+    <dgm:txLinClrLst/>
+    <dgm:txFillClrLst meth="repeat">
+      <a:schemeClr val="dk1"/>
+    </dgm:txFillClrLst>
+    <dgm:txEffectClrLst/>
+  </dgm:styleLbl>
+  <dgm:styleLbl name="solidBgAcc1">
+    <dgm:fillClrLst meth="repeat">
+      <a:schemeClr val="lt1"/>
+    </dgm:fillClrLst>
+    <dgm:linClrLst meth="repeat">
+      <a:schemeClr val="accent1"/>
+    </dgm:linClrLst>
+    <dgm:effectClrLst/>
+    <dgm:txLinClrLst/>
+    <dgm:txFillClrLst meth="repeat">
+      <a:schemeClr val="dk1"/>
+    </dgm:txFillClrLst>
+    <dgm:txEffectClrLst/>
+  </dgm:styleLbl>
+  <dgm:styleLbl name="fgAccFollowNode1">
+    <dgm:fillClrLst meth="repeat">
+      <a:schemeClr val="accent1">
+        <a:alpha val="90000"/>
+        <a:tint val="40000"/>
+      </a:schemeClr>
+    </dgm:fillClrLst>
+    <dgm:linClrLst meth="repeat">
+      <a:schemeClr val="accent1">
+        <a:alpha val="90000"/>
+        <a:tint val="40000"/>
+      </a:schemeClr>
+    </dgm:linClrLst>
+    <dgm:effectClrLst/>
+    <dgm:txLinClrLst/>
+    <dgm:txFillClrLst meth="repeat">
+      <a:schemeClr val="dk1"/>
+    </dgm:txFillClrLst>
+    <dgm:txEffectClrLst/>
+  </dgm:styleLbl>
+  <dgm:styleLbl name="alignAccFollowNode1">
+    <dgm:fillClrLst meth="repeat">
+      <a:schemeClr val="accent1">
+        <a:alpha val="90000"/>
+        <a:tint val="40000"/>
+      </a:schemeClr>
+    </dgm:fillClrLst>
+    <dgm:linClrLst meth="repeat">
+      <a:schemeClr val="accent1">
+        <a:alpha val="90000"/>
+        <a:tint val="40000"/>
+      </a:schemeClr>
+    </dgm:linClrLst>
+    <dgm:effectClrLst/>
+    <dgm:txLinClrLst/>
+    <dgm:txFillClrLst meth="repeat">
+      <a:schemeClr val="dk1"/>
+    </dgm:txFillClrLst>
+    <dgm:txEffectClrLst/>
+  </dgm:styleLbl>
+  <dgm:styleLbl name="bgAccFollowNode1">
+    <dgm:fillClrLst meth="repeat">
+      <a:schemeClr val="accent1">
+        <a:alpha val="90000"/>
+        <a:tint val="40000"/>
+      </a:schemeClr>
+    </dgm:fillClrLst>
+    <dgm:linClrLst meth="repeat">
+      <a:schemeClr val="accent1">
+        <a:alpha val="90000"/>
+        <a:tint val="40000"/>
+      </a:schemeClr>
+    </dgm:linClrLst>
+    <dgm:effectClrLst/>
+    <dgm:txLinClrLst/>
+    <dgm:txFillClrLst meth="repeat">
+      <a:schemeClr val="dk1"/>
+    </dgm:txFillClrLst>
+    <dgm:txEffectClrLst/>
+  </dgm:styleLbl>
+  <dgm:styleLbl name="fgAcc0">
+    <dgm:fillClrLst meth="repeat">
+      <a:schemeClr val="lt1">
+        <a:alpha val="90000"/>
+      </a:schemeClr>
+    </dgm:fillClrLst>
+    <dgm:linClrLst meth="repeat">
+      <a:schemeClr val="accent1"/>
+    </dgm:linClrLst>
+    <dgm:effectClrLst/>
+    <dgm:txLinClrLst/>
+    <dgm:txFillClrLst meth="repeat">
+      <a:schemeClr val="dk1"/>
+    </dgm:txFillClrLst>
+    <dgm:txEffectClrLst/>
+  </dgm:styleLbl>
+  <dgm:styleLbl name="fgAcc2">
+    <dgm:fillClrLst meth="repeat">
+      <a:schemeClr val="lt1">
+        <a:alpha val="90000"/>
+      </a:schemeClr>
+    </dgm:fillClrLst>
+    <dgm:linClrLst meth="repeat">
+      <a:schemeClr val="accent1"/>
+    </dgm:linClrLst>
+    <dgm:effectClrLst/>
+    <dgm:txLinClrLst/>
+    <dgm:txFillClrLst meth="repeat">
+      <a:schemeClr val="dk1"/>
+    </dgm:txFillClrLst>
+    <dgm:txEffectClrLst/>
+  </dgm:styleLbl>
+  <dgm:styleLbl name="fgAcc3">
+    <dgm:fillClrLst meth="repeat">
+      <a:schemeClr val="lt1">
+        <a:alpha val="90000"/>
+      </a:schemeClr>
+    </dgm:fillClrLst>
+    <dgm:linClrLst meth="repeat">
+      <a:schemeClr val="accent1"/>
+    </dgm:linClrLst>
+    <dgm:effectClrLst/>
+    <dgm:txLinClrLst/>
+    <dgm:txFillClrLst meth="repeat">
+      <a:schemeClr val="dk1"/>
+    </dgm:txFillClrLst>
+    <dgm:txEffectClrLst/>
+  </dgm:styleLbl>
+  <dgm:styleLbl name="fgAcc4">
+    <dgm:fillClrLst meth="repeat">
+      <a:schemeClr val="lt1">
+        <a:alpha val="90000"/>
+      </a:schemeClr>
+    </dgm:fillClrLst>
+    <dgm:linClrLst meth="repeat">
+      <a:schemeClr val="accent1"/>
+    </dgm:linClrLst>
+    <dgm:effectClrLst/>
+    <dgm:txLinClrLst/>
+    <dgm:txFillClrLst meth="repeat">
+      <a:schemeClr val="dk1"/>
+    </dgm:txFillClrLst>
+    <dgm:txEffectClrLst/>
+  </dgm:styleLbl>
+  <dgm:styleLbl name="bgShp">
+    <dgm:fillClrLst meth="repeat">
+      <a:schemeClr val="accent1">
+        <a:tint val="40000"/>
+      </a:schemeClr>
+    </dgm:fillClrLst>
+    <dgm:linClrLst meth="repeat">
+      <a:schemeClr val="accent1"/>
+    </dgm:linClrLst>
+    <dgm:effectClrLst/>
+    <dgm:txLinClrLst/>
+    <dgm:txFillClrLst meth="repeat">
+      <a:schemeClr val="dk1"/>
+    </dgm:txFillClrLst>
+    <dgm:txEffectClrLst/>
+  </dgm:styleLbl>
+  <dgm:styleLbl name="dkBgShp">
+    <dgm:fillClrLst meth="repeat">
+      <a:schemeClr val="accent1">
+        <a:shade val="80000"/>
+      </a:schemeClr>
+    </dgm:fillClrLst>
+    <dgm:linClrLst meth="repeat">
+      <a:schemeClr val="accent1"/>
+    </dgm:linClrLst>
+    <dgm:effectClrLst/>
+    <dgm:txLinClrLst/>
+    <dgm:txFillClrLst meth="repeat">
+      <a:schemeClr val="lt1"/>
+    </dgm:txFillClrLst>
+    <dgm:txEffectClrLst/>
+  </dgm:styleLbl>
+  <dgm:styleLbl name="trBgShp">
+    <dgm:fillClrLst meth="repeat">
+      <a:schemeClr val="accent1">
+        <a:tint val="50000"/>
+        <a:alpha val="40000"/>
+      </a:schemeClr>
+    </dgm:fillClrLst>
+    <dgm:linClrLst meth="repeat">
+      <a:schemeClr val="accent1"/>
+    </dgm:linClrLst>
+    <dgm:effectClrLst/>
+    <dgm:txLinClrLst/>
+    <dgm:txFillClrLst meth="repeat">
+      <a:schemeClr val="lt1"/>
+    </dgm:txFillClrLst>
+    <dgm:txEffectClrLst/>
+  </dgm:styleLbl>
+  <dgm:styleLbl name="fgShp">
+    <dgm:fillClrLst meth="repeat">
+      <a:schemeClr val="accent1">
+        <a:tint val="60000"/>
+      </a:schemeClr>
+    </dgm:fillClrLst>
+    <dgm:linClrLst meth="repeat">
+      <a:schemeClr val="lt1"/>
+    </dgm:linClrLst>
+    <dgm:effectClrLst/>
+    <dgm:txLinClrLst/>
+    <dgm:txFillClrLst meth="repeat">
+      <a:schemeClr val="dk1"/>
+    </dgm:txFillClrLst>
+    <dgm:txEffectClrLst/>
+  </dgm:styleLbl>
+  <dgm:styleLbl name="revTx">
+    <dgm:fillClrLst meth="repeat">
+      <a:schemeClr val="lt1">
+        <a:alpha val="0"/>
+      </a:schemeClr>
+    </dgm:fillClrLst>
+    <dgm:linClrLst meth="repeat">
+      <a:schemeClr val="dk1">
+        <a:alpha val="0"/>
+      </a:schemeClr>
+    </dgm:linClrLst>
+    <dgm:effectClrLst/>
+    <dgm:txLinClrLst/>
+    <dgm:txFillClrLst meth="repeat">
+      <a:schemeClr val="tx1"/>
+    </dgm:txFillClrLst>
+    <dgm:txEffectClrLst/>
+  </dgm:styleLbl>
+</dgm:colorsDef>
+</file>
+
+<file path=ppt/diagrams/data1.xml><?xml version="1.0" encoding="utf-8"?>
+<dgm:dataModel xmlns:dgm="http://schemas.openxmlformats.org/drawingml/2006/diagram" xmlns:a="http://schemas.openxmlformats.org/drawingml/2006/main">
+  <dgm:ptLst>
+    <dgm:pt modelId="{B67B2781-D5DF-44F0-AB13-78FD43D89DC1}" type="doc">
+      <dgm:prSet loTypeId="urn:microsoft.com/office/officeart/2005/8/layout/arrow4" loCatId="relationship" qsTypeId="urn:microsoft.com/office/officeart/2005/8/quickstyle/simple1" qsCatId="simple" csTypeId="urn:microsoft.com/office/officeart/2005/8/colors/accent1_2" csCatId="accent1" phldr="1"/>
+      <dgm:spPr/>
+      <dgm:t>
+        <a:bodyPr/>
+        <a:lstStyle/>
+        <a:p>
+          <a:endParaRPr lang="el-GR"/>
+        </a:p>
+      </dgm:t>
+    </dgm:pt>
+    <dgm:pt modelId="{C977F768-43E5-4AA0-8B60-1363EDE42D96}">
+      <dgm:prSet phldrT="[Κείμενο]" custT="1"/>
+      <dgm:spPr/>
+      <dgm:t>
+        <a:bodyPr/>
+        <a:lstStyle/>
+        <a:p>
+          <a:r>
+            <a:rPr lang="el-GR" sz="2000" b="0" i="0" kern="1200" dirty="0">
+              <a:solidFill>
+                <a:prstClr val="black">
+                  <a:hueOff val="0"/>
+                  <a:satOff val="0"/>
+                  <a:lumOff val="0"/>
+                  <a:alphaOff val="0"/>
+                </a:prstClr>
+              </a:solidFill>
+              <a:latin typeface="Calibri" panose="020F0502020204030204"/>
+              <a:ea typeface="+mn-ea"/>
+              <a:cs typeface="+mn-cs"/>
+            </a:rPr>
+            <a:t>ΘΕΤΙΚΑ</a:t>
+          </a:r>
+          <a:endParaRPr lang="el-GR" sz="2400" kern="1200" dirty="0"/>
+        </a:p>
+      </dgm:t>
+    </dgm:pt>
+    <dgm:pt modelId="{ED7B6A07-F887-4C17-A367-E6050BA5629B}" type="parTrans" cxnId="{CEF5ACA3-43AE-4459-9B9F-3A66E9202F3B}">
+      <dgm:prSet/>
+      <dgm:spPr/>
+      <dgm:t>
+        <a:bodyPr/>
+        <a:lstStyle/>
+        <a:p>
+          <a:endParaRPr lang="el-GR"/>
+        </a:p>
+      </dgm:t>
+    </dgm:pt>
+    <dgm:pt modelId="{8FF6D778-4984-4BEE-A9CD-D7D38C39E583}" type="sibTrans" cxnId="{CEF5ACA3-43AE-4459-9B9F-3A66E9202F3B}">
+      <dgm:prSet/>
+      <dgm:spPr/>
+      <dgm:t>
+        <a:bodyPr/>
+        <a:lstStyle/>
+        <a:p>
+          <a:endParaRPr lang="el-GR"/>
+        </a:p>
+      </dgm:t>
+    </dgm:pt>
+    <dgm:pt modelId="{EC64628D-CD78-46E2-8E9C-FA230FC31A96}">
+      <dgm:prSet phldrT="[Κείμενο]" custT="1"/>
+      <dgm:spPr/>
+      <dgm:t>
+        <a:bodyPr/>
+        <a:lstStyle/>
+        <a:p>
+          <a:r>
+            <a:rPr lang="el-GR" sz="1800" kern="1200" dirty="0"/>
+            <a:t>Χειρισμός τεράστιων ποσοτήτων αδόμητων δεδομένων</a:t>
+          </a:r>
+        </a:p>
+      </dgm:t>
+    </dgm:pt>
+    <dgm:pt modelId="{72356883-729F-4829-86CF-D16369955436}" type="parTrans" cxnId="{F44BA59E-1858-43F8-B9CE-4FA69FFBC230}">
+      <dgm:prSet/>
+      <dgm:spPr/>
+      <dgm:t>
+        <a:bodyPr/>
+        <a:lstStyle/>
+        <a:p>
+          <a:endParaRPr lang="el-GR"/>
+        </a:p>
+      </dgm:t>
+    </dgm:pt>
+    <dgm:pt modelId="{C8D9A26C-183C-4AD3-896F-738DA89DE7E1}" type="sibTrans" cxnId="{F44BA59E-1858-43F8-B9CE-4FA69FFBC230}">
+      <dgm:prSet/>
+      <dgm:spPr/>
+      <dgm:t>
+        <a:bodyPr/>
+        <a:lstStyle/>
+        <a:p>
+          <a:endParaRPr lang="el-GR"/>
+        </a:p>
+      </dgm:t>
+    </dgm:pt>
+    <dgm:pt modelId="{95C91647-5B9F-4368-A0D0-A754E03CC1CE}">
+      <dgm:prSet phldrT="[Κείμενο]" custT="1"/>
+      <dgm:spPr/>
+      <dgm:t>
+        <a:bodyPr/>
+        <a:lstStyle/>
+        <a:p>
+          <a:r>
+            <a:rPr lang="el-GR" sz="1800" kern="1200" dirty="0"/>
+            <a:t>Αυξημένη ζήτηση για </a:t>
+          </a:r>
+          <a:r>
+            <a:rPr lang="en-US" sz="1800" kern="1200" dirty="0"/>
+            <a:t>data analytics</a:t>
+          </a:r>
+          <a:endParaRPr lang="el-GR" sz="1800" kern="1200" dirty="0"/>
+        </a:p>
+      </dgm:t>
+    </dgm:pt>
+    <dgm:pt modelId="{6DBAC584-83A2-4E97-A62D-EE98C1E96121}" type="parTrans" cxnId="{8B949505-0EB6-4D77-8866-5D005DD46931}">
+      <dgm:prSet/>
+      <dgm:spPr/>
+      <dgm:t>
+        <a:bodyPr/>
+        <a:lstStyle/>
+        <a:p>
+          <a:endParaRPr lang="el-GR"/>
+        </a:p>
+      </dgm:t>
+    </dgm:pt>
+    <dgm:pt modelId="{B6DE3410-F16F-4739-8AF4-CDCB9A8EFEF6}" type="sibTrans" cxnId="{8B949505-0EB6-4D77-8866-5D005DD46931}">
+      <dgm:prSet/>
+      <dgm:spPr/>
+      <dgm:t>
+        <a:bodyPr/>
+        <a:lstStyle/>
+        <a:p>
+          <a:endParaRPr lang="el-GR"/>
+        </a:p>
+      </dgm:t>
+    </dgm:pt>
+    <dgm:pt modelId="{240DFFAA-C9CD-49A8-850A-3F84079C91CA}">
+      <dgm:prSet phldrT="[Κείμενο]" custT="1"/>
+      <dgm:spPr/>
+      <dgm:t>
+        <a:bodyPr/>
+        <a:lstStyle/>
+        <a:p>
+          <a:r>
+            <a:rPr lang="el-GR" sz="2000" b="0" i="0" dirty="0"/>
+            <a:t>ΑΡΝΗΤΙΚΑ </a:t>
+          </a:r>
+          <a:endParaRPr lang="el-GR" sz="2000" dirty="0"/>
+        </a:p>
+      </dgm:t>
+    </dgm:pt>
+    <dgm:pt modelId="{F6265CCF-BCA6-4E52-B80A-2013212ACE97}" type="parTrans" cxnId="{6E9A8693-2B6B-48BD-8D58-A341730A5315}">
+      <dgm:prSet/>
+      <dgm:spPr/>
+      <dgm:t>
+        <a:bodyPr/>
+        <a:lstStyle/>
+        <a:p>
+          <a:endParaRPr lang="el-GR"/>
+        </a:p>
+      </dgm:t>
+    </dgm:pt>
+    <dgm:pt modelId="{AC1F0F8B-C1A2-4A5F-96FD-1DDEE4F7475E}" type="sibTrans" cxnId="{6E9A8693-2B6B-48BD-8D58-A341730A5315}">
+      <dgm:prSet/>
+      <dgm:spPr/>
+      <dgm:t>
+        <a:bodyPr/>
+        <a:lstStyle/>
+        <a:p>
+          <a:endParaRPr lang="el-GR"/>
+        </a:p>
+      </dgm:t>
+    </dgm:pt>
+    <dgm:pt modelId="{F3DB6329-6965-4725-962A-BA3D2D6C7404}">
+      <dgm:prSet phldrT="[Κείμενο]" custT="1"/>
+      <dgm:spPr/>
+      <dgm:t>
+        <a:bodyPr/>
+        <a:lstStyle/>
+        <a:p>
+          <a:r>
+            <a:rPr lang="el-GR" sz="1800" b="0" i="0" dirty="0"/>
+            <a:t>Ασφάλεια – </a:t>
+          </a:r>
+          <a:r>
+            <a:rPr lang="el-GR" sz="1800" b="0" i="0" dirty="0" err="1"/>
+            <a:t>ιδιωτικότητα</a:t>
+          </a:r>
+          <a:endParaRPr lang="el-GR" sz="1800" dirty="0"/>
+        </a:p>
+      </dgm:t>
+    </dgm:pt>
+    <dgm:pt modelId="{35E836CB-5E5C-4AD9-89AB-FB2AD8B40925}" type="parTrans" cxnId="{CF87A38E-C9E6-41E7-81DC-E8477CDB0C02}">
+      <dgm:prSet/>
+      <dgm:spPr/>
+      <dgm:t>
+        <a:bodyPr/>
+        <a:lstStyle/>
+        <a:p>
+          <a:endParaRPr lang="el-GR"/>
+        </a:p>
+      </dgm:t>
+    </dgm:pt>
+    <dgm:pt modelId="{5448CF89-F9D5-4970-BBC1-F86ACBD195F5}" type="sibTrans" cxnId="{CF87A38E-C9E6-41E7-81DC-E8477CDB0C02}">
+      <dgm:prSet/>
+      <dgm:spPr/>
+      <dgm:t>
+        <a:bodyPr/>
+        <a:lstStyle/>
+        <a:p>
+          <a:endParaRPr lang="el-GR"/>
+        </a:p>
+      </dgm:t>
+    </dgm:pt>
+    <dgm:pt modelId="{13DCAAE8-F41E-4647-A68D-F7317CEB2ACB}">
+      <dgm:prSet phldrT="[Κείμενο]" custT="1"/>
+      <dgm:spPr/>
+      <dgm:t>
+        <a:bodyPr/>
+        <a:lstStyle/>
+        <a:p>
+          <a:r>
+            <a:rPr lang="el-GR" sz="1800" b="0" i="0" dirty="0"/>
+            <a:t>Χαμηλή διαθεσιμότητα εξειδικευμένου προσωπικού</a:t>
+          </a:r>
+          <a:endParaRPr lang="el-GR" sz="1800" dirty="0"/>
+        </a:p>
+      </dgm:t>
+    </dgm:pt>
+    <dgm:pt modelId="{3C49DB9E-77F7-4310-8A41-F6EF2751845B}" type="parTrans" cxnId="{A8BDFC90-CD0B-4706-90EA-5A0F3B9409B4}">
+      <dgm:prSet/>
+      <dgm:spPr/>
+      <dgm:t>
+        <a:bodyPr/>
+        <a:lstStyle/>
+        <a:p>
+          <a:endParaRPr lang="el-GR"/>
+        </a:p>
+      </dgm:t>
+    </dgm:pt>
+    <dgm:pt modelId="{617CD7A7-5A76-4A0F-844D-CCD403D2B253}" type="sibTrans" cxnId="{A8BDFC90-CD0B-4706-90EA-5A0F3B9409B4}">
+      <dgm:prSet/>
+      <dgm:spPr/>
+      <dgm:t>
+        <a:bodyPr/>
+        <a:lstStyle/>
+        <a:p>
+          <a:endParaRPr lang="el-GR"/>
+        </a:p>
+      </dgm:t>
+    </dgm:pt>
+    <dgm:pt modelId="{4375D789-AAB0-4B4F-882B-57C10F23AACD}">
+      <dgm:prSet phldrT="[Κείμενο]" custT="1"/>
+      <dgm:spPr/>
+      <dgm:t>
+        <a:bodyPr/>
+        <a:lstStyle/>
+        <a:p>
+          <a:r>
+            <a:rPr lang="el-GR" sz="1800" b="0" i="0" kern="1200" dirty="0">
+              <a:solidFill>
+                <a:prstClr val="black">
+                  <a:hueOff val="0"/>
+                  <a:satOff val="0"/>
+                  <a:lumOff val="0"/>
+                  <a:alphaOff val="0"/>
+                </a:prstClr>
+              </a:solidFill>
+              <a:latin typeface="Calibri" panose="020F0502020204030204"/>
+              <a:ea typeface="+mn-ea"/>
+              <a:cs typeface="+mn-cs"/>
+            </a:rPr>
+            <a:t>Γρήγορη και οικονομική επεξεργασία δεδομένων</a:t>
+          </a:r>
+          <a:endParaRPr lang="el-GR" sz="1800" kern="1200" dirty="0"/>
+        </a:p>
+      </dgm:t>
+    </dgm:pt>
+    <dgm:pt modelId="{9EA0A6A6-59FD-4FBA-ADC4-46C09AA310BD}" type="sibTrans" cxnId="{755A66D2-6953-4486-9D8C-929874E635ED}">
+      <dgm:prSet/>
+      <dgm:spPr/>
+      <dgm:t>
+        <a:bodyPr/>
+        <a:lstStyle/>
+        <a:p>
+          <a:endParaRPr lang="el-GR"/>
+        </a:p>
+      </dgm:t>
+    </dgm:pt>
+    <dgm:pt modelId="{DF760CDD-B1AC-4C1F-9F91-F5547300026A}" type="parTrans" cxnId="{755A66D2-6953-4486-9D8C-929874E635ED}">
+      <dgm:prSet/>
+      <dgm:spPr/>
+      <dgm:t>
+        <a:bodyPr/>
+        <a:lstStyle/>
+        <a:p>
+          <a:endParaRPr lang="el-GR"/>
+        </a:p>
+      </dgm:t>
+    </dgm:pt>
+    <dgm:pt modelId="{960BCC3B-E2EE-4035-AA8B-9AEF737295E1}" type="pres">
+      <dgm:prSet presAssocID="{B67B2781-D5DF-44F0-AB13-78FD43D89DC1}" presName="compositeShape" presStyleCnt="0">
+        <dgm:presLayoutVars>
+          <dgm:chMax val="2"/>
+          <dgm:dir/>
+          <dgm:resizeHandles val="exact"/>
+        </dgm:presLayoutVars>
+      </dgm:prSet>
+      <dgm:spPr/>
+    </dgm:pt>
+    <dgm:pt modelId="{9C579C54-B8A7-41CB-AC0C-066F5D72B794}" type="pres">
+      <dgm:prSet presAssocID="{C977F768-43E5-4AA0-8B60-1363EDE42D96}" presName="upArrow" presStyleLbl="node1" presStyleIdx="0" presStyleCnt="2"/>
+      <dgm:spPr/>
+    </dgm:pt>
+    <dgm:pt modelId="{2C64EDE6-A0AF-43E4-A5B0-DA3610F77890}" type="pres">
+      <dgm:prSet presAssocID="{C977F768-43E5-4AA0-8B60-1363EDE42D96}" presName="upArrowText" presStyleLbl="revTx" presStyleIdx="0" presStyleCnt="2">
+        <dgm:presLayoutVars>
+          <dgm:chMax val="0"/>
+          <dgm:bulletEnabled val="1"/>
+        </dgm:presLayoutVars>
+      </dgm:prSet>
+      <dgm:spPr/>
+    </dgm:pt>
+    <dgm:pt modelId="{E4135B8E-C3E0-4DD4-8E06-428818C29F13}" type="pres">
+      <dgm:prSet presAssocID="{240DFFAA-C9CD-49A8-850A-3F84079C91CA}" presName="downArrow" presStyleLbl="node1" presStyleIdx="1" presStyleCnt="2"/>
+      <dgm:spPr/>
+    </dgm:pt>
+    <dgm:pt modelId="{26DA16A8-0BDA-48C3-8CC3-18E774996ADA}" type="pres">
+      <dgm:prSet presAssocID="{240DFFAA-C9CD-49A8-850A-3F84079C91CA}" presName="downArrowText" presStyleLbl="revTx" presStyleIdx="1" presStyleCnt="2">
+        <dgm:presLayoutVars>
+          <dgm:chMax val="0"/>
+          <dgm:bulletEnabled val="1"/>
+        </dgm:presLayoutVars>
+      </dgm:prSet>
+      <dgm:spPr/>
+    </dgm:pt>
+  </dgm:ptLst>
+  <dgm:cxnLst>
+    <dgm:cxn modelId="{8B949505-0EB6-4D77-8866-5D005DD46931}" srcId="{C977F768-43E5-4AA0-8B60-1363EDE42D96}" destId="{95C91647-5B9F-4368-A0D0-A754E03CC1CE}" srcOrd="2" destOrd="0" parTransId="{6DBAC584-83A2-4E97-A62D-EE98C1E96121}" sibTransId="{B6DE3410-F16F-4739-8AF4-CDCB9A8EFEF6}"/>
+    <dgm:cxn modelId="{7850982E-0B3B-4653-AE66-931497F2BFA7}" type="presOf" srcId="{C977F768-43E5-4AA0-8B60-1363EDE42D96}" destId="{2C64EDE6-A0AF-43E4-A5B0-DA3610F77890}" srcOrd="0" destOrd="0" presId="urn:microsoft.com/office/officeart/2005/8/layout/arrow4"/>
+    <dgm:cxn modelId="{7BE95584-C974-47EB-A66D-D064EC8486B8}" type="presOf" srcId="{13DCAAE8-F41E-4647-A68D-F7317CEB2ACB}" destId="{26DA16A8-0BDA-48C3-8CC3-18E774996ADA}" srcOrd="0" destOrd="2" presId="urn:microsoft.com/office/officeart/2005/8/layout/arrow4"/>
+    <dgm:cxn modelId="{CF87A38E-C9E6-41E7-81DC-E8477CDB0C02}" srcId="{240DFFAA-C9CD-49A8-850A-3F84079C91CA}" destId="{F3DB6329-6965-4725-962A-BA3D2D6C7404}" srcOrd="0" destOrd="0" parTransId="{35E836CB-5E5C-4AD9-89AB-FB2AD8B40925}" sibTransId="{5448CF89-F9D5-4970-BBC1-F86ACBD195F5}"/>
+    <dgm:cxn modelId="{A8BDFC90-CD0B-4706-90EA-5A0F3B9409B4}" srcId="{240DFFAA-C9CD-49A8-850A-3F84079C91CA}" destId="{13DCAAE8-F41E-4647-A68D-F7317CEB2ACB}" srcOrd="1" destOrd="0" parTransId="{3C49DB9E-77F7-4310-8A41-F6EF2751845B}" sibTransId="{617CD7A7-5A76-4A0F-844D-CCD403D2B253}"/>
+    <dgm:cxn modelId="{6E9A8693-2B6B-48BD-8D58-A341730A5315}" srcId="{B67B2781-D5DF-44F0-AB13-78FD43D89DC1}" destId="{240DFFAA-C9CD-49A8-850A-3F84079C91CA}" srcOrd="1" destOrd="0" parTransId="{F6265CCF-BCA6-4E52-B80A-2013212ACE97}" sibTransId="{AC1F0F8B-C1A2-4A5F-96FD-1DDEE4F7475E}"/>
+    <dgm:cxn modelId="{F44BA59E-1858-43F8-B9CE-4FA69FFBC230}" srcId="{C977F768-43E5-4AA0-8B60-1363EDE42D96}" destId="{EC64628D-CD78-46E2-8E9C-FA230FC31A96}" srcOrd="1" destOrd="0" parTransId="{72356883-729F-4829-86CF-D16369955436}" sibTransId="{C8D9A26C-183C-4AD3-896F-738DA89DE7E1}"/>
+    <dgm:cxn modelId="{CEF5ACA3-43AE-4459-9B9F-3A66E9202F3B}" srcId="{B67B2781-D5DF-44F0-AB13-78FD43D89DC1}" destId="{C977F768-43E5-4AA0-8B60-1363EDE42D96}" srcOrd="0" destOrd="0" parTransId="{ED7B6A07-F887-4C17-A367-E6050BA5629B}" sibTransId="{8FF6D778-4984-4BEE-A9CD-D7D38C39E583}"/>
+    <dgm:cxn modelId="{CF8F7FAE-3599-48EA-BD1D-5F001E310178}" type="presOf" srcId="{F3DB6329-6965-4725-962A-BA3D2D6C7404}" destId="{26DA16A8-0BDA-48C3-8CC3-18E774996ADA}" srcOrd="0" destOrd="1" presId="urn:microsoft.com/office/officeart/2005/8/layout/arrow4"/>
+    <dgm:cxn modelId="{ED3DABBA-9543-473E-BF0A-4953BF7F3E74}" type="presOf" srcId="{4375D789-AAB0-4B4F-882B-57C10F23AACD}" destId="{2C64EDE6-A0AF-43E4-A5B0-DA3610F77890}" srcOrd="0" destOrd="1" presId="urn:microsoft.com/office/officeart/2005/8/layout/arrow4"/>
+    <dgm:cxn modelId="{639198CB-7945-42FF-A574-995FBF388CD0}" type="presOf" srcId="{240DFFAA-C9CD-49A8-850A-3F84079C91CA}" destId="{26DA16A8-0BDA-48C3-8CC3-18E774996ADA}" srcOrd="0" destOrd="0" presId="urn:microsoft.com/office/officeart/2005/8/layout/arrow4"/>
+    <dgm:cxn modelId="{46A678CD-720E-40BC-AC45-2C7050987792}" type="presOf" srcId="{EC64628D-CD78-46E2-8E9C-FA230FC31A96}" destId="{2C64EDE6-A0AF-43E4-A5B0-DA3610F77890}" srcOrd="0" destOrd="2" presId="urn:microsoft.com/office/officeart/2005/8/layout/arrow4"/>
+    <dgm:cxn modelId="{3C9DBECF-1969-41B1-A9D8-D8A5F0E7F152}" type="presOf" srcId="{B67B2781-D5DF-44F0-AB13-78FD43D89DC1}" destId="{960BCC3B-E2EE-4035-AA8B-9AEF737295E1}" srcOrd="0" destOrd="0" presId="urn:microsoft.com/office/officeart/2005/8/layout/arrow4"/>
+    <dgm:cxn modelId="{755A66D2-6953-4486-9D8C-929874E635ED}" srcId="{C977F768-43E5-4AA0-8B60-1363EDE42D96}" destId="{4375D789-AAB0-4B4F-882B-57C10F23AACD}" srcOrd="0" destOrd="0" parTransId="{DF760CDD-B1AC-4C1F-9F91-F5547300026A}" sibTransId="{9EA0A6A6-59FD-4FBA-ADC4-46C09AA310BD}"/>
+    <dgm:cxn modelId="{9F514AD9-A4A9-44D1-9DA3-F2E75ABCE9DD}" type="presOf" srcId="{95C91647-5B9F-4368-A0D0-A754E03CC1CE}" destId="{2C64EDE6-A0AF-43E4-A5B0-DA3610F77890}" srcOrd="0" destOrd="3" presId="urn:microsoft.com/office/officeart/2005/8/layout/arrow4"/>
+    <dgm:cxn modelId="{A1CE2615-1BCA-4206-A6FF-94D888BBB230}" type="presParOf" srcId="{960BCC3B-E2EE-4035-AA8B-9AEF737295E1}" destId="{9C579C54-B8A7-41CB-AC0C-066F5D72B794}" srcOrd="0" destOrd="0" presId="urn:microsoft.com/office/officeart/2005/8/layout/arrow4"/>
+    <dgm:cxn modelId="{78D15179-5F3E-4620-9F8B-40482EC7CA64}" type="presParOf" srcId="{960BCC3B-E2EE-4035-AA8B-9AEF737295E1}" destId="{2C64EDE6-A0AF-43E4-A5B0-DA3610F77890}" srcOrd="1" destOrd="0" presId="urn:microsoft.com/office/officeart/2005/8/layout/arrow4"/>
+    <dgm:cxn modelId="{4061235E-4BCF-4985-833D-6559E20BA2B2}" type="presParOf" srcId="{960BCC3B-E2EE-4035-AA8B-9AEF737295E1}" destId="{E4135B8E-C3E0-4DD4-8E06-428818C29F13}" srcOrd="2" destOrd="0" presId="urn:microsoft.com/office/officeart/2005/8/layout/arrow4"/>
+    <dgm:cxn modelId="{58AB1F2B-6336-42B3-9931-ED737F32C423}" type="presParOf" srcId="{960BCC3B-E2EE-4035-AA8B-9AEF737295E1}" destId="{26DA16A8-0BDA-48C3-8CC3-18E774996ADA}" srcOrd="3" destOrd="0" presId="urn:microsoft.com/office/officeart/2005/8/layout/arrow4"/>
+  </dgm:cxnLst>
+  <dgm:bg/>
+  <dgm:whole/>
+  <dgm:extLst>
+    <a:ext uri="http://schemas.microsoft.com/office/drawing/2008/diagram">
+      <dsp:dataModelExt xmlns:dsp="http://schemas.microsoft.com/office/drawing/2008/diagram" relId="rId7" minVer="http://schemas.openxmlformats.org/drawingml/2006/diagram"/>
+    </a:ext>
+  </dgm:extLst>
+</dgm:dataModel>
+</file>
+
+<file path=ppt/diagrams/drawing1.xml><?xml version="1.0" encoding="utf-8"?>
+<dsp:drawing xmlns:dgm="http://schemas.openxmlformats.org/drawingml/2006/diagram" xmlns:dsp="http://schemas.microsoft.com/office/drawing/2008/diagram" xmlns:a="http://schemas.openxmlformats.org/drawingml/2006/main">
+  <dsp:spTree>
+    <dsp:nvGrpSpPr>
+      <dsp:cNvPr id="0" name=""/>
+      <dsp:cNvGrpSpPr/>
+    </dsp:nvGrpSpPr>
+    <dsp:grpSpPr/>
+    <dsp:sp modelId="{9C579C54-B8A7-41CB-AC0C-066F5D72B794}">
+      <dsp:nvSpPr>
+        <dsp:cNvPr id="0" name=""/>
+        <dsp:cNvSpPr/>
+      </dsp:nvSpPr>
+      <dsp:spPr>
+        <a:xfrm>
+          <a:off x="2849" y="0"/>
+          <a:ext cx="1709928" cy="2088642"/>
+        </a:xfrm>
+        <a:prstGeom prst="upArrow">
+          <a:avLst/>
+        </a:prstGeom>
+        <a:solidFill>
+          <a:schemeClr val="accent1">
+            <a:hueOff val="0"/>
+            <a:satOff val="0"/>
+            <a:lumOff val="0"/>
+            <a:alphaOff val="0"/>
+          </a:schemeClr>
+        </a:solidFill>
+        <a:ln w="12700" cap="flat" cmpd="sng" algn="ctr">
+          <a:solidFill>
+            <a:schemeClr val="lt1">
+              <a:hueOff val="0"/>
+              <a:satOff val="0"/>
+              <a:lumOff val="0"/>
+              <a:alphaOff val="0"/>
+            </a:schemeClr>
+          </a:solidFill>
+          <a:prstDash val="solid"/>
+          <a:miter lim="800000"/>
+        </a:ln>
+        <a:effectLst/>
+      </dsp:spPr>
+      <dsp:style>
+        <a:lnRef idx="2">
+          <a:scrgbClr r="0" g="0" b="0"/>
+        </a:lnRef>
+        <a:fillRef idx="1">
+          <a:scrgbClr r="0" g="0" b="0"/>
+        </a:fillRef>
+        <a:effectRef idx="0">
+          <a:scrgbClr r="0" g="0" b="0"/>
+        </a:effectRef>
+        <a:fontRef idx="minor">
+          <a:schemeClr val="lt1"/>
+        </a:fontRef>
+      </dsp:style>
+    </dsp:sp>
+    <dsp:sp modelId="{2C64EDE6-A0AF-43E4-A5B0-DA3610F77890}">
+      <dsp:nvSpPr>
+        <dsp:cNvPr id="0" name=""/>
+        <dsp:cNvSpPr/>
+      </dsp:nvSpPr>
+      <dsp:spPr>
+        <a:xfrm>
+          <a:off x="1764075" y="0"/>
+          <a:ext cx="2901696" cy="2088642"/>
+        </a:xfrm>
+        <a:prstGeom prst="rect">
+          <a:avLst/>
+        </a:prstGeom>
+        <a:noFill/>
+        <a:ln>
+          <a:noFill/>
+        </a:ln>
+        <a:effectLst/>
+      </dsp:spPr>
+      <dsp:style>
+        <a:lnRef idx="0">
+          <a:scrgbClr r="0" g="0" b="0"/>
+        </a:lnRef>
+        <a:fillRef idx="0">
+          <a:scrgbClr r="0" g="0" b="0"/>
+        </a:fillRef>
+        <a:effectRef idx="0">
+          <a:scrgbClr r="0" g="0" b="0"/>
+        </a:effectRef>
+        <a:fontRef idx="minor"/>
+      </dsp:style>
+      <dsp:txBody>
+        <a:bodyPr spcFirstLastPara="0" vert="horz" wrap="square" lIns="142240" tIns="0" rIns="142240" bIns="142240" numCol="1" spcCol="1270" anchor="ctr" anchorCtr="0">
+          <a:noAutofit/>
+        </a:bodyPr>
+        <a:lstStyle/>
+        <a:p>
+          <a:pPr marL="0" lvl="0" indent="0" algn="l" defTabSz="889000">
+            <a:lnSpc>
+              <a:spcPct val="90000"/>
+            </a:lnSpc>
+            <a:spcBef>
+              <a:spcPct val="0"/>
+            </a:spcBef>
+            <a:spcAft>
+              <a:spcPct val="35000"/>
+            </a:spcAft>
+            <a:buNone/>
+          </a:pPr>
+          <a:r>
+            <a:rPr lang="el-GR" sz="2000" b="0" i="0" kern="1200" dirty="0">
+              <a:solidFill>
+                <a:prstClr val="black">
+                  <a:hueOff val="0"/>
+                  <a:satOff val="0"/>
+                  <a:lumOff val="0"/>
+                  <a:alphaOff val="0"/>
+                </a:prstClr>
+              </a:solidFill>
+              <a:latin typeface="Calibri" panose="020F0502020204030204"/>
+              <a:ea typeface="+mn-ea"/>
+              <a:cs typeface="+mn-cs"/>
+            </a:rPr>
+            <a:t>ΘΕΤΙΚΑ</a:t>
+          </a:r>
+          <a:endParaRPr lang="el-GR" sz="2400" kern="1200" dirty="0"/>
+        </a:p>
+        <a:p>
+          <a:pPr marL="171450" lvl="1" indent="-171450" algn="l" defTabSz="800100">
+            <a:lnSpc>
+              <a:spcPct val="90000"/>
+            </a:lnSpc>
+            <a:spcBef>
+              <a:spcPct val="0"/>
+            </a:spcBef>
+            <a:spcAft>
+              <a:spcPct val="15000"/>
+            </a:spcAft>
+            <a:buChar char="•"/>
+          </a:pPr>
+          <a:r>
+            <a:rPr lang="el-GR" sz="1800" b="0" i="0" kern="1200" dirty="0">
+              <a:solidFill>
+                <a:prstClr val="black">
+                  <a:hueOff val="0"/>
+                  <a:satOff val="0"/>
+                  <a:lumOff val="0"/>
+                  <a:alphaOff val="0"/>
+                </a:prstClr>
+              </a:solidFill>
+              <a:latin typeface="Calibri" panose="020F0502020204030204"/>
+              <a:ea typeface="+mn-ea"/>
+              <a:cs typeface="+mn-cs"/>
+            </a:rPr>
+            <a:t>Γρήγορη και οικονομική επεξεργασία δεδομένων</a:t>
+          </a:r>
+          <a:endParaRPr lang="el-GR" sz="1800" kern="1200" dirty="0"/>
+        </a:p>
+        <a:p>
+          <a:pPr marL="171450" lvl="1" indent="-171450" algn="l" defTabSz="800100">
+            <a:lnSpc>
+              <a:spcPct val="90000"/>
+            </a:lnSpc>
+            <a:spcBef>
+              <a:spcPct val="0"/>
+            </a:spcBef>
+            <a:spcAft>
+              <a:spcPct val="15000"/>
+            </a:spcAft>
+            <a:buChar char="•"/>
+          </a:pPr>
+          <a:r>
+            <a:rPr lang="el-GR" sz="1800" kern="1200" dirty="0"/>
+            <a:t>Χειρισμός τεράστιων ποσοτήτων αδόμητων δεδομένων</a:t>
+          </a:r>
+        </a:p>
+        <a:p>
+          <a:pPr marL="171450" lvl="1" indent="-171450" algn="l" defTabSz="800100">
+            <a:lnSpc>
+              <a:spcPct val="90000"/>
+            </a:lnSpc>
+            <a:spcBef>
+              <a:spcPct val="0"/>
+            </a:spcBef>
+            <a:spcAft>
+              <a:spcPct val="15000"/>
+            </a:spcAft>
+            <a:buChar char="•"/>
+          </a:pPr>
+          <a:r>
+            <a:rPr lang="el-GR" sz="1800" kern="1200" dirty="0"/>
+            <a:t>Αυξημένη ζήτηση για </a:t>
+          </a:r>
+          <a:r>
+            <a:rPr lang="en-US" sz="1800" kern="1200" dirty="0"/>
+            <a:t>data analytics</a:t>
+          </a:r>
+          <a:endParaRPr lang="el-GR" sz="1800" kern="1200" dirty="0"/>
+        </a:p>
+      </dsp:txBody>
+      <dsp:txXfrm>
+        <a:off x="1764075" y="0"/>
+        <a:ext cx="2901696" cy="2088642"/>
+      </dsp:txXfrm>
+    </dsp:sp>
+    <dsp:sp modelId="{E4135B8E-C3E0-4DD4-8E06-428818C29F13}">
+      <dsp:nvSpPr>
+        <dsp:cNvPr id="0" name=""/>
+        <dsp:cNvSpPr/>
+      </dsp:nvSpPr>
+      <dsp:spPr>
+        <a:xfrm>
+          <a:off x="515828" y="2262695"/>
+          <a:ext cx="1709928" cy="2088642"/>
+        </a:xfrm>
+        <a:prstGeom prst="downArrow">
+          <a:avLst/>
+        </a:prstGeom>
+        <a:solidFill>
+          <a:schemeClr val="accent1">
+            <a:hueOff val="0"/>
+            <a:satOff val="0"/>
+            <a:lumOff val="0"/>
+            <a:alphaOff val="0"/>
+          </a:schemeClr>
+        </a:solidFill>
+        <a:ln w="12700" cap="flat" cmpd="sng" algn="ctr">
+          <a:solidFill>
+            <a:schemeClr val="lt1">
+              <a:hueOff val="0"/>
+              <a:satOff val="0"/>
+              <a:lumOff val="0"/>
+              <a:alphaOff val="0"/>
+            </a:schemeClr>
+          </a:solidFill>
+          <a:prstDash val="solid"/>
+          <a:miter lim="800000"/>
+        </a:ln>
+        <a:effectLst/>
+      </dsp:spPr>
+      <dsp:style>
+        <a:lnRef idx="2">
+          <a:scrgbClr r="0" g="0" b="0"/>
+        </a:lnRef>
+        <a:fillRef idx="1">
+          <a:scrgbClr r="0" g="0" b="0"/>
+        </a:fillRef>
+        <a:effectRef idx="0">
+          <a:scrgbClr r="0" g="0" b="0"/>
+        </a:effectRef>
+        <a:fontRef idx="minor">
+          <a:schemeClr val="lt1"/>
+        </a:fontRef>
+      </dsp:style>
+    </dsp:sp>
+    <dsp:sp modelId="{26DA16A8-0BDA-48C3-8CC3-18E774996ADA}">
+      <dsp:nvSpPr>
+        <dsp:cNvPr id="0" name=""/>
+        <dsp:cNvSpPr/>
+      </dsp:nvSpPr>
+      <dsp:spPr>
+        <a:xfrm>
+          <a:off x="2277054" y="2262695"/>
+          <a:ext cx="2901696" cy="2088642"/>
+        </a:xfrm>
+        <a:prstGeom prst="rect">
+          <a:avLst/>
+        </a:prstGeom>
+        <a:noFill/>
+        <a:ln>
+          <a:noFill/>
+        </a:ln>
+        <a:effectLst/>
+      </dsp:spPr>
+      <dsp:style>
+        <a:lnRef idx="0">
+          <a:scrgbClr r="0" g="0" b="0"/>
+        </a:lnRef>
+        <a:fillRef idx="0">
+          <a:scrgbClr r="0" g="0" b="0"/>
+        </a:fillRef>
+        <a:effectRef idx="0">
+          <a:scrgbClr r="0" g="0" b="0"/>
+        </a:effectRef>
+        <a:fontRef idx="minor"/>
+      </dsp:style>
+      <dsp:txBody>
+        <a:bodyPr spcFirstLastPara="0" vert="horz" wrap="square" lIns="142240" tIns="0" rIns="142240" bIns="142240" numCol="1" spcCol="1270" anchor="ctr" anchorCtr="0">
+          <a:noAutofit/>
+        </a:bodyPr>
+        <a:lstStyle/>
+        <a:p>
+          <a:pPr marL="0" lvl="0" indent="0" algn="l" defTabSz="889000">
+            <a:lnSpc>
+              <a:spcPct val="90000"/>
+            </a:lnSpc>
+            <a:spcBef>
+              <a:spcPct val="0"/>
+            </a:spcBef>
+            <a:spcAft>
+              <a:spcPct val="35000"/>
+            </a:spcAft>
+            <a:buNone/>
+          </a:pPr>
+          <a:r>
+            <a:rPr lang="el-GR" sz="2000" b="0" i="0" kern="1200" dirty="0"/>
+            <a:t>ΑΡΝΗΤΙΚΑ </a:t>
+          </a:r>
+          <a:endParaRPr lang="el-GR" sz="2000" kern="1200" dirty="0"/>
+        </a:p>
+        <a:p>
+          <a:pPr marL="171450" lvl="1" indent="-171450" algn="l" defTabSz="800100">
+            <a:lnSpc>
+              <a:spcPct val="90000"/>
+            </a:lnSpc>
+            <a:spcBef>
+              <a:spcPct val="0"/>
+            </a:spcBef>
+            <a:spcAft>
+              <a:spcPct val="15000"/>
+            </a:spcAft>
+            <a:buChar char="•"/>
+          </a:pPr>
+          <a:r>
+            <a:rPr lang="el-GR" sz="1800" b="0" i="0" kern="1200" dirty="0"/>
+            <a:t>Ασφάλεια – </a:t>
+          </a:r>
+          <a:r>
+            <a:rPr lang="el-GR" sz="1800" b="0" i="0" kern="1200" dirty="0" err="1"/>
+            <a:t>ιδιωτικότητα</a:t>
+          </a:r>
+          <a:endParaRPr lang="el-GR" sz="1800" kern="1200" dirty="0"/>
+        </a:p>
+        <a:p>
+          <a:pPr marL="171450" lvl="1" indent="-171450" algn="l" defTabSz="800100">
+            <a:lnSpc>
+              <a:spcPct val="90000"/>
+            </a:lnSpc>
+            <a:spcBef>
+              <a:spcPct val="0"/>
+            </a:spcBef>
+            <a:spcAft>
+              <a:spcPct val="15000"/>
+            </a:spcAft>
+            <a:buChar char="•"/>
+          </a:pPr>
+          <a:r>
+            <a:rPr lang="el-GR" sz="1800" b="0" i="0" kern="1200" dirty="0"/>
+            <a:t>Χαμηλή διαθεσιμότητα εξειδικευμένου προσωπικού</a:t>
+          </a:r>
+          <a:endParaRPr lang="el-GR" sz="1800" kern="1200" dirty="0"/>
+        </a:p>
+      </dsp:txBody>
+      <dsp:txXfrm>
+        <a:off x="2277054" y="2262695"/>
+        <a:ext cx="2901696" cy="2088642"/>
+      </dsp:txXfrm>
+    </dsp:sp>
+  </dsp:spTree>
+</dsp:drawing>
+</file>
+
+<file path=ppt/diagrams/layout1.xml><?xml version="1.0" encoding="utf-8"?>
+<dgm:layoutDef xmlns:dgm="http://schemas.openxmlformats.org/drawingml/2006/diagram" xmlns:a="http://schemas.openxmlformats.org/drawingml/2006/main" uniqueId="urn:microsoft.com/office/officeart/2005/8/layout/arrow4">
+  <dgm:title val=""/>
+  <dgm:desc val=""/>
+  <dgm:catLst>
+    <dgm:cat type="relationship" pri="8000"/>
+    <dgm:cat type="process" pri="30000"/>
+  </dgm:catLst>
+  <dgm:sampData>
+    <dgm:dataModel>
+      <dgm:ptLst>
+        <dgm:pt modelId="0" type="doc"/>
+        <dgm:pt modelId="1">
+          <dgm:prSet phldr="1"/>
+        </dgm:pt>
+        <dgm:pt modelId="2">
+          <dgm:prSet phldr="1"/>
+        </dgm:pt>
+      </dgm:ptLst>
+      <dgm:cxnLst>
+        <dgm:cxn modelId="3" srcId="0" destId="1" srcOrd="0" destOrd="0"/>
+        <dgm:cxn modelId="4" srcId="0" destId="2" srcOrd="1" destOrd="0"/>
+      </dgm:cxnLst>
+      <dgm:bg/>
+      <dgm:whole/>
+    </dgm:dataModel>
+  </dgm:sampData>
+  <dgm:styleData>
+    <dgm:dataModel>
+      <dgm:ptLst>
+        <dgm:pt modelId="0" type="doc"/>
+        <dgm:pt modelId="1"/>
+        <dgm:pt modelId="2"/>
+      </dgm:ptLst>
+      <dgm:cxnLst>
+        <dgm:cxn modelId="3" srcId="0" destId="1" srcOrd="0" destOrd="0"/>
+        <dgm:cxn modelId="4" srcId="0" destId="2" srcOrd="1" destOrd="0"/>
+      </dgm:cxnLst>
+      <dgm:bg/>
+      <dgm:whole/>
+    </dgm:dataModel>
+  </dgm:styleData>
+  <dgm:clrData>
+    <dgm:dataModel>
+      <dgm:ptLst>
+        <dgm:pt modelId="0" type="doc"/>
+        <dgm:pt modelId="1"/>
+        <dgm:pt modelId="2"/>
+      </dgm:ptLst>
+      <dgm:cxnLst>
+        <dgm:cxn modelId="3" srcId="0" destId="1" srcOrd="0" destOrd="0"/>
+        <dgm:cxn modelId="4" srcId="0" destId="2" srcOrd="1" destOrd="0"/>
+      </dgm:cxnLst>
+      <dgm:bg/>
+      <dgm:whole/>
+    </dgm:dataModel>
+  </dgm:clrData>
+  <dgm:layoutNode name="compositeShape">
+    <dgm:varLst>
+      <dgm:chMax val="2"/>
+      <dgm:dir/>
+      <dgm:resizeHandles val="exact"/>
+    </dgm:varLst>
+    <dgm:alg type="composite"/>
+    <dgm:shape xmlns:r="http://schemas.openxmlformats.org/officeDocument/2006/relationships" r:blip="">
+      <dgm:adjLst/>
+    </dgm:shape>
+    <dgm:presOf/>
+    <dgm:choose name="Name0">
+      <dgm:if name="Name1" func="var" arg="dir" op="equ" val="norm">
+        <dgm:choose name="Name2">
+          <dgm:if name="Name3" axis="ch" ptType="node" func="cnt" op="lte" val="1">
+            <dgm:constrLst>
+              <dgm:constr type="primFontSz" for="des" ptType="node" op="equ" val="65"/>
+              <dgm:constr type="w" for="ch" forName="upArrow" refType="w" fact="0.33"/>
+              <dgm:constr type="h" for="ch" forName="upArrow" refType="h"/>
+              <dgm:constr type="b" for="ch" forName="upArrow" refType="h" fact="0.48"/>
+              <dgm:constr type="l" for="ch" forName="upArrow"/>
+              <dgm:constr type="h" for="ch" forName="upArrow" refType="w" refFor="ch" refForName="upArrow" op="gte" fact="0.75"/>
+              <dgm:constr type="w" for="ch" forName="upArrowText" refType="w" fact="0.56"/>
+              <dgm:constr type="h" for="ch" forName="upArrowText" refType="h"/>
+              <dgm:constr type="b" for="ch" forName="upArrowText" refType="h" fact="0.48"/>
+              <dgm:constr type="l" for="ch" forName="upArrowText" refType="w" refFor="ch" refForName="upArrow" fact="1.03"/>
+            </dgm:constrLst>
+          </dgm:if>
+          <dgm:else name="Name4">
+            <dgm:constrLst>
+              <dgm:constr type="primFontSz" for="des" ptType="node" op="equ" val="65"/>
+              <dgm:constr type="w" for="ch" forName="upArrow" refType="w" fact="0.33"/>
+              <dgm:constr type="h" for="ch" forName="upArrow" refType="h" fact="0.48"/>
+              <dgm:constr type="b" for="ch" forName="upArrow" refType="h" fact="0.48"/>
+              <dgm:constr type="l" for="ch" forName="upArrow"/>
+              <dgm:constr type="h" for="ch" forName="upArrow" refType="w" refFor="ch" refForName="upArrow" op="gte" fact="0.75"/>
+              <dgm:constr type="w" for="ch" forName="upArrowText" refType="w" fact="0.56"/>
+              <dgm:constr type="h" for="ch" forName="upArrowText" refType="h" fact="0.48"/>
+              <dgm:constr type="b" for="ch" forName="upArrowText" refType="h" fact="0.48"/>
+              <dgm:constr type="l" for="ch" forName="upArrowText" refType="w" refFor="ch" refForName="upArrow" fact="1.03"/>
+              <dgm:constr type="w" for="ch" forName="downArrow" refType="w" fact="0.33"/>
+              <dgm:constr type="h" for="ch" forName="downArrow" refType="h" fact="0.48"/>
+              <dgm:constr type="t" for="ch" forName="downArrow" refType="h" fact="0.52"/>
+              <dgm:constr type="l" for="ch" forName="downArrow" refType="w" refFor="ch" refForName="downArrow" fact="0.3"/>
+              <dgm:constr type="h" for="ch" forName="downArrow" refType="w" refFor="ch" refForName="downArrow" op="gte" fact="0.75"/>
+              <dgm:constr type="w" for="ch" forName="downArrowText" refType="w" fact="0.56"/>
+              <dgm:constr type="h" for="ch" forName="downArrowText" refType="h" fact="0.48"/>
+              <dgm:constr type="t" for="ch" forName="downArrowText" refType="h" fact="0.52"/>
+              <dgm:constr type="l" for="ch" forName="downArrowText" refType="w" refFor="ch" refForName="downArrow" fact="1.33"/>
+            </dgm:constrLst>
+          </dgm:else>
+        </dgm:choose>
+      </dgm:if>
+      <dgm:else name="Name5">
+        <dgm:choose name="Name6">
+          <dgm:if name="Name7" axis="ch" ptType="node" func="cnt" op="lte" val="1">
+            <dgm:constrLst>
+              <dgm:constr type="primFontSz" for="des" ptType="node" op="equ" val="65"/>
+              <dgm:constr type="w" for="ch" forName="upArrow" refType="w" fact="0.33"/>
+              <dgm:constr type="h" for="ch" forName="upArrow" refType="h"/>
+              <dgm:constr type="t" for="ch" forName="upArrow"/>
+              <dgm:constr type="l" for="ch" forName="upArrow" refType="w" fact="0.67"/>
+              <dgm:constr type="h" for="ch" forName="upArrow" refType="w" refFor="ch" refForName="upArrow" op="gte" fact="0.75"/>
+              <dgm:constr type="w" for="ch" forName="upArrowText" refType="w" fact="0.56"/>
+              <dgm:constr type="h" for="ch" forName="upArrowText" refType="h"/>
+              <dgm:constr type="t" for="ch" forName="upArrowText"/>
+              <dgm:constr type="l" for="ch" forName="upArrowText" refType="w" fact="0.1"/>
+            </dgm:constrLst>
+          </dgm:if>
+          <dgm:else name="Name8">
+            <dgm:constrLst>
+              <dgm:constr type="primFontSz" for="des" ptType="node" op="equ" val="65"/>
+              <dgm:constr type="w" for="ch" forName="upArrow" refType="w" fact="0.33"/>
+              <dgm:constr type="h" for="ch" forName="upArrow" refType="h" fact="0.48"/>
+              <dgm:constr type="t" for="ch" forName="upArrow"/>
+              <dgm:constr type="l" for="ch" forName="upArrow" refType="w" fact="0.67"/>
+              <dgm:constr type="h" for="ch" forName="upArrow" refType="w" refFor="ch" refForName="upArrow" op="gte" fact="0.75"/>
+              <dgm:constr type="w" for="ch" forName="upArrowText" refType="w" fact="0.56"/>
+              <dgm:constr type="h" for="ch" forName="upArrowText" refType="h" fact="0.48"/>
+              <dgm:constr type="t" for="ch" forName="upArrowText"/>
+              <dgm:constr type="l" for="ch" forName="upArrowText" refType="w" fact="0.1"/>
+              <dgm:constr type="w" for="ch" forName="downArrow" refType="w" fact="0.33"/>
+              <dgm:constr type="h" for="ch" forName="downArrow" refType="h" fact="0.48"/>
+              <dgm:constr type="t" for="ch" forName="downArrow" refType="h" fact="0.52"/>
+              <dgm:constr type="l" for="ch" forName="downArrow" refType="w" fact="0.57"/>
+              <dgm:constr type="h" for="ch" forName="downArrow" refType="w" refFor="ch" refForName="downArrow" op="gte" fact="0.75"/>
+              <dgm:constr type="w" for="ch" forName="downArrowText" refType="w" fact="0.56"/>
+              <dgm:constr type="h" for="ch" forName="downArrowText" refType="h" fact="0.48"/>
+              <dgm:constr type="t" for="ch" forName="downArrowText" refType="h" fact="0.52"/>
+              <dgm:constr type="l" for="ch" forName="downArrowText"/>
+            </dgm:constrLst>
+          </dgm:else>
+        </dgm:choose>
+      </dgm:else>
+    </dgm:choose>
+    <dgm:ruleLst/>
+    <dgm:forEach name="Name9" axis="ch" ptType="node" cnt="1">
+      <dgm:layoutNode name="upArrow" styleLbl="node1">
+        <dgm:alg type="sp"/>
+        <dgm:shape xmlns:r="http://schemas.openxmlformats.org/officeDocument/2006/relationships" type="upArrow" r:blip="">
+          <dgm:adjLst/>
+        </dgm:shape>
+        <dgm:presOf/>
+        <dgm:constrLst/>
+        <dgm:ruleLst/>
+      </dgm:layoutNode>
+      <dgm:layoutNode name="upArrowText" styleLbl="revTx">
+        <dgm:varLst>
+          <dgm:chMax val="0"/>
+          <dgm:bulletEnabled val="1"/>
+        </dgm:varLst>
+        <dgm:choose name="Name10">
+          <dgm:if name="Name11" axis="root des" ptType="all node" func="maxDepth" op="gt" val="1">
+            <dgm:alg type="tx">
+              <dgm:param type="parTxLTRAlign" val="l"/>
+              <dgm:param type="parTxRTLAlign" val="r"/>
+              <dgm:param type="txAnchorVertCh" val="mid"/>
+            </dgm:alg>
+          </dgm:if>
+          <dgm:else name="Name12">
+            <dgm:choose name="Name13">
+              <dgm:if name="Name14" func="var" arg="dir" op="equ" val="norm">
+                <dgm:alg type="tx">
+                  <dgm:param type="parTxLTRAlign" val="l"/>
+                  <dgm:param type="parTxRTLAlign" val="l"/>
+                  <dgm:param type="txAnchorVertCh" val="mid"/>
+                </dgm:alg>
+              </dgm:if>
+              <dgm:else name="Name15">
+                <dgm:alg type="tx">
+                  <dgm:param type="parTxLTRAlign" val="r"/>
+                  <dgm:param type="parTxRTLAlign" val="r"/>
+                  <dgm:param type="txAnchorVertCh" val="mid"/>
+                </dgm:alg>
+              </dgm:else>
+            </dgm:choose>
+          </dgm:else>
+        </dgm:choose>
+        <dgm:shape xmlns:r="http://schemas.openxmlformats.org/officeDocument/2006/relationships" type="rect" r:blip="">
+          <dgm:adjLst/>
+        </dgm:shape>
+        <dgm:presOf axis="desOrSelf" ptType="node"/>
+        <dgm:constrLst>
+          <dgm:constr type="tMarg"/>
+        </dgm:constrLst>
+        <dgm:ruleLst>
+          <dgm:rule type="primFontSz" val="5" fact="NaN" max="NaN"/>
+        </dgm:ruleLst>
+      </dgm:layoutNode>
+    </dgm:forEach>
+    <dgm:forEach name="Name16" axis="ch" ptType="node" st="2" cnt="1">
+      <dgm:layoutNode name="downArrow" styleLbl="node1">
+        <dgm:alg type="sp"/>
+        <dgm:shape xmlns:r="http://schemas.openxmlformats.org/officeDocument/2006/relationships" type="downArrow" r:blip="">
+          <dgm:adjLst/>
+        </dgm:shape>
+        <dgm:presOf/>
+        <dgm:constrLst/>
+        <dgm:ruleLst/>
+      </dgm:layoutNode>
+      <dgm:layoutNode name="downArrowText" styleLbl="revTx">
+        <dgm:varLst>
+          <dgm:chMax val="0"/>
+          <dgm:bulletEnabled val="1"/>
+        </dgm:varLst>
+        <dgm:choose name="Name17">
+          <dgm:if name="Name18" axis="root des" ptType="all node" func="maxDepth" op="gt" val="1">
+            <dgm:alg type="tx">
+              <dgm:param type="parTxLTRAlign" val="l"/>
+              <dgm:param type="parTxRTLAlign" val="r"/>
+              <dgm:param type="txAnchorVertCh" val="mid"/>
+            </dgm:alg>
+          </dgm:if>
+          <dgm:else name="Name19">
+            <dgm:choose name="Name20">
+              <dgm:if name="Name21" func="var" arg="dir" op="equ" val="norm">
+                <dgm:alg type="tx">
+                  <dgm:param type="parTxLTRAlign" val="l"/>
+                  <dgm:param type="parTxRTLAlign" val="l"/>
+                  <dgm:param type="txAnchorVertCh" val="mid"/>
+                </dgm:alg>
+              </dgm:if>
+              <dgm:else name="Name22">
+                <dgm:alg type="tx">
+                  <dgm:param type="parTxLTRAlign" val="r"/>
+                  <dgm:param type="parTxRTLAlign" val="r"/>
+                  <dgm:param type="txAnchorVertCh" val="mid"/>
+                </dgm:alg>
+              </dgm:else>
+            </dgm:choose>
+          </dgm:else>
+        </dgm:choose>
+        <dgm:shape xmlns:r="http://schemas.openxmlformats.org/officeDocument/2006/relationships" type="rect" r:blip="">
+          <dgm:adjLst/>
+        </dgm:shape>
+        <dgm:presOf axis="desOrSelf" ptType="node"/>
+        <dgm:constrLst>
+          <dgm:constr type="tMarg"/>
+        </dgm:constrLst>
+        <dgm:ruleLst>
+          <dgm:rule type="primFontSz" val="5" fact="NaN" max="NaN"/>
+        </dgm:ruleLst>
+      </dgm:layoutNode>
+    </dgm:forEach>
+  </dgm:layoutNode>
+</dgm:layoutDef>
+</file>
+
+<file path=ppt/diagrams/quickStyle1.xml><?xml version="1.0" encoding="utf-8"?>
+<dgm:styleDef xmlns:dgm="http://schemas.openxmlformats.org/drawingml/2006/diagram" xmlns:a="http://schemas.openxmlformats.org/drawingml/2006/main" uniqueId="urn:microsoft.com/office/officeart/2005/8/quickstyle/simple1">
+  <dgm:title val=""/>
+  <dgm:desc val=""/>
+  <dgm:catLst>
+    <dgm:cat type="simple" pri="10100"/>
+  </dgm:catLst>
+  <dgm:scene3d>
+    <a:camera prst="orthographicFront"/>
+    <a:lightRig rig="threePt" dir="t"/>
+  </dgm:scene3d>
+  <dgm:styleLbl name="node0">
+    <dgm:scene3d>
+      <a:camera prst="orthographicFront"/>
+      <a:lightRig rig="threePt" dir="t"/>
+    </dgm:scene3d>
+    <dgm:sp3d/>
+    <dgm:txPr/>
+    <dgm:style>
+      <a:lnRef idx="2">
+        <a:scrgbClr r="0" g="0" b="0"/>
+      </a:lnRef>
+      <a:fillRef idx="1">
+        <a:scrgbClr r="0" g="0" b="0"/>
+      </a:fillRef>
+      <a:effectRef idx="0">
+        <a:scrgbClr r="0" g="0" b="0"/>
+      </a:effectRef>
+      <a:fontRef idx="minor">
+        <a:schemeClr val="lt1"/>
+      </a:fontRef>
+    </dgm:style>
+  </dgm:styleLbl>
+  <dgm:styleLbl name="lnNode1">
+    <dgm:scene3d>
+      <a:camera prst="orthographicFront"/>
+      <a:lightRig rig="threePt" dir="t"/>
+    </dgm:scene3d>
+    <dgm:sp3d/>
+    <dgm:txPr/>
+    <dgm:style>
+      <a:lnRef idx="2">
+        <a:scrgbClr r="0" g="0" b="0"/>
+      </a:lnRef>
+      <a:fillRef idx="1">
+        <a:scrgbClr r="0" g="0" b="0"/>
+      </a:fillRef>
+      <a:effectRef idx="0">
+        <a:scrgbClr r="0" g="0" b="0"/>
+      </a:effectRef>
+      <a:fontRef idx="minor">
+        <a:schemeClr val="lt1"/>
+      </a:fontRef>
+    </dgm:style>
+  </dgm:styleLbl>
+  <dgm:styleLbl name="vennNode1">
+    <dgm:scene3d>
+      <a:camera prst="orthographicFront"/>
+      <a:lightRig rig="threePt" dir="t"/>
+    </dgm:scene3d>
+    <dgm:sp3d/>
+    <dgm:txPr/>
+    <dgm:style>
+      <a:lnRef idx="2">
+        <a:scrgbClr r="0" g="0" b="0"/>
+      </a:lnRef>
+      <a:fillRef idx="1">
+        <a:scrgbClr r="0" g="0" b="0"/>
+      </a:fillRef>
+      <a:effectRef idx="0">
+        <a:scrgbClr r="0" g="0" b="0"/>
+      </a:effectRef>
+      <a:fontRef idx="minor">
+        <a:schemeClr val="tx1"/>
+      </a:fontRef>
+    </dgm:style>
+  </dgm:styleLbl>
+  <dgm:styleLbl name="alignNode1">
+    <dgm:scene3d>
+      <a:camera prst="orthographicFront"/>
+      <a:lightRig rig="threePt" dir="t"/>
+    </dgm:scene3d>
+    <dgm:sp3d/>
+    <dgm:txPr/>
+    <dgm:style>
+      <a:lnRef idx="2">
+        <a:scrgbClr r="0" g="0" b="0"/>
+      </a:lnRef>
+      <a:fillRef idx="1">
+        <a:scrgbClr r="0" g="0" b="0"/>
+      </a:fillRef>
+      <a:effectRef idx="0">
+        <a:scrgbClr r="0" g="0" b="0"/>
+      </a:effectRef>
+      <a:fontRef idx="minor">
+        <a:schemeClr val="lt1"/>
+      </a:fontRef>
+    </dgm:style>
+  </dgm:styleLbl>
+  <dgm:styleLbl name="node1">
+    <dgm:scene3d>
+      <a:camera prst="orthographicFront"/>
+      <a:lightRig rig="threePt" dir="t"/>
+    </dgm:scene3d>
+    <dgm:sp3d/>
+    <dgm:txPr/>
+    <dgm:style>
+      <a:lnRef idx="2">
+        <a:scrgbClr r="0" g="0" b="0"/>
+      </a:lnRef>
+      <a:fillRef idx="1">
+        <a:scrgbClr r="0" g="0" b="0"/>
+      </a:fillRef>
+      <a:effectRef idx="0">
+        <a:scrgbClr r="0" g="0" b="0"/>
+      </a:effectRef>
+      <a:fontRef idx="minor">
+        <a:schemeClr val="lt1"/>
+      </a:fontRef>
+    </dgm:style>
+  </dgm:styleLbl>
+  <dgm:styleLbl name="node2">
+    <dgm:scene3d>
+      <a:camera prst="orthographicFront"/>
+      <a:lightRig rig="threePt" dir="t"/>
+    </dgm:scene3d>
+    <dgm:sp3d/>
+    <dgm:txPr/>
+    <dgm:style>
+      <a:lnRef idx="2">
+        <a:scrgbClr r="0" g="0" b="0"/>
+      </a:lnRef>
+      <a:fillRef idx="1">
+        <a:scrgbClr r="0" g="0" b="0"/>
+      </a:fillRef>
+      <a:effectRef idx="0">
+        <a:scrgbClr r="0" g="0" b="0"/>
+      </a:effectRef>
+      <a:fontRef idx="minor">
+        <a:schemeClr val="lt1"/>
+      </a:fontRef>
+    </dgm:style>
+  </dgm:styleLbl>
+  <dgm:styleLbl name="node3">
+    <dgm:scene3d>
+      <a:camera prst="orthographicFront"/>
+      <a:lightRig rig="threePt" dir="t"/>
+    </dgm:scene3d>
+    <dgm:sp3d/>
+    <dgm:txPr/>
+    <dgm:style>
+      <a:lnRef idx="2">
+        <a:scrgbClr r="0" g="0" b="0"/>
+      </a:lnRef>
+      <a:fillRef idx="1">
+        <a:scrgbClr r="0" g="0" b="0"/>
+      </a:fillRef>
+      <a:effectRef idx="0">
+        <a:scrgbClr r="0" g="0" b="0"/>
+      </a:effectRef>
+      <a:fontRef idx="minor">
+        <a:schemeClr val="lt1"/>
+      </a:fontRef>
+    </dgm:style>
+  </dgm:styleLbl>
+  <dgm:styleLbl name="node4">
+    <dgm:scene3d>
+      <a:camera prst="orthographicFront"/>
+      <a:lightRig rig="threePt" dir="t"/>
+    </dgm:scene3d>
+    <dgm:sp3d/>
+    <dgm:txPr/>
+    <dgm:style>
+      <a:lnRef idx="2">
+        <a:scrgbClr r="0" g="0" b="0"/>
+      </a:lnRef>
+      <a:fillRef idx="1">
+        <a:scrgbClr r="0" g="0" b="0"/>
+      </a:fillRef>
+      <a:effectRef idx="0">
+        <a:scrgbClr r="0" g="0" b="0"/>
+      </a:effectRef>
+      <a:fontRef idx="minor">
+        <a:schemeClr val="lt1"/>
+      </a:fontRef>
+    </dgm:style>
+  </dgm:styleLbl>
+  <dgm:styleLbl name="fgImgPlace1">
+    <dgm:scene3d>
+      <a:camera prst="orthographicFront"/>
+      <a:lightRig rig="threePt" dir="t"/>
+    </dgm:scene3d>
+    <dgm:sp3d/>
+    <dgm:txPr/>
+    <dgm:style>
+      <a:lnRef idx="2">
+        <a:scrgbClr r="0" g="0" b="0"/>
+      </a:lnRef>
+      <a:fillRef idx="1">
+        <a:scrgbClr r="0" g="0" b="0"/>
+      </a:fillRef>
+      <a:effectRef idx="0">
+        <a:scrgbClr r="0" g="0" b="0"/>
+      </a:effectRef>
+      <a:fontRef idx="minor"/>
+    </dgm:style>
+  </dgm:styleLbl>
+  <dgm:styleLbl name="alignImgPlace1">
+    <dgm:scene3d>
+      <a:camera prst="orthographicFront"/>
+      <a:lightRig rig="threePt" dir="t"/>
+    </dgm:scene3d>
+    <dgm:sp3d/>
+    <dgm:txPr/>
+    <dgm:style>
+      <a:lnRef idx="2">
+        <a:scrgbClr r="0" g="0" b="0"/>
+      </a:lnRef>
+      <a:fillRef idx="1">
+        <a:scrgbClr r="0" g="0" b="0"/>
+      </a:fillRef>
+      <a:effectRef idx="0">
+        <a:scrgbClr r="0" g="0" b="0"/>
+      </a:effectRef>
+      <a:fontRef idx="minor"/>
+    </dgm:style>
+  </dgm:styleLbl>
+  <dgm:styleLbl name="bgImgPlace1">
+    <dgm:scene3d>
+      <a:camera prst="orthographicFront"/>
+      <a:lightRig rig="threePt" dir="t"/>
+    </dgm:scene3d>
+    <dgm:sp3d/>
+    <dgm:txPr/>
+    <dgm:style>
+      <a:lnRef idx="2">
+        <a:scrgbClr r="0" g="0" b="0"/>
+      </a:lnRef>
+      <a:fillRef idx="1">
+        <a:scrgbClr r="0" g="0" b="0"/>
+      </a:fillRef>
+      <a:effectRef idx="0">
+        <a:scrgbClr r="0" g="0" b="0"/>
+      </a:effectRef>
+      <a:fontRef idx="minor"/>
+    </dgm:style>
+  </dgm:styleLbl>
+  <dgm:styleLbl name="sibTrans2D1">
+    <dgm:scene3d>
+      <a:camera prst="orthographicFront"/>
+      <a:lightRig rig="threePt" dir="t"/>
+    </dgm:scene3d>
+    <dgm:sp3d/>
+    <dgm:txPr/>
+    <dgm:style>
+      <a:lnRef idx="0">
+        <a:scrgbClr r="0" g="0" b="0"/>
+      </a:lnRef>
+      <a:fillRef idx="1">
+        <a:scrgbClr r="0" g="0" b="0"/>
+      </a:fillRef>
+      <a:effectRef idx="0">
+        <a:scrgbClr r="0" g="0" b="0"/>
+      </a:effectRef>
+      <a:fontRef idx="minor">
+        <a:schemeClr val="lt1"/>
+      </a:fontRef>
+    </dgm:style>
+  </dgm:styleLbl>
+  <dgm:styleLbl name="fgSibTrans2D1">
+    <dgm:scene3d>
+      <a:camera prst="orthographicFront"/>
+      <a:lightRig rig="threePt" dir="t"/>
+    </dgm:scene3d>
+    <dgm:sp3d/>
+    <dgm:txPr/>
+    <dgm:style>
+      <a:lnRef idx="0">
+        <a:scrgbClr r="0" g="0" b="0"/>
+      </a:lnRef>
+      <a:fillRef idx="1">
+        <a:scrgbClr r="0" g="0" b="0"/>
+      </a:fillRef>
+      <a:effectRef idx="0">
+        <a:scrgbClr r="0" g="0" b="0"/>
+      </a:effectRef>
+      <a:fontRef idx="minor">
+        <a:schemeClr val="lt1"/>
+      </a:fontRef>
+    </dgm:style>
+  </dgm:styleLbl>
+  <dgm:styleLbl name="bgSibTrans2D1">
+    <dgm:scene3d>
+      <a:camera prst="orthographicFront"/>
+      <a:lightRig rig="threePt" dir="t"/>
+    </dgm:scene3d>
+    <dgm:sp3d/>
+    <dgm:txPr/>
+    <dgm:style>
+      <a:lnRef idx="0">
+        <a:scrgbClr r="0" g="0" b="0"/>
+      </a:lnRef>
+      <a:fillRef idx="1">
+        <a:scrgbClr r="0" g="0" b="0"/>
+      </a:fillRef>
+      <a:effectRef idx="0">
+        <a:scrgbClr r="0" g="0" b="0"/>
+      </a:effectRef>
+      <a:fontRef idx="minor">
+        <a:schemeClr val="lt1"/>
+      </a:fontRef>
+    </dgm:style>
+  </dgm:styleLbl>
+  <dgm:styleLbl name="sibTrans1D1">
+    <dgm:scene3d>
+      <a:camera prst="orthographicFront"/>
+      <a:lightRig rig="threePt" dir="t"/>
+    </dgm:scene3d>
+    <dgm:sp3d/>
+    <dgm:txPr/>
+    <dgm:style>
+      <a:lnRef idx="1">
+        <a:scrgbClr r="0" g="0" b="0"/>
+      </a:lnRef>
+      <a:fillRef idx="0">
+        <a:scrgbClr r="0" g="0" b="0"/>
+      </a:fillRef>
+      <a:effectRef idx="0">
+        <a:scrgbClr r="0" g="0" b="0"/>
+      </a:effectRef>
+      <a:fontRef idx="minor"/>
+    </dgm:style>
+  </dgm:styleLbl>
+  <dgm:styleLbl name="callout">
+    <dgm:scene3d>
+      <a:camera prst="orthographicFront"/>
+      <a:lightRig rig="threePt" dir="t"/>
+    </dgm:scene3d>
+    <dgm:sp3d/>
+    <dgm:txPr/>
+    <dgm:style>
+      <a:lnRef idx="2">
+        <a:scrgbClr r="0" g="0" b="0"/>
+      </a:lnRef>
+      <a:fillRef idx="1">
+        <a:scrgbClr r="0" g="0" b="0"/>
+      </a:fillRef>
+      <a:effectRef idx="0">
+        <a:scrgbClr r="0" g="0" b="0"/>
+      </a:effectRef>
+      <a:fontRef idx="minor"/>
+    </dgm:style>
+  </dgm:styleLbl>
+  <dgm:styleLbl name="asst0">
+    <dgm:scene3d>
+      <a:camera prst="orthographicFront"/>
+      <a:lightRig rig="threePt" dir="t"/>
+    </dgm:scene3d>
+    <dgm:sp3d/>
+    <dgm:txPr/>
+    <dgm:style>
+      <a:lnRef idx="2">
+        <a:scrgbClr r="0" g="0" b="0"/>
+      </a:lnRef>
+      <a:fillRef idx="1">
+        <a:scrgbClr r="0" g="0" b="0"/>
+      </a:fillRef>
+      <a:effectRef idx="0">
+        <a:scrgbClr r="0" g="0" b="0"/>
+      </a:effectRef>
+      <a:fontRef idx="minor">
+        <a:schemeClr val="lt1"/>
+      </a:fontRef>
+    </dgm:style>
+  </dgm:styleLbl>
+  <dgm:styleLbl name="asst1">
+    <dgm:scene3d>
+      <a:camera prst="orthographicFront"/>
+      <a:lightRig rig="threePt" dir="t"/>
+    </dgm:scene3d>
+    <dgm:sp3d/>
+    <dgm:txPr/>
+    <dgm:style>
+      <a:lnRef idx="2">
+        <a:scrgbClr r="0" g="0" b="0"/>
+      </a:lnRef>
+      <a:fillRef idx="1">
+        <a:scrgbClr r="0" g="0" b="0"/>
+      </a:fillRef>
+      <a:effectRef idx="0">
+        <a:scrgbClr r="0" g="0" b="0"/>
+      </a:effectRef>
+      <a:fontRef idx="minor">
+        <a:schemeClr val="lt1"/>
+      </a:fontRef>
+    </dgm:style>
+  </dgm:styleLbl>
+  <dgm:styleLbl name="asst2">
+    <dgm:scene3d>
+      <a:camera prst="orthographicFront"/>
+      <a:lightRig rig="threePt" dir="t"/>
+    </dgm:scene3d>
+    <dgm:sp3d/>
+    <dgm:txPr/>
+    <dgm:style>
+      <a:lnRef idx="2">
+        <a:scrgbClr r="0" g="0" b="0"/>
+      </a:lnRef>
+      <a:fillRef idx="1">
+        <a:scrgbClr r="0" g="0" b="0"/>
+      </a:fillRef>
+      <a:effectRef idx="0">
+        <a:scrgbClr r="0" g="0" b="0"/>
+      </a:effectRef>
+      <a:fontRef idx="minor">
+        <a:schemeClr val="lt1"/>
+      </a:fontRef>
+    </dgm:style>
+  </dgm:styleLbl>
+  <dgm:styleLbl name="asst3">
+    <dgm:scene3d>
+      <a:camera prst="orthographicFront"/>
+      <a:lightRig rig="threePt" dir="t"/>
+    </dgm:scene3d>
+    <dgm:sp3d/>
+    <dgm:txPr/>
+    <dgm:style>
+      <a:lnRef idx="2">
+        <a:scrgbClr r="0" g="0" b="0"/>
+      </a:lnRef>
+      <a:fillRef idx="1">
+        <a:scrgbClr r="0" g="0" b="0"/>
+      </a:fillRef>
+      <a:effectRef idx="0">
+        <a:scrgbClr r="0" g="0" b="0"/>
+      </a:effectRef>
+      <a:fontRef idx="minor">
+        <a:schemeClr val="lt1"/>
+      </a:fontRef>
+    </dgm:style>
+  </dgm:styleLbl>
+  <dgm:styleLbl name="asst4">
+    <dgm:scene3d>
+      <a:camera prst="orthographicFront"/>
+      <a:lightRig rig="threePt" dir="t"/>
+    </dgm:scene3d>
+    <dgm:sp3d/>
+    <dgm:txPr/>
+    <dgm:style>
+      <a:lnRef idx="2">
+        <a:scrgbClr r="0" g="0" b="0"/>
+      </a:lnRef>
+      <a:fillRef idx="1">
+        <a:scrgbClr r="0" g="0" b="0"/>
+      </a:fillRef>
+      <a:effectRef idx="0">
+        <a:scrgbClr r="0" g="0" b="0"/>
+      </a:effectRef>
+      <a:fontRef idx="minor">
+        <a:schemeClr val="lt1"/>
+      </a:fontRef>
+    </dgm:style>
+  </dgm:styleLbl>
+  <dgm:styleLbl name="parChTrans2D1">
+    <dgm:scene3d>
+      <a:camera prst="orthographicFront"/>
+      <a:lightRig rig="threePt" dir="t"/>
+    </dgm:scene3d>
+    <dgm:sp3d/>
+    <dgm:txPr/>
+    <dgm:style>
+      <a:lnRef idx="2">
+        <a:scrgbClr r="0" g="0" b="0"/>
+      </a:lnRef>
+      <a:fillRef idx="1">
+        <a:scrgbClr r="0" g="0" b="0"/>
+      </a:fillRef>
+      <a:effectRef idx="0">
+        <a:scrgbClr r="0" g="0" b="0"/>
+      </a:effectRef>
+      <a:fontRef idx="minor">
+        <a:schemeClr val="lt1"/>
+      </a:fontRef>
+    </dgm:style>
+  </dgm:styleLbl>
+  <dgm:styleLbl name="parChTrans2D2">
+    <dgm:scene3d>
+      <a:camera prst="orthographicFront"/>
+      <a:lightRig rig="threePt" dir="t"/>
+    </dgm:scene3d>
+    <dgm:sp3d/>
+    <dgm:txPr/>
+    <dgm:style>
+      <a:lnRef idx="2">
+        <a:scrgbClr r="0" g="0" b="0"/>
+      </a:lnRef>
+      <a:fillRef idx="1">
+        <a:scrgbClr r="0" g="0" b="0"/>
+      </a:fillRef>
+      <a:effectRef idx="0">
+        <a:scrgbClr r="0" g="0" b="0"/>
+      </a:effectRef>
+      <a:fontRef idx="minor">
+        <a:schemeClr val="lt1"/>
+      </a:fontRef>
+    </dgm:style>
+  </dgm:styleLbl>
+  <dgm:styleLbl name="parChTrans2D3">
+    <dgm:scene3d>
+      <a:camera prst="orthographicFront"/>
+      <a:lightRig rig="threePt" dir="t"/>
+    </dgm:scene3d>
+    <dgm:sp3d/>
+    <dgm:txPr/>
+    <dgm:style>
+      <a:lnRef idx="2">
+        <a:scrgbClr r="0" g="0" b="0"/>
+      </a:lnRef>
+      <a:fillRef idx="1">
+        <a:scrgbClr r="0" g="0" b="0"/>
+      </a:fillRef>
+      <a:effectRef idx="0">
+        <a:scrgbClr r="0" g="0" b="0"/>
+      </a:effectRef>
+      <a:fontRef idx="minor">
+        <a:schemeClr val="lt1"/>
+      </a:fontRef>
+    </dgm:style>
+  </dgm:styleLbl>
+  <dgm:styleLbl name="parChTrans2D4">
+    <dgm:scene3d>
+      <a:camera prst="orthographicFront"/>
+      <a:lightRig rig="threePt" dir="t"/>
+    </dgm:scene3d>
+    <dgm:sp3d/>
+    <dgm:txPr/>
+    <dgm:style>
+      <a:lnRef idx="2">
+        <a:scrgbClr r="0" g="0" b="0"/>
+      </a:lnRef>
+      <a:fillRef idx="1">
+        <a:scrgbClr r="0" g="0" b="0"/>
+      </a:fillRef>
+      <a:effectRef idx="0">
+        <a:scrgbClr r="0" g="0" b="0"/>
+      </a:effectRef>
+      <a:fontRef idx="minor">
+        <a:schemeClr val="lt1"/>
+      </a:fontRef>
+    </dgm:style>
+  </dgm:styleLbl>
+  <dgm:styleLbl name="parChTrans1D1">
+    <dgm:scene3d>
+      <a:camera prst="orthographicFront"/>
+      <a:lightRig rig="threePt" dir="t"/>
+    </dgm:scene3d>
+    <dgm:sp3d/>
+    <dgm:txPr/>
+    <dgm:style>
+      <a:lnRef idx="2">
+        <a:scrgbClr r="0" g="0" b="0"/>
+      </a:lnRef>
+      <a:fillRef idx="0">
+        <a:scrgbClr r="0" g="0" b="0"/>
+      </a:fillRef>
+      <a:effectRef idx="0">
+        <a:scrgbClr r="0" g="0" b="0"/>
+      </a:effectRef>
+      <a:fontRef idx="minor"/>
+    </dgm:style>
+  </dgm:styleLbl>
+  <dgm:styleLbl name="parChTrans1D2">
+    <dgm:scene3d>
+      <a:camera prst="orthographicFront"/>
+      <a:lightRig rig="threePt" dir="t"/>
+    </dgm:scene3d>
+    <dgm:sp3d/>
+    <dgm:txPr/>
+    <dgm:style>
+      <a:lnRef idx="2">
+        <a:scrgbClr r="0" g="0" b="0"/>
+      </a:lnRef>
+      <a:fillRef idx="0">
+        <a:scrgbClr r="0" g="0" b="0"/>
+      </a:fillRef>
+      <a:effectRef idx="0">
+        <a:scrgbClr r="0" g="0" b="0"/>
+      </a:effectRef>
+      <a:fontRef idx="minor"/>
+    </dgm:style>
+  </dgm:styleLbl>
+  <dgm:styleLbl name="parChTrans1D3">
+    <dgm:scene3d>
+      <a:camera prst="orthographicFront"/>
+      <a:lightRig rig="threePt" dir="t"/>
+    </dgm:scene3d>
+    <dgm:sp3d/>
+    <dgm:txPr/>
+    <dgm:style>
+      <a:lnRef idx="2">
+        <a:scrgbClr r="0" g="0" b="0"/>
+      </a:lnRef>
+      <a:fillRef idx="0">
+        <a:scrgbClr r="0" g="0" b="0"/>
+      </a:fillRef>
+      <a:effectRef idx="0">
+        <a:scrgbClr r="0" g="0" b="0"/>
+      </a:effectRef>
+      <a:fontRef idx="minor"/>
+    </dgm:style>
+  </dgm:styleLbl>
+  <dgm:styleLbl name="parChTrans1D4">
+    <dgm:scene3d>
+      <a:camera prst="orthographicFront"/>
+      <a:lightRig rig="threePt" dir="t"/>
+    </dgm:scene3d>
+    <dgm:sp3d/>
+    <dgm:txPr/>
+    <dgm:style>
+      <a:lnRef idx="2">
+        <a:scrgbClr r="0" g="0" b="0"/>
+      </a:lnRef>
+      <a:fillRef idx="0">
+        <a:scrgbClr r="0" g="0" b="0"/>
+      </a:fillRef>
+      <a:effectRef idx="0">
+        <a:scrgbClr r="0" g="0" b="0"/>
+      </a:effectRef>
+      <a:fontRef idx="minor"/>
+    </dgm:style>
+  </dgm:styleLbl>
+  <dgm:styleLbl name="fgAcc1">
+    <dgm:scene3d>
+      <a:camera prst="orthographicFront"/>
+      <a:lightRig rig="threePt" dir="t"/>
+    </dgm:scene3d>
+    <dgm:sp3d/>
+    <dgm:txPr/>
+    <dgm:style>
+      <a:lnRef idx="2">
+        <a:scrgbClr r="0" g="0" b="0"/>
+      </a:lnRef>
+      <a:fillRef idx="1">
+        <a:scrgbClr r="0" g="0" b="0"/>
+      </a:fillRef>
+      <a:effectRef idx="0">
+        <a:scrgbClr r="0" g="0" b="0"/>
+      </a:effectRef>
+      <a:fontRef idx="minor"/>
+    </dgm:style>
+  </dgm:styleLbl>
+  <dgm:styleLbl name="conFgAcc1">
+    <dgm:scene3d>
+      <a:camera prst="orthographicFront"/>
+      <a:lightRig rig="threePt" dir="t"/>
+    </dgm:scene3d>
+    <dgm:sp3d/>
+    <dgm:txPr/>
+    <dgm:style>
+      <a:lnRef idx="2">
+        <a:scrgbClr r="0" g="0" b="0"/>
+      </a:lnRef>
+      <a:fillRef idx="1">
+        <a:scrgbClr r="0" g="0" b="0"/>
+      </a:fillRef>
+      <a:effectRef idx="0">
+        <a:scrgbClr r="0" g="0" b="0"/>
+      </a:effectRef>
+      <a:fontRef idx="minor"/>
+    </dgm:style>
+  </dgm:styleLbl>
+  <dgm:styleLbl name="alignAcc1">
+    <dgm:scene3d>
+      <a:camera prst="orthographicFront"/>
+      <a:lightRig rig="threePt" dir="t"/>
+    </dgm:scene3d>
+    <dgm:sp3d/>
+    <dgm:txPr/>
+    <dgm:style>
+      <a:lnRef idx="2">
+        <a:scrgbClr r="0" g="0" b="0"/>
+      </a:lnRef>
+      <a:fillRef idx="1">
+        <a:scrgbClr r="0" g="0" b="0"/>
+      </a:fillRef>
+      <a:effectRef idx="0">
+        <a:scrgbClr r="0" g="0" b="0"/>
+      </a:effectRef>
+      <a:fontRef idx="minor"/>
+    </dgm:style>
+  </dgm:styleLbl>
+  <dgm:styleLbl name="trAlignAcc1">
+    <dgm:scene3d>
+      <a:camera prst="orthographicFront"/>
+      <a:lightRig rig="threePt" dir="t"/>
+    </dgm:scene3d>
+    <dgm:sp3d/>
+    <dgm:txPr/>
+    <dgm:style>
+      <a:lnRef idx="1">
+        <a:scrgbClr r="0" g="0" b="0"/>
+      </a:lnRef>
+      <a:fillRef idx="1">
+        <a:scrgbClr r="0" g="0" b="0"/>
+      </a:fillRef>
+      <a:effectRef idx="0">
+        <a:scrgbClr r="0" g="0" b="0"/>
+      </a:effectRef>
+      <a:fontRef idx="minor"/>
+    </dgm:style>
+  </dgm:styleLbl>
+  <dgm:styleLbl name="bgAcc1">
+    <dgm:scene3d>
+      <a:camera prst="orthographicFront"/>
+      <a:lightRig rig="threePt" dir="t"/>
+    </dgm:scene3d>
+    <dgm:sp3d/>
+    <dgm:txPr/>
+    <dgm:style>
+      <a:lnRef idx="2">
+        <a:scrgbClr r="0" g="0" b="0"/>
+      </a:lnRef>
+      <a:fillRef idx="1">
+        <a:scrgbClr r="0" g="0" b="0"/>
+      </a:fillRef>
+      <a:effectRef idx="0">
+        <a:scrgbClr r="0" g="0" b="0"/>
+      </a:effectRef>
+      <a:fontRef idx="minor"/>
+    </dgm:style>
+  </dgm:styleLbl>
+  <dgm:styleLbl name="solidFgAcc1">
+    <dgm:scene3d>
+      <a:camera prst="orthographicFront"/>
+      <a:lightRig rig="threePt" dir="t"/>
+    </dgm:scene3d>
+    <dgm:sp3d/>
+    <dgm:txPr/>
+    <dgm:style>
+      <a:lnRef idx="2">
+        <a:scrgbClr r="0" g="0" b="0"/>
+      </a:lnRef>
+      <a:fillRef idx="1">
+        <a:scrgbClr r="0" g="0" b="0"/>
+      </a:fillRef>
+      <a:effectRef idx="0">
+        <a:scrgbClr r="0" g="0" b="0"/>
+      </a:effectRef>
+      <a:fontRef idx="minor"/>
+    </dgm:style>
+  </dgm:styleLbl>
+  <dgm:styleLbl name="solidAlignAcc1">
+    <dgm:scene3d>
+      <a:camera prst="orthographicFront"/>
+      <a:lightRig rig="threePt" dir="t"/>
+    </dgm:scene3d>
+    <dgm:sp3d/>
+    <dgm:txPr/>
+    <dgm:style>
+      <a:lnRef idx="2">
+        <a:scrgbClr r="0" g="0" b="0"/>
+      </a:lnRef>
+      <a:fillRef idx="1">
+        <a:scrgbClr r="0" g="0" b="0"/>
+      </a:fillRef>
+      <a:effectRef idx="0">
+        <a:scrgbClr r="0" g="0" b="0"/>
+      </a:effectRef>
+      <a:fontRef idx="minor"/>
+    </dgm:style>
+  </dgm:styleLbl>
+  <dgm:styleLbl name="solidBgAcc1">
+    <dgm:scene3d>
+      <a:camera prst="orthographicFront"/>
+      <a:lightRig rig="threePt" dir="t"/>
+    </dgm:scene3d>
+    <dgm:sp3d/>
+    <dgm:txPr/>
+    <dgm:style>
+      <a:lnRef idx="2">
+        <a:scrgbClr r="0" g="0" b="0"/>
+      </a:lnRef>
+      <a:fillRef idx="1">
+        <a:scrgbClr r="0" g="0" b="0"/>
+      </a:fillRef>
+      <a:effectRef idx="0">
+        <a:scrgbClr r="0" g="0" b="0"/>
+      </a:effectRef>
+      <a:fontRef idx="minor"/>
+    </dgm:style>
+  </dgm:styleLbl>
+  <dgm:styleLbl name="fgAccFollowNode1">
+    <dgm:scene3d>
+      <a:camera prst="orthographicFront"/>
+      <a:lightRig rig="threePt" dir="t"/>
+    </dgm:scene3d>
+    <dgm:sp3d/>
+    <dgm:txPr/>
+    <dgm:style>
+      <a:lnRef idx="2">
+        <a:scrgbClr r="0" g="0" b="0"/>
+      </a:lnRef>
+      <a:fillRef idx="1">
+        <a:scrgbClr r="0" g="0" b="0"/>
+      </a:fillRef>
+      <a:effectRef idx="0">
+        <a:scrgbClr r="0" g="0" b="0"/>
+      </a:effectRef>
+      <a:fontRef idx="minor"/>
+    </dgm:style>
+  </dgm:styleLbl>
+  <dgm:styleLbl name="alignAccFollowNode1">
+    <dgm:scene3d>
+      <a:camera prst="orthographicFront"/>
+      <a:lightRig rig="threePt" dir="t"/>
+    </dgm:scene3d>
+    <dgm:sp3d/>
+    <dgm:txPr/>
+    <dgm:style>
+      <a:lnRef idx="2">
+        <a:scrgbClr r="0" g="0" b="0"/>
+      </a:lnRef>
+      <a:fillRef idx="1">
+        <a:scrgbClr r="0" g="0" b="0"/>
+      </a:fillRef>
+      <a:effectRef idx="0">
+        <a:scrgbClr r="0" g="0" b="0"/>
+      </a:effectRef>
+      <a:fontRef idx="minor"/>
+    </dgm:style>
+  </dgm:styleLbl>
+  <dgm:styleLbl name="bgAccFollowNode1">
+    <dgm:scene3d>
+      <a:camera prst="orthographicFront"/>
+      <a:lightRig rig="threePt" dir="t"/>
+    </dgm:scene3d>
+    <dgm:sp3d/>
+    <dgm:txPr/>
+    <dgm:style>
+      <a:lnRef idx="2">
+        <a:scrgbClr r="0" g="0" b="0"/>
+      </a:lnRef>
+      <a:fillRef idx="1">
+        <a:scrgbClr r="0" g="0" b="0"/>
+      </a:fillRef>
+      <a:effectRef idx="0">
+        <a:scrgbClr r="0" g="0" b="0"/>
+      </a:effectRef>
+      <a:fontRef idx="minor"/>
+    </dgm:style>
+  </dgm:styleLbl>
+  <dgm:styleLbl name="fgAcc0">
+    <dgm:scene3d>
+      <a:camera prst="orthographicFront"/>
+      <a:lightRig rig="threePt" dir="t"/>
+    </dgm:scene3d>
+    <dgm:sp3d/>
+    <dgm:txPr/>
+    <dgm:style>
+      <a:lnRef idx="2">
+        <a:scrgbClr r="0" g="0" b="0"/>
+      </a:lnRef>
+      <a:fillRef idx="1">
+        <a:scrgbClr r="0" g="0" b="0"/>
+      </a:fillRef>
+      <a:effectRef idx="0">
+        <a:scrgbClr r="0" g="0" b="0"/>
+      </a:effectRef>
+      <a:fontRef idx="minor"/>
+    </dgm:style>
+  </dgm:styleLbl>
+  <dgm:styleLbl name="fgAcc2">
+    <dgm:scene3d>
+      <a:camera prst="orthographicFront"/>
+      <a:lightRig rig="threePt" dir="t"/>
+    </dgm:scene3d>
+    <dgm:sp3d/>
+    <dgm:txPr/>
+    <dgm:style>
+      <a:lnRef idx="2">
+        <a:scrgbClr r="0" g="0" b="0"/>
+      </a:lnRef>
+      <a:fillRef idx="1">
+        <a:scrgbClr r="0" g="0" b="0"/>
+      </a:fillRef>
+      <a:effectRef idx="0">
+        <a:scrgbClr r="0" g="0" b="0"/>
+      </a:effectRef>
+      <a:fontRef idx="minor"/>
+    </dgm:style>
+  </dgm:styleLbl>
+  <dgm:styleLbl name="fgAcc3">
+    <dgm:scene3d>
+      <a:camera prst="orthographicFront"/>
+      <a:lightRig rig="threePt" dir="t"/>
+    </dgm:scene3d>
+    <dgm:sp3d/>
+    <dgm:txPr/>
+    <dgm:style>
+      <a:lnRef idx="2">
+        <a:scrgbClr r="0" g="0" b="0"/>
+      </a:lnRef>
+      <a:fillRef idx="1">
+        <a:scrgbClr r="0" g="0" b="0"/>
+      </a:fillRef>
+      <a:effectRef idx="0">
+        <a:scrgbClr r="0" g="0" b="0"/>
+      </a:effectRef>
+      <a:fontRef idx="minor"/>
+    </dgm:style>
+  </dgm:styleLbl>
+  <dgm:styleLbl name="fgAcc4">
+    <dgm:scene3d>
+      <a:camera prst="orthographicFront"/>
+      <a:lightRig rig="threePt" dir="t"/>
+    </dgm:scene3d>
+    <dgm:sp3d/>
+    <dgm:txPr/>
+    <dgm:style>
+      <a:lnRef idx="2">
+        <a:scrgbClr r="0" g="0" b="0"/>
+      </a:lnRef>
+      <a:fillRef idx="1">
+        <a:scrgbClr r="0" g="0" b="0"/>
+      </a:fillRef>
+      <a:effectRef idx="0">
+        <a:scrgbClr r="0" g="0" b="0"/>
+      </a:effectRef>
+      <a:fontRef idx="minor"/>
+    </dgm:style>
+  </dgm:styleLbl>
+  <dgm:styleLbl name="bgShp">
+    <dgm:scene3d>
+      <a:camera prst="orthographicFront"/>
+      <a:lightRig rig="threePt" dir="t"/>
+    </dgm:scene3d>
+    <dgm:sp3d/>
+    <dgm:txPr/>
+    <dgm:style>
+      <a:lnRef idx="0">
+        <a:scrgbClr r="0" g="0" b="0"/>
+      </a:lnRef>
+      <a:fillRef idx="1">
+        <a:scrgbClr r="0" g="0" b="0"/>
+      </a:fillRef>
+      <a:effectRef idx="0">
+        <a:scrgbClr r="0" g="0" b="0"/>
+      </a:effectRef>
+      <a:fontRef idx="minor"/>
+    </dgm:style>
+  </dgm:styleLbl>
+  <dgm:styleLbl name="dkBgShp">
+    <dgm:scene3d>
+      <a:camera prst="orthographicFront"/>
+      <a:lightRig rig="threePt" dir="t"/>
+    </dgm:scene3d>
+    <dgm:sp3d/>
+    <dgm:txPr/>
+    <dgm:style>
+      <a:lnRef idx="0">
+        <a:scrgbClr r="0" g="0" b="0"/>
+      </a:lnRef>
+      <a:fillRef idx="1">
+        <a:scrgbClr r="0" g="0" b="0"/>
+      </a:fillRef>
+      <a:effectRef idx="0">
+        <a:scrgbClr r="0" g="0" b="0"/>
+      </a:effectRef>
+      <a:fontRef idx="minor"/>
+    </dgm:style>
+  </dgm:styleLbl>
+  <dgm:styleLbl name="trBgShp">
+    <dgm:scene3d>
+      <a:camera prst="orthographicFront"/>
+      <a:lightRig rig="threePt" dir="t"/>
+    </dgm:scene3d>
+    <dgm:sp3d/>
+    <dgm:txPr/>
+    <dgm:style>
+      <a:lnRef idx="0">
+        <a:scrgbClr r="0" g="0" b="0"/>
+      </a:lnRef>
+      <a:fillRef idx="1">
+        <a:scrgbClr r="0" g="0" b="0"/>
+      </a:fillRef>
+      <a:effectRef idx="0">
+        <a:scrgbClr r="0" g="0" b="0"/>
+      </a:effectRef>
+      <a:fontRef idx="minor"/>
+    </dgm:style>
+  </dgm:styleLbl>
+  <dgm:styleLbl name="fgShp">
+    <dgm:scene3d>
+      <a:camera prst="orthographicFront"/>
+      <a:lightRig rig="threePt" dir="t"/>
+    </dgm:scene3d>
+    <dgm:sp3d/>
+    <dgm:txPr/>
+    <dgm:style>
+      <a:lnRef idx="2">
+        <a:scrgbClr r="0" g="0" b="0"/>
+      </a:lnRef>
+      <a:fillRef idx="1">
+        <a:scrgbClr r="0" g="0" b="0"/>
+      </a:fillRef>
+      <a:effectRef idx="0">
+        <a:scrgbClr r="0" g="0" b="0"/>
+      </a:effectRef>
+      <a:fontRef idx="minor"/>
+    </dgm:style>
+  </dgm:styleLbl>
+  <dgm:styleLbl name="revTx">
+    <dgm:scene3d>
+      <a:camera prst="orthographicFront"/>
+      <a:lightRig rig="threePt" dir="t"/>
+    </dgm:scene3d>
+    <dgm:sp3d/>
+    <dgm:txPr/>
+    <dgm:style>
+      <a:lnRef idx="0">
+        <a:scrgbClr r="0" g="0" b="0"/>
+      </a:lnRef>
+      <a:fillRef idx="0">
+        <a:scrgbClr r="0" g="0" b="0"/>
+      </a:fillRef>
+      <a:effectRef idx="0">
+        <a:scrgbClr r="0" g="0" b="0"/>
+      </a:effectRef>
+      <a:fontRef idx="minor"/>
+    </dgm:style>
+  </dgm:styleLbl>
+</dgm:styleDef>
+</file>
+
 <file path=ppt/notesMasters/notesMaster1.xml><?xml version="1.0" encoding="utf-8"?>
 <p:notesMaster xmlns:a="http://schemas.openxmlformats.org/drawingml/2006/main" xmlns:r="http://schemas.openxmlformats.org/officeDocument/2006/relationships" xmlns:p="http://schemas.openxmlformats.org/presentationml/2006/main">
   <p:cSld>
@@ -210,7 +2989,7 @@
           <a:p>
             <a:fld id="{5C0A5EA6-AAE0-4EFC-BC6D-4FAFD39403E9}" type="datetimeFigureOut">
               <a:rPr lang="el-GR" smtClean="0"/>
-              <a:t>20/10/18</a:t>
+              <a:t>18/2/2019</a:t>
             </a:fld>
             <a:endParaRPr lang="el-GR"/>
           </a:p>
@@ -521,7 +3300,7 @@
           <a:bodyPr/>
           <a:lstStyle/>
           <a:p>
-            <a:endParaRPr lang="el-GR"/>
+            <a:endParaRPr lang="el-GR" dirty="0"/>
           </a:p>
         </p:txBody>
       </p:sp>
@@ -532,7 +3311,7 @@
             <a:spLocks noGrp="1"/>
           </p:cNvSpPr>
           <p:nvPr>
-            <p:ph type="sldNum" sz="quarter" idx="10"/>
+            <p:ph type="sldNum" sz="quarter" idx="5"/>
           </p:nvPr>
         </p:nvSpPr>
         <p:spPr/>
@@ -540,7 +3319,7 @@
           <a:bodyPr/>
           <a:lstStyle/>
           <a:p>
-            <a:fld id="{A2D35C28-C0CD-413B-BD40-6FAC915FDCB3}" type="slidenum">
+            <a:fld id="{BB1081D7-AACE-45E5-853E-100835B0B6C9}" type="slidenum">
               <a:rPr lang="el-GR" smtClean="0"/>
               <a:t>1</a:t>
             </a:fld>
@@ -551,7 +3330,7 @@
     </p:spTree>
     <p:extLst>
       <p:ext uri="{BB962C8B-B14F-4D97-AF65-F5344CB8AC3E}">
-        <p14:creationId xmlns:p14="http://schemas.microsoft.com/office/powerpoint/2010/main" val="12583776"/>
+        <p14:creationId xmlns:p14="http://schemas.microsoft.com/office/powerpoint/2010/main" val="4161599914"/>
       </p:ext>
     </p:extLst>
   </p:cSld>
@@ -1466,7 +4245,7 @@
           <a:p>
             <a:fld id="{5F9DBC74-475F-4A83-AC9D-9F7F396082E4}" type="slidenum">
               <a:rPr lang="el-GR" smtClean="0"/>
-              <a:t>14</a:t>
+              <a:t>15</a:t>
             </a:fld>
             <a:endParaRPr lang="el-GR"/>
           </a:p>
@@ -1614,7 +4393,7 @@
           <a:p>
             <a:fld id="{24695261-7D8C-4A46-B416-F3B4652787FE}" type="datetimeFigureOut">
               <a:rPr lang="el-GR" smtClean="0"/>
-              <a:t>20/10/18</a:t>
+              <a:t>18/2/2019</a:t>
             </a:fld>
             <a:endParaRPr lang="el-GR"/>
           </a:p>
@@ -1782,7 +4561,7 @@
           <a:p>
             <a:fld id="{24695261-7D8C-4A46-B416-F3B4652787FE}" type="datetimeFigureOut">
               <a:rPr lang="el-GR" smtClean="0"/>
-              <a:t>20/10/18</a:t>
+              <a:t>18/2/2019</a:t>
             </a:fld>
             <a:endParaRPr lang="el-GR"/>
           </a:p>
@@ -1960,7 +4739,7 @@
           <a:p>
             <a:fld id="{24695261-7D8C-4A46-B416-F3B4652787FE}" type="datetimeFigureOut">
               <a:rPr lang="el-GR" smtClean="0"/>
-              <a:t>20/10/18</a:t>
+              <a:t>18/2/2019</a:t>
             </a:fld>
             <a:endParaRPr lang="el-GR"/>
           </a:p>
@@ -2128,7 +4907,7 @@
           <a:p>
             <a:fld id="{24695261-7D8C-4A46-B416-F3B4652787FE}" type="datetimeFigureOut">
               <a:rPr lang="el-GR" smtClean="0"/>
-              <a:t>20/10/18</a:t>
+              <a:t>18/2/2019</a:t>
             </a:fld>
             <a:endParaRPr lang="el-GR"/>
           </a:p>
@@ -2373,7 +5152,7 @@
           <a:p>
             <a:fld id="{24695261-7D8C-4A46-B416-F3B4652787FE}" type="datetimeFigureOut">
               <a:rPr lang="el-GR" smtClean="0"/>
-              <a:t>20/10/18</a:t>
+              <a:t>18/2/2019</a:t>
             </a:fld>
             <a:endParaRPr lang="el-GR"/>
           </a:p>
@@ -2602,7 +5381,7 @@
           <a:p>
             <a:fld id="{24695261-7D8C-4A46-B416-F3B4652787FE}" type="datetimeFigureOut">
               <a:rPr lang="el-GR" smtClean="0"/>
-              <a:t>20/10/18</a:t>
+              <a:t>18/2/2019</a:t>
             </a:fld>
             <a:endParaRPr lang="el-GR"/>
           </a:p>
@@ -2966,7 +5745,7 @@
           <a:p>
             <a:fld id="{24695261-7D8C-4A46-B416-F3B4652787FE}" type="datetimeFigureOut">
               <a:rPr lang="el-GR" smtClean="0"/>
-              <a:t>20/10/18</a:t>
+              <a:t>18/2/2019</a:t>
             </a:fld>
             <a:endParaRPr lang="el-GR"/>
           </a:p>
@@ -3083,7 +5862,7 @@
           <a:p>
             <a:fld id="{24695261-7D8C-4A46-B416-F3B4652787FE}" type="datetimeFigureOut">
               <a:rPr lang="el-GR" smtClean="0"/>
-              <a:t>20/10/18</a:t>
+              <a:t>18/2/2019</a:t>
             </a:fld>
             <a:endParaRPr lang="el-GR"/>
           </a:p>
@@ -3178,7 +5957,7 @@
           <a:p>
             <a:fld id="{24695261-7D8C-4A46-B416-F3B4652787FE}" type="datetimeFigureOut">
               <a:rPr lang="el-GR" smtClean="0"/>
-              <a:t>20/10/18</a:t>
+              <a:t>18/2/2019</a:t>
             </a:fld>
             <a:endParaRPr lang="el-GR"/>
           </a:p>
@@ -3453,7 +6232,7 @@
           <a:p>
             <a:fld id="{24695261-7D8C-4A46-B416-F3B4652787FE}" type="datetimeFigureOut">
               <a:rPr lang="el-GR" smtClean="0"/>
-              <a:t>20/10/18</a:t>
+              <a:t>18/2/2019</a:t>
             </a:fld>
             <a:endParaRPr lang="el-GR"/>
           </a:p>
@@ -3705,7 +6484,7 @@
           <a:p>
             <a:fld id="{24695261-7D8C-4A46-B416-F3B4652787FE}" type="datetimeFigureOut">
               <a:rPr lang="el-GR" smtClean="0"/>
-              <a:t>20/10/18</a:t>
+              <a:t>18/2/2019</a:t>
             </a:fld>
             <a:endParaRPr lang="el-GR"/>
           </a:p>
@@ -3916,7 +6695,7 @@
           <a:p>
             <a:fld id="{24695261-7D8C-4A46-B416-F3B4652787FE}" type="datetimeFigureOut">
               <a:rPr lang="el-GR" smtClean="0"/>
-              <a:t>20/10/18</a:t>
+              <a:t>18/2/2019</a:t>
             </a:fld>
             <a:endParaRPr lang="el-GR"/>
           </a:p>
@@ -4307,6 +7086,14 @@
 <file path=ppt/slides/slide1.xml><?xml version="1.0" encoding="utf-8"?>
 <p:sld xmlns:a="http://schemas.openxmlformats.org/drawingml/2006/main" xmlns:r="http://schemas.openxmlformats.org/officeDocument/2006/relationships" xmlns:p="http://schemas.openxmlformats.org/presentationml/2006/main">
   <p:cSld>
+    <p:bg>
+      <p:bgPr>
+        <a:solidFill>
+          <a:schemeClr val="bg1"/>
+        </a:solidFill>
+        <a:effectLst/>
+      </p:bgPr>
+    </p:bg>
     <p:spTree>
       <p:nvGrpSpPr>
         <p:cNvPr id="1" name=""/>
@@ -4321,153 +7108,359 @@
           <a:chExt cx="0" cy="0"/>
         </a:xfrm>
       </p:grpSpPr>
-      <p:sp>
-        <p:nvSpPr>
-          <p:cNvPr id="2" name="Τίτλος 1"/>
-          <p:cNvSpPr>
-            <a:spLocks noGrp="1"/>
-          </p:cNvSpPr>
-          <p:nvPr>
-            <p:ph type="ctrTitle"/>
-          </p:nvPr>
-        </p:nvSpPr>
-        <p:spPr/>
-        <p:txBody>
-          <a:bodyPr/>
-          <a:lstStyle/>
-          <a:p>
-            <a:r>
-              <a:rPr lang="en-US" b="1" dirty="0"/>
-              <a:t>Apache Hadoop</a:t>
-            </a:r>
-            <a:endParaRPr lang="el-GR" b="1" dirty="0"/>
-          </a:p>
-        </p:txBody>
-      </p:sp>
-      <p:sp>
-        <p:nvSpPr>
-          <p:cNvPr id="3" name="Υπότιτλος 2"/>
-          <p:cNvSpPr>
-            <a:spLocks noGrp="1"/>
-          </p:cNvSpPr>
-          <p:nvPr>
-            <p:ph type="subTitle" idx="1"/>
-          </p:nvPr>
-        </p:nvSpPr>
-        <p:spPr/>
-        <p:txBody>
-          <a:bodyPr>
-            <a:normAutofit fontScale="85000" lnSpcReduction="20000"/>
-          </a:bodyPr>
-          <a:lstStyle/>
-          <a:p>
-            <a:r>
-              <a:rPr lang="el-GR" dirty="0"/>
-              <a:t>Χρήστος</a:t>
-            </a:r>
-            <a:r>
-              <a:rPr lang="en-US" dirty="0"/>
-              <a:t> </a:t>
-            </a:r>
-            <a:r>
-              <a:rPr lang="el-GR" dirty="0"/>
-              <a:t>Γκόγκος</a:t>
-            </a:r>
-          </a:p>
-          <a:p>
-            <a:r>
-              <a:rPr lang="el-GR" dirty="0"/>
-              <a:t>Εργαστήριο Συστημάτων Υπολογιστών – Τμήμα Ηλεκτρολόγων Μηχανικών &amp; Τεχνολογίας Υπολογιστών – Πανεπιστήμιο Πατρών</a:t>
-            </a:r>
-            <a:endParaRPr lang="en-US" dirty="0"/>
-          </a:p>
-          <a:p>
-            <a:r>
-              <a:rPr lang="el-GR" dirty="0"/>
-              <a:t>23</a:t>
-            </a:r>
-            <a:r>
-              <a:rPr lang="en-US" dirty="0"/>
-              <a:t>/</a:t>
-            </a:r>
-            <a:r>
-              <a:rPr lang="el-GR" dirty="0"/>
-              <a:t>10</a:t>
-            </a:r>
-            <a:r>
-              <a:rPr lang="en-US" dirty="0"/>
-              <a:t>/201</a:t>
-            </a:r>
-            <a:r>
-              <a:rPr lang="el-GR" dirty="0"/>
-              <a:t>8</a:t>
-            </a:r>
-          </a:p>
-          <a:p>
-            <a:r>
-              <a:rPr lang="en-US" dirty="0"/>
-              <a:t> </a:t>
-            </a:r>
-            <a:r>
-              <a:rPr lang="en-US" dirty="0">
-                <a:hlinkClick r:id="rId3"/>
-              </a:rPr>
-              <a:t>https://github.com/chgogos/big_data</a:t>
-            </a:r>
-            <a:r>
-              <a:rPr lang="el-GR" dirty="0"/>
-              <a:t> </a:t>
-            </a:r>
+      <p:sp useBgFill="1">
+        <p:nvSpPr>
+          <p:cNvPr id="18" name="Rectangle 17">
+            <a:extLst>
+              <a:ext uri="{FF2B5EF4-FFF2-40B4-BE49-F238E27FC236}">
+                <a16:creationId xmlns:a16="http://schemas.microsoft.com/office/drawing/2014/main" id="{3B854194-185D-494D-905C-7C7CB2E30F6E}"/>
+              </a:ext>
+              <a:ext uri="{C183D7F6-B498-43B3-948B-1728B52AA6E4}">
+                <adec:decorative xmlns:adec="http://schemas.microsoft.com/office/drawing/2017/decorative" val="1"/>
+              </a:ext>
+            </a:extLst>
+          </p:cNvPr>
+          <p:cNvSpPr>
+            <a:spLocks noGrp="1" noRot="1" noChangeAspect="1" noMove="1" noResize="1" noEditPoints="1" noAdjustHandles="1" noChangeArrowheads="1" noChangeShapeType="1" noTextEdit="1"/>
+          </p:cNvSpPr>
+          <p:nvPr>
+            <p:extLst>
+              <p:ext uri="{386F3935-93C4-4BCD-93E2-E3B085C9AB24}">
+                <p16:designElem xmlns:p16="http://schemas.microsoft.com/office/powerpoint/2015/main" val="1"/>
+              </p:ext>
+            </p:extLst>
+          </p:nvPr>
+        </p:nvSpPr>
+        <p:spPr>
+          <a:xfrm>
+            <a:off x="1" y="0"/>
+            <a:ext cx="6082110" cy="6858000"/>
+          </a:xfrm>
+          <a:prstGeom prst="rect">
+            <a:avLst/>
+          </a:prstGeom>
+          <a:ln>
+            <a:noFill/>
+          </a:ln>
+        </p:spPr>
+        <p:style>
+          <a:lnRef idx="2">
+            <a:schemeClr val="accent1">
+              <a:shade val="50000"/>
+            </a:schemeClr>
+          </a:lnRef>
+          <a:fillRef idx="1">
+            <a:schemeClr val="accent1"/>
+          </a:fillRef>
+          <a:effectRef idx="0">
+            <a:schemeClr val="accent1"/>
+          </a:effectRef>
+          <a:fontRef idx="minor">
+            <a:schemeClr val="lt1"/>
+          </a:fontRef>
+        </p:style>
+        <p:txBody>
+          <a:bodyPr rtlCol="0" anchor="ctr"/>
+          <a:lstStyle/>
+          <a:p>
+            <a:pPr algn="ctr"/>
+            <a:endParaRPr lang="en-US"/>
+          </a:p>
+        </p:txBody>
+      </p:sp>
+      <p:sp>
+        <p:nvSpPr>
+          <p:cNvPr id="20" name="Rectangle 19">
+            <a:extLst>
+              <a:ext uri="{FF2B5EF4-FFF2-40B4-BE49-F238E27FC236}">
+                <a16:creationId xmlns:a16="http://schemas.microsoft.com/office/drawing/2014/main" id="{B4F5FA0D-0104-4987-8241-EFF7C85B88DE}"/>
+              </a:ext>
+              <a:ext uri="{C183D7F6-B498-43B3-948B-1728B52AA6E4}">
+                <adec:decorative xmlns:adec="http://schemas.microsoft.com/office/drawing/2017/decorative" val="1"/>
+              </a:ext>
+            </a:extLst>
+          </p:cNvPr>
+          <p:cNvSpPr>
+            <a:spLocks noGrp="1" noRot="1" noChangeAspect="1" noMove="1" noResize="1" noEditPoints="1" noAdjustHandles="1" noChangeArrowheads="1" noChangeShapeType="1" noTextEdit="1"/>
+          </p:cNvSpPr>
+          <p:nvPr>
+            <p:extLst>
+              <p:ext uri="{386F3935-93C4-4BCD-93E2-E3B085C9AB24}">
+                <p16:designElem xmlns:p16="http://schemas.microsoft.com/office/powerpoint/2015/main" val="1"/>
+              </p:ext>
+            </p:extLst>
+          </p:nvPr>
+        </p:nvSpPr>
+        <p:spPr>
+          <a:xfrm>
+            <a:off x="1" y="0"/>
+            <a:ext cx="12191998" cy="6858000"/>
+          </a:xfrm>
+          <a:prstGeom prst="rect">
+            <a:avLst/>
+          </a:prstGeom>
+          <a:gradFill>
+            <a:gsLst>
+              <a:gs pos="0">
+                <a:schemeClr val="accent1">
+                  <a:lumMod val="90000"/>
+                </a:schemeClr>
+              </a:gs>
+              <a:gs pos="25000">
+                <a:schemeClr val="accent1">
+                  <a:lumMod val="90000"/>
+                </a:schemeClr>
+              </a:gs>
+              <a:gs pos="94000">
+                <a:schemeClr val="bg2">
+                  <a:lumMod val="25000"/>
+                </a:schemeClr>
+              </a:gs>
+              <a:gs pos="100000">
+                <a:schemeClr val="bg2">
+                  <a:lumMod val="25000"/>
+                </a:schemeClr>
+              </a:gs>
+            </a:gsLst>
+            <a:lin ang="4200000" scaled="0"/>
+          </a:gradFill>
+          <a:ln>
+            <a:noFill/>
+          </a:ln>
+        </p:spPr>
+        <p:style>
+          <a:lnRef idx="2">
+            <a:schemeClr val="accent1">
+              <a:shade val="50000"/>
+            </a:schemeClr>
+          </a:lnRef>
+          <a:fillRef idx="1">
+            <a:schemeClr val="accent1"/>
+          </a:fillRef>
+          <a:effectRef idx="0">
+            <a:schemeClr val="accent1"/>
+          </a:effectRef>
+          <a:fontRef idx="minor">
+            <a:schemeClr val="lt1"/>
+          </a:fontRef>
+        </p:style>
+        <p:txBody>
+          <a:bodyPr rtlCol="0" anchor="ctr"/>
+          <a:lstStyle/>
+          <a:p>
+            <a:pPr algn="ctr"/>
+            <a:endParaRPr lang="en-US"/>
           </a:p>
         </p:txBody>
       </p:sp>
       <p:pic>
         <p:nvPicPr>
-          <p:cNvPr id="4" name="Picture 4" descr="https://media.licdn.com/mpr/mpr/shrinknp_100_100/AAEAAQAAAAAAAAY5AAAAJGM2NzVkMDI1LTAwMTMtNGY5MS1iZDUzLWVjMDU3N2MyMTE1Yg.png">
-            <a:hlinkClick r:id="rId4"/>
+          <p:cNvPr id="22" name="Picture 21">
+            <a:extLst>
+              <a:ext uri="{FF2B5EF4-FFF2-40B4-BE49-F238E27FC236}">
+                <a16:creationId xmlns:a16="http://schemas.microsoft.com/office/drawing/2014/main" id="{2897127E-6CEF-446C-BE87-93B7C46E49D1}"/>
+              </a:ext>
+              <a:ext uri="{C183D7F6-B498-43B3-948B-1728B52AA6E4}">
+                <adec:decorative xmlns:adec="http://schemas.microsoft.com/office/drawing/2017/decorative" val="1"/>
+              </a:ext>
+            </a:extLst>
           </p:cNvPr>
           <p:cNvPicPr>
-            <a:picLocks noChangeAspect="1" noChangeArrowheads="1"/>
+            <a:picLocks noGrp="1" noRot="1" noChangeAspect="1" noMove="1" noResize="1" noEditPoints="1" noAdjustHandles="1" noChangeArrowheads="1" noChangeShapeType="1" noCrop="1"/>
           </p:cNvPicPr>
-          <p:nvPr/>
+          <p:nvPr>
+            <p:extLst>
+              <p:ext uri="{386F3935-93C4-4BCD-93E2-E3B085C9AB24}">
+                <p16:designElem xmlns:p16="http://schemas.microsoft.com/office/powerpoint/2015/main" val="1"/>
+              </p:ext>
+            </p:extLst>
+          </p:nvPr>
         </p:nvPicPr>
         <p:blipFill>
-          <a:blip r:embed="rId5">
+          <a:blip r:embed="rId3">
             <a:extLst>
               <a:ext uri="{28A0092B-C50C-407E-A947-70E740481C1C}">
                 <a14:useLocalDpi xmlns:a14="http://schemas.microsoft.com/office/drawing/2010/main" val="0"/>
               </a:ext>
             </a:extLst>
           </a:blip>
-          <a:srcRect/>
           <a:stretch>
             <a:fillRect/>
           </a:stretch>
         </p:blipFill>
-        <p:spPr bwMode="auto">
+        <p:spPr>
           <a:xfrm>
-            <a:off x="7365723" y="3753374"/>
-            <a:ext cx="762000" cy="142875"/>
+            <a:off x="0" y="0"/>
+            <a:ext cx="12192000" cy="6858000"/>
           </a:xfrm>
           <a:prstGeom prst="rect">
             <a:avLst/>
           </a:prstGeom>
-          <a:noFill/>
-          <a:extLst>
-            <a:ext uri="{909E8E84-426E-40DD-AFC4-6F175D3DCCD1}">
-              <a14:hiddenFill xmlns:a14="http://schemas.microsoft.com/office/drawing/2010/main">
+        </p:spPr>
+      </p:pic>
+      <p:sp>
+        <p:nvSpPr>
+          <p:cNvPr id="2" name="Τίτλος 1"/>
+          <p:cNvSpPr>
+            <a:spLocks noGrp="1"/>
+          </p:cNvSpPr>
+          <p:nvPr>
+            <p:ph type="ctrTitle"/>
+          </p:nvPr>
+        </p:nvSpPr>
+        <p:spPr>
+          <a:xfrm>
+            <a:off x="640079" y="2053641"/>
+            <a:ext cx="4028174" cy="2760098"/>
+          </a:xfrm>
+        </p:spPr>
+        <p:txBody>
+          <a:bodyPr vert="horz" lIns="91440" tIns="45720" rIns="91440" bIns="45720" rtlCol="0" anchor="ctr">
+            <a:normAutofit/>
+          </a:bodyPr>
+          <a:lstStyle/>
+          <a:p>
+            <a:pPr algn="l"/>
+            <a:r>
+              <a:rPr lang="en-US" sz="4400" b="1" dirty="0">
                 <a:solidFill>
                   <a:srgbClr val="FFFFFF"/>
                 </a:solidFill>
-              </a14:hiddenFill>
-            </a:ext>
-          </a:extLst>
+              </a:rPr>
+              <a:t>Apache Hadoop</a:t>
+            </a:r>
+            <a:endParaRPr lang="en-US" sz="4400" b="1" kern="1200" dirty="0">
+              <a:solidFill>
+                <a:srgbClr val="FFFFFF"/>
+              </a:solidFill>
+              <a:latin typeface="+mj-lt"/>
+              <a:ea typeface="+mj-ea"/>
+              <a:cs typeface="+mj-cs"/>
+            </a:endParaRPr>
+          </a:p>
+        </p:txBody>
+      </p:sp>
+      <p:sp>
+        <p:nvSpPr>
+          <p:cNvPr id="3" name="Υπότιτλος 2"/>
+          <p:cNvSpPr>
+            <a:spLocks noGrp="1"/>
+          </p:cNvSpPr>
+          <p:nvPr>
+            <p:ph type="subTitle" idx="1"/>
+          </p:nvPr>
+        </p:nvSpPr>
+        <p:spPr>
+          <a:xfrm>
+            <a:off x="6090574" y="801866"/>
+            <a:ext cx="5306084" cy="5230634"/>
+          </a:xfrm>
+        </p:spPr>
+        <p:txBody>
+          <a:bodyPr vert="horz" lIns="91440" tIns="45720" rIns="91440" bIns="45720" rtlCol="0" anchor="ctr">
+            <a:normAutofit/>
+          </a:bodyPr>
+          <a:lstStyle/>
+          <a:p>
+            <a:pPr algn="l"/>
+            <a:r>
+              <a:rPr lang="el-GR" dirty="0">
+                <a:solidFill>
+                  <a:srgbClr val="000000"/>
+                </a:solidFill>
+              </a:rPr>
+              <a:t>Χρήστος Γκόγκος</a:t>
+            </a:r>
+          </a:p>
+          <a:p>
+            <a:pPr algn="l"/>
+            <a:r>
+              <a:rPr lang="en-US" sz="1800" dirty="0">
+                <a:solidFill>
+                  <a:srgbClr val="000000"/>
+                </a:solidFill>
+              </a:rPr>
+              <a:t>18/2/2019</a:t>
+            </a:r>
+            <a:endParaRPr lang="en-US" dirty="0">
+              <a:solidFill>
+                <a:srgbClr val="000000"/>
+              </a:solidFill>
+            </a:endParaRPr>
+          </a:p>
+          <a:p>
+            <a:pPr algn="l"/>
+            <a:r>
+              <a:rPr lang="en-US" dirty="0">
+                <a:solidFill>
+                  <a:srgbClr val="000000"/>
+                </a:solidFill>
+                <a:hlinkClick r:id="rId4"/>
+              </a:rPr>
+              <a:t>https://github.com/chgogos/big_data</a:t>
+            </a:r>
+            <a:r>
+              <a:rPr lang="en-US" dirty="0">
+                <a:solidFill>
+                  <a:srgbClr val="000000"/>
+                </a:solidFill>
+              </a:rPr>
+              <a:t> </a:t>
+            </a:r>
+          </a:p>
+          <a:p>
+            <a:pPr indent="-228600" algn="l">
+              <a:buFont typeface="Arial" panose="020B0604020202020204" pitchFamily="34" charset="0"/>
+              <a:buChar char="•"/>
+            </a:pPr>
+            <a:endParaRPr lang="en-US" dirty="0">
+              <a:solidFill>
+                <a:srgbClr val="000000"/>
+              </a:solidFill>
+            </a:endParaRPr>
+          </a:p>
+        </p:txBody>
+      </p:sp>
+      <p:pic>
+        <p:nvPicPr>
+          <p:cNvPr id="14" name="Εικόνα 13">
+            <a:extLst>
+              <a:ext uri="{FF2B5EF4-FFF2-40B4-BE49-F238E27FC236}">
+                <a16:creationId xmlns:a16="http://schemas.microsoft.com/office/drawing/2014/main" id="{07B03716-CAFB-4C37-8AB0-EAFA33074EA3}"/>
+              </a:ext>
+            </a:extLst>
+          </p:cNvPr>
+          <p:cNvPicPr>
+            <a:picLocks noChangeAspect="1"/>
+          </p:cNvPicPr>
+          <p:nvPr/>
+        </p:nvPicPr>
+        <p:blipFill>
+          <a:blip r:embed="rId5" cstate="print">
+            <a:extLst>
+              <a:ext uri="{28A0092B-C50C-407E-A947-70E740481C1C}">
+                <a14:useLocalDpi xmlns:a14="http://schemas.microsoft.com/office/drawing/2010/main" val="0"/>
+              </a:ext>
+            </a:extLst>
+          </a:blip>
+          <a:stretch>
+            <a:fillRect/>
+          </a:stretch>
+        </p:blipFill>
+        <p:spPr>
+          <a:xfrm>
+            <a:off x="9662391" y="16775"/>
+            <a:ext cx="2529608" cy="884135"/>
+          </a:xfrm>
+          <a:prstGeom prst="rect">
+            <a:avLst/>
+          </a:prstGeom>
         </p:spPr>
       </p:pic>
     </p:spTree>
     <p:extLst>
       <p:ext uri="{BB962C8B-B14F-4D97-AF65-F5344CB8AC3E}">
-        <p14:creationId xmlns:p14="http://schemas.microsoft.com/office/powerpoint/2010/main" val="63118617"/>
+        <p14:creationId xmlns:p14="http://schemas.microsoft.com/office/powerpoint/2010/main" val="3625607535"/>
       </p:ext>
     </p:extLst>
   </p:cSld>
@@ -4504,17 +7497,22 @@
             <p:ph type="title"/>
           </p:nvPr>
         </p:nvSpPr>
-        <p:spPr/>
+        <p:spPr>
+          <a:xfrm>
+            <a:off x="838200" y="365125"/>
+            <a:ext cx="10515600" cy="1325563"/>
+          </a:xfrm>
+        </p:spPr>
         <p:txBody>
           <a:bodyPr/>
           <a:lstStyle/>
           <a:p>
             <a:r>
-              <a:rPr lang="el-GR" dirty="0"/>
+              <a:rPr lang="el-GR"/>
               <a:t>Βασικά βήματα του </a:t>
             </a:r>
             <a:r>
-              <a:rPr lang="en-US" dirty="0"/>
+              <a:rPr lang="en-US"/>
               <a:t>MapReduce</a:t>
             </a:r>
             <a:endParaRPr lang="el-GR" dirty="0"/>
@@ -4531,7 +7529,12 @@
             <p:ph sz="half" idx="1"/>
           </p:nvPr>
         </p:nvSpPr>
-        <p:spPr/>
+        <p:spPr>
+          <a:xfrm>
+            <a:off x="838200" y="1825625"/>
+            <a:ext cx="5181600" cy="4351338"/>
+          </a:xfrm>
+        </p:spPr>
         <p:txBody>
           <a:bodyPr>
             <a:normAutofit fontScale="70000" lnSpcReduction="20000"/>
@@ -4546,22 +7549,22 @@
               <a:buAutoNum type="arabicPeriod"/>
             </a:pPr>
             <a:r>
-              <a:rPr lang="el-GR" dirty="0"/>
+              <a:rPr lang="el-GR"/>
               <a:t>Φόρτωση ενός μεγάλου συνόλου εγγραφών σε ένα σύνολο μηχανημάτων με τη μορφή </a:t>
             </a:r>
             <a:r>
-              <a:rPr lang="en-US" dirty="0"/>
+              <a:rPr lang="en-US"/>
               <a:t>(key,</a:t>
             </a:r>
             <a:r>
-              <a:rPr lang="el-GR" dirty="0"/>
+              <a:rPr lang="el-GR"/>
               <a:t> </a:t>
             </a:r>
             <a:r>
-              <a:rPr lang="en-US" dirty="0"/>
+              <a:rPr lang="en-US"/>
               <a:t>value)</a:t>
             </a:r>
-            <a:endParaRPr lang="el-GR" dirty="0"/>
+            <a:endParaRPr lang="el-GR"/>
           </a:p>
           <a:p>
             <a:pPr marL="514350" indent="-514350">
@@ -4572,18 +7575,18 @@
               <a:buAutoNum type="arabicPeriod"/>
             </a:pPr>
             <a:r>
-              <a:rPr lang="el-GR" dirty="0"/>
+              <a:rPr lang="el-GR"/>
               <a:t>Εξαγωγή κάποιας χρήσιμης πληροφορίας από κάθε εγγραφή (</a:t>
             </a:r>
             <a:r>
-              <a:rPr lang="en-US" dirty="0"/>
+              <a:rPr lang="en-US"/>
               <a:t>map</a:t>
             </a:r>
             <a:r>
-              <a:rPr lang="el-GR" dirty="0"/>
+              <a:rPr lang="el-GR"/>
               <a:t>)</a:t>
             </a:r>
-            <a:endParaRPr lang="en-US" dirty="0"/>
+            <a:endParaRPr lang="en-US"/>
           </a:p>
           <a:p>
             <a:pPr marL="514350" indent="-514350">
@@ -4594,23 +7597,23 @@
               <a:buAutoNum type="arabicPeriod"/>
             </a:pPr>
             <a:r>
-              <a:rPr lang="el-GR" dirty="0"/>
+              <a:rPr lang="el-GR"/>
               <a:t>Ανακάτεμα (</a:t>
             </a:r>
             <a:r>
-              <a:rPr lang="en-US" dirty="0"/>
+              <a:rPr lang="en-US"/>
               <a:t>shuffle</a:t>
             </a:r>
             <a:r>
-              <a:rPr lang="el-GR" dirty="0"/>
+              <a:rPr lang="el-GR"/>
               <a:t>) των ενδιάμεσων αποτελεσμάτων ανάμεσα στα μηχανήματα</a:t>
             </a:r>
             <a:r>
-              <a:rPr lang="en-US" dirty="0"/>
+              <a:rPr lang="en-US"/>
               <a:t> </a:t>
             </a:r>
             <a:r>
-              <a:rPr lang="el-GR" dirty="0"/>
+              <a:rPr lang="el-GR"/>
               <a:t>έτσι ώστε το ενδιάμεσα αποτελέσματα για το ίδιο κλειδί να είναι μαζί</a:t>
             </a:r>
           </a:p>
@@ -4623,18 +7626,18 @@
               <a:buAutoNum type="arabicPeriod"/>
             </a:pPr>
             <a:r>
-              <a:rPr lang="el-GR" dirty="0"/>
+              <a:rPr lang="el-GR"/>
               <a:t>Υπολογισμός συγκεντρωτικών τιμών για τα ενδιάμεσα αποτελέσματα (</a:t>
             </a:r>
             <a:r>
-              <a:rPr lang="en-US" dirty="0"/>
+              <a:rPr lang="en-US"/>
               <a:t>reduce</a:t>
             </a:r>
             <a:r>
-              <a:rPr lang="el-GR" dirty="0"/>
+              <a:rPr lang="el-GR"/>
               <a:t>)</a:t>
             </a:r>
-            <a:endParaRPr lang="en-US" dirty="0"/>
+            <a:endParaRPr lang="en-US"/>
           </a:p>
           <a:p>
             <a:pPr marL="514350" indent="-514350">
@@ -4645,9 +7648,10 @@
               <a:buAutoNum type="arabicPeriod"/>
             </a:pPr>
             <a:r>
-              <a:rPr lang="el-GR" dirty="0"/>
+              <a:rPr lang="el-GR"/>
               <a:t>Αποθήκευση τελικού αποτελέσματος</a:t>
             </a:r>
+            <a:endParaRPr lang="el-GR" dirty="0"/>
           </a:p>
         </p:txBody>
       </p:sp>
@@ -4661,7 +7665,12 @@
             <p:ph sz="half" idx="2"/>
           </p:nvPr>
         </p:nvSpPr>
-        <p:spPr/>
+        <p:spPr>
+          <a:xfrm>
+            <a:off x="6172200" y="1825625"/>
+            <a:ext cx="5181600" cy="4351338"/>
+          </a:xfrm>
+        </p:spPr>
         <p:txBody>
           <a:bodyPr>
             <a:normAutofit fontScale="70000" lnSpcReduction="20000"/>
@@ -4689,7 +7698,7 @@
               </a:lnSpc>
             </a:pPr>
             <a:r>
-              <a:rPr lang="el-GR" dirty="0"/>
+              <a:rPr lang="el-GR" sz="2600" dirty="0"/>
               <a:t>Τα δεδομένα εισόδου χωρίζονται σε τμήματα</a:t>
             </a:r>
           </a:p>
@@ -4700,15 +7709,15 @@
               </a:lnSpc>
             </a:pPr>
             <a:r>
-              <a:rPr lang="el-GR" dirty="0"/>
+              <a:rPr lang="el-GR" sz="2600" dirty="0"/>
               <a:t>Οι </a:t>
             </a:r>
             <a:r>
-              <a:rPr lang="en-US" dirty="0"/>
+              <a:rPr lang="en-US" sz="2600" dirty="0"/>
               <a:t>worker nodes </a:t>
             </a:r>
             <a:r>
-              <a:rPr lang="el-GR" dirty="0"/>
+              <a:rPr lang="el-GR" sz="2600" dirty="0"/>
               <a:t>επεξεργάζονται παράλληλα τα δεδομένα που έχουν αναλάβει</a:t>
             </a:r>
           </a:p>
@@ -4719,23 +7728,23 @@
               </a:lnSpc>
             </a:pPr>
             <a:r>
-              <a:rPr lang="el-GR" dirty="0"/>
+              <a:rPr lang="el-GR" sz="2600" dirty="0"/>
               <a:t>Κάθε </a:t>
             </a:r>
             <a:r>
-              <a:rPr lang="en-US" dirty="0"/>
+              <a:rPr lang="en-US" sz="2600" dirty="0"/>
               <a:t>worker node </a:t>
             </a:r>
             <a:r>
-              <a:rPr lang="el-GR" dirty="0"/>
+              <a:rPr lang="el-GR" sz="2600" dirty="0"/>
               <a:t>αποθηκεύει το αποτέλεσμα στο τοπικό του σύστημα αρχείων από όπου ο </a:t>
             </a:r>
             <a:r>
-              <a:rPr lang="en-US" dirty="0"/>
+              <a:rPr lang="en-US" sz="2600" dirty="0"/>
               <a:t>reducer </a:t>
             </a:r>
             <a:r>
-              <a:rPr lang="el-GR" dirty="0"/>
+              <a:rPr lang="el-GR" sz="2600" dirty="0"/>
               <a:t>μπορεί να το προσπελάσει</a:t>
             </a:r>
           </a:p>
@@ -4762,18 +7771,18 @@
               </a:lnSpc>
             </a:pPr>
             <a:r>
-              <a:rPr lang="el-GR" dirty="0"/>
+              <a:rPr lang="el-GR" sz="2600" dirty="0"/>
               <a:t>Πολλαπλά </a:t>
             </a:r>
             <a:r>
-              <a:rPr lang="en-US" dirty="0"/>
+              <a:rPr lang="en-US" sz="2600" dirty="0"/>
               <a:t>reduce tasks </a:t>
             </a:r>
             <a:r>
-              <a:rPr lang="el-GR" dirty="0"/>
+              <a:rPr lang="el-GR" sz="2600" dirty="0"/>
               <a:t>αναλαμβάνουν να υπολογίσουν παράλληλα συγκεντρωτικά αποτελέσματα</a:t>
             </a:r>
-            <a:endParaRPr lang="en-US" dirty="0"/>
+            <a:endParaRPr lang="en-US" sz="2600" dirty="0"/>
           </a:p>
         </p:txBody>
       </p:sp>
@@ -4787,7 +7796,12 @@
             <p:ph type="sldNum" sz="quarter" idx="12"/>
           </p:nvPr>
         </p:nvSpPr>
-        <p:spPr/>
+        <p:spPr>
+          <a:xfrm>
+            <a:off x="8610600" y="6356350"/>
+            <a:ext cx="2743200" cy="365125"/>
+          </a:xfrm>
+        </p:spPr>
         <p:txBody>
           <a:bodyPr/>
           <a:lstStyle/>
@@ -5112,7 +8126,7 @@
         <p:spPr/>
         <p:txBody>
           <a:bodyPr>
-            <a:normAutofit fontScale="62500" lnSpcReduction="20000"/>
+            <a:normAutofit fontScale="92500" lnSpcReduction="20000"/>
           </a:bodyPr>
           <a:lstStyle/>
           <a:p>
@@ -5122,26 +8136,26 @@
               </a:lnSpc>
             </a:pPr>
             <a:r>
-              <a:rPr lang="en-US" b="1" dirty="0"/>
+              <a:rPr lang="en-US" sz="2000" b="1" dirty="0"/>
               <a:t>Java</a:t>
             </a:r>
             <a:r>
-              <a:rPr lang="en-US" dirty="0"/>
+              <a:rPr lang="en-US" sz="2000" dirty="0"/>
               <a:t>: </a:t>
             </a:r>
             <a:r>
-              <a:rPr lang="el-GR" dirty="0"/>
+              <a:rPr lang="el-GR" sz="2000" dirty="0"/>
               <a:t>πρόσβαση στις πλήρεις δυνατότητες του </a:t>
             </a:r>
             <a:r>
-              <a:rPr lang="en-US" dirty="0"/>
+              <a:rPr lang="en-US" sz="2000" dirty="0"/>
               <a:t>MapReduce </a:t>
             </a:r>
             <a:r>
-              <a:rPr lang="el-GR" dirty="0"/>
+              <a:rPr lang="el-GR" sz="2000" dirty="0"/>
               <a:t>αλλά δύσκαμπτα και μεγάλα προγράμματα</a:t>
             </a:r>
-            <a:endParaRPr lang="en-US" dirty="0"/>
+            <a:endParaRPr lang="en-US" sz="2000" dirty="0"/>
           </a:p>
           <a:p>
             <a:pPr>
@@ -5150,38 +8164,38 @@
               </a:lnSpc>
             </a:pPr>
             <a:r>
-              <a:rPr lang="en-US" b="1" dirty="0"/>
+              <a:rPr lang="en-US" sz="2000" b="1" dirty="0"/>
               <a:t>Hadoop streaming</a:t>
             </a:r>
             <a:r>
-              <a:rPr lang="en-US" dirty="0"/>
+              <a:rPr lang="en-US" sz="2000" dirty="0"/>
               <a:t>: </a:t>
             </a:r>
             <a:r>
-              <a:rPr lang="el-GR" dirty="0"/>
+              <a:rPr lang="el-GR" sz="2000" dirty="0"/>
               <a:t>δυνατότητα χρήσης άλλων γλωσσών </a:t>
             </a:r>
             <a:r>
-              <a:rPr lang="en-US" dirty="0"/>
+              <a:rPr lang="en-US" sz="2000" dirty="0"/>
               <a:t>(</a:t>
             </a:r>
             <a:r>
-              <a:rPr lang="el-GR" dirty="0"/>
+              <a:rPr lang="el-GR" sz="2000" dirty="0"/>
               <a:t>π.χ. </a:t>
             </a:r>
             <a:r>
-              <a:rPr lang="en-US" dirty="0"/>
+              <a:rPr lang="en-US" sz="2000" dirty="0"/>
               <a:t>Python, Ruby </a:t>
             </a:r>
             <a:r>
-              <a:rPr lang="el-GR" dirty="0"/>
+              <a:rPr lang="el-GR" sz="2000" dirty="0"/>
               <a:t>κ.α.</a:t>
             </a:r>
             <a:r>
-              <a:rPr lang="en-US" dirty="0"/>
+              <a:rPr lang="en-US" sz="2000" dirty="0"/>
               <a:t>)</a:t>
             </a:r>
-            <a:endParaRPr lang="el-GR" dirty="0"/>
+            <a:endParaRPr lang="el-GR" sz="2000" dirty="0"/>
           </a:p>
           <a:p>
             <a:pPr>
@@ -5190,35 +8204,35 @@
               </a:lnSpc>
             </a:pPr>
             <a:r>
-              <a:rPr lang="en-US" b="1" dirty="0"/>
+              <a:rPr lang="en-US" sz="2000" b="1" dirty="0"/>
               <a:t>Cascading</a:t>
             </a:r>
             <a:r>
-              <a:rPr lang="en-US" dirty="0"/>
+              <a:rPr lang="en-US" sz="2000" dirty="0"/>
               <a:t>: </a:t>
             </a:r>
             <a:r>
-              <a:rPr lang="el-GR" dirty="0"/>
+              <a:rPr lang="el-GR" sz="2000" dirty="0"/>
               <a:t>βιβλιοθήκη σε </a:t>
             </a:r>
             <a:r>
-              <a:rPr lang="en-US" dirty="0"/>
+              <a:rPr lang="en-US" sz="2000" dirty="0"/>
               <a:t>java </a:t>
             </a:r>
             <a:r>
-              <a:rPr lang="el-GR" dirty="0"/>
+              <a:rPr lang="el-GR" sz="2000" dirty="0"/>
               <a:t>που επιτρέπει την περιγραφή </a:t>
             </a:r>
             <a:r>
-              <a:rPr lang="en-US" dirty="0"/>
+              <a:rPr lang="en-US" sz="2000" dirty="0"/>
               <a:t>data flows </a:t>
             </a:r>
             <a:r>
-              <a:rPr lang="el-GR" dirty="0"/>
+              <a:rPr lang="el-GR" sz="2000" dirty="0"/>
               <a:t>που μετασχηματίζονται σε διεργασίες </a:t>
             </a:r>
             <a:r>
-              <a:rPr lang="en-US" dirty="0"/>
+              <a:rPr lang="en-US" sz="2000" dirty="0"/>
               <a:t>map reduce</a:t>
             </a:r>
           </a:p>
@@ -5229,19 +8243,19 @@
               </a:lnSpc>
             </a:pPr>
             <a:r>
-              <a:rPr lang="en-US" b="1" dirty="0"/>
+              <a:rPr lang="en-US" sz="2000" b="1" dirty="0"/>
               <a:t>Hive</a:t>
             </a:r>
             <a:r>
-              <a:rPr lang="en-US" dirty="0"/>
+              <a:rPr lang="en-US" sz="2000" dirty="0"/>
               <a:t>: </a:t>
             </a:r>
             <a:r>
-              <a:rPr lang="el-GR" dirty="0"/>
+              <a:rPr lang="el-GR" sz="2000" dirty="0"/>
               <a:t>γλώσσα παρόμοια με την </a:t>
             </a:r>
             <a:r>
-              <a:rPr lang="en-US" dirty="0"/>
+              <a:rPr lang="en-US" sz="2000" dirty="0"/>
               <a:t>SQL</a:t>
             </a:r>
           </a:p>
@@ -5252,22 +8266,22 @@
               </a:lnSpc>
             </a:pPr>
             <a:r>
-              <a:rPr lang="en-US" b="1" dirty="0"/>
+              <a:rPr lang="en-US" sz="2000" b="1" dirty="0"/>
               <a:t>Pig</a:t>
             </a:r>
             <a:r>
-              <a:rPr lang="en-US" dirty="0"/>
+              <a:rPr lang="en-US" sz="2000" dirty="0"/>
               <a:t>: </a:t>
             </a:r>
             <a:r>
-              <a:rPr lang="el-GR" dirty="0"/>
+              <a:rPr lang="el-GR" sz="2000" dirty="0"/>
               <a:t>γλώσσα </a:t>
             </a:r>
             <a:r>
-              <a:rPr lang="en-US" dirty="0"/>
+              <a:rPr lang="en-US" sz="2000" dirty="0"/>
               <a:t>data flow</a:t>
             </a:r>
-            <a:endParaRPr lang="el-GR" dirty="0"/>
+            <a:endParaRPr lang="el-GR" sz="2000" dirty="0"/>
           </a:p>
           <a:p>
             <a:pPr>
@@ -5276,19 +8290,19 @@
               </a:lnSpc>
             </a:pPr>
             <a:r>
-              <a:rPr lang="en-US" b="1" dirty="0"/>
+              <a:rPr lang="en-US" sz="2000" b="1" dirty="0"/>
               <a:t>Scalding</a:t>
             </a:r>
             <a:r>
-              <a:rPr lang="el-GR" dirty="0"/>
+              <a:rPr lang="el-GR" sz="2000" dirty="0"/>
               <a:t>: γλώσσα βασισμένη στη </a:t>
             </a:r>
             <a:r>
-              <a:rPr lang="en-US" dirty="0"/>
+              <a:rPr lang="en-US" sz="2000" dirty="0"/>
               <a:t>Scala </a:t>
             </a:r>
             <a:r>
-              <a:rPr lang="el-GR" dirty="0"/>
+              <a:rPr lang="el-GR" sz="2000" dirty="0"/>
               <a:t>που παράγει μικρά προγράμματα</a:t>
             </a:r>
           </a:p>
@@ -5807,6 +8821,152 @@
       </p:grpSpPr>
       <p:sp>
         <p:nvSpPr>
+          <p:cNvPr id="2" name="Τίτλος 1">
+            <a:extLst>
+              <a:ext uri="{FF2B5EF4-FFF2-40B4-BE49-F238E27FC236}">
+                <a16:creationId xmlns:a16="http://schemas.microsoft.com/office/drawing/2014/main" id="{D91232BA-28CE-4D1C-BC0F-2936B3728E14}"/>
+              </a:ext>
+            </a:extLst>
+          </p:cNvPr>
+          <p:cNvSpPr>
+            <a:spLocks noGrp="1"/>
+          </p:cNvSpPr>
+          <p:nvPr>
+            <p:ph type="title"/>
+          </p:nvPr>
+        </p:nvSpPr>
+        <p:spPr/>
+        <p:txBody>
+          <a:bodyPr>
+            <a:normAutofit fontScale="90000"/>
+          </a:bodyPr>
+          <a:lstStyle/>
+          <a:p>
+            <a:r>
+              <a:rPr lang="el-GR" dirty="0"/>
+              <a:t>Η αγορά σχετικά με το </a:t>
+            </a:r>
+            <a:r>
+              <a:rPr lang="en-US" dirty="0"/>
+              <a:t>Hadoop </a:t>
+            </a:r>
+            <a:r>
+              <a:rPr lang="el-GR" dirty="0"/>
+              <a:t>αναμένεται να ξεπεράσει τα 50 δισεκατομμύρια $ μέχρι το </a:t>
+            </a:r>
+            <a:r>
+              <a:rPr lang="en-US" dirty="0"/>
+              <a:t>2024.</a:t>
+            </a:r>
+            <a:endParaRPr lang="el-GR" dirty="0"/>
+          </a:p>
+        </p:txBody>
+      </p:sp>
+      <p:sp>
+        <p:nvSpPr>
+          <p:cNvPr id="3" name="Θέση περιεχομένου 2">
+            <a:extLst>
+              <a:ext uri="{FF2B5EF4-FFF2-40B4-BE49-F238E27FC236}">
+                <a16:creationId xmlns:a16="http://schemas.microsoft.com/office/drawing/2014/main" id="{239856C4-EF6F-4936-B898-0FE1E8038765}"/>
+              </a:ext>
+            </a:extLst>
+          </p:cNvPr>
+          <p:cNvSpPr>
+            <a:spLocks noGrp="1"/>
+          </p:cNvSpPr>
+          <p:nvPr>
+            <p:ph sz="half" idx="1"/>
+          </p:nvPr>
+        </p:nvSpPr>
+        <p:spPr/>
+        <p:txBody>
+          <a:bodyPr/>
+          <a:lstStyle/>
+          <a:p>
+            <a:r>
+              <a:rPr lang="en-US" dirty="0"/>
+              <a:t>Hadoop Market by Product (Software, Hardware and Services) and by Applications - Global Industry Analysis and Forecast 2018 – 2024</a:t>
+            </a:r>
+            <a:r>
+              <a:rPr lang="el-GR" dirty="0"/>
+              <a:t> </a:t>
+            </a:r>
+            <a:r>
+              <a:rPr lang="en-US" dirty="0">
+                <a:hlinkClick r:id="rId2"/>
+              </a:rPr>
+              <a:t>https://www.marketresearchengine.com/reportdetails/hadoop-market-share</a:t>
+            </a:r>
+            <a:r>
+              <a:rPr lang="el-GR" dirty="0"/>
+              <a:t> </a:t>
+            </a:r>
+          </a:p>
+        </p:txBody>
+      </p:sp>
+      <p:graphicFrame>
+        <p:nvGraphicFramePr>
+          <p:cNvPr id="5" name="Θέση περιεχομένου 4">
+            <a:extLst>
+              <a:ext uri="{FF2B5EF4-FFF2-40B4-BE49-F238E27FC236}">
+                <a16:creationId xmlns:a16="http://schemas.microsoft.com/office/drawing/2014/main" id="{835A1C53-3F59-4D1E-AC97-CE527ACAB4B8}"/>
+              </a:ext>
+            </a:extLst>
+          </p:cNvPr>
+          <p:cNvGraphicFramePr>
+            <a:graphicFrameLocks noGrp="1"/>
+          </p:cNvGraphicFramePr>
+          <p:nvPr>
+            <p:ph sz="half" idx="2"/>
+            <p:extLst>
+              <p:ext uri="{D42A27DB-BD31-4B8C-83A1-F6EECF244321}">
+                <p14:modId xmlns:p14="http://schemas.microsoft.com/office/powerpoint/2010/main" val="631125406"/>
+              </p:ext>
+            </p:extLst>
+          </p:nvPr>
+        </p:nvGraphicFramePr>
+        <p:xfrm>
+          <a:off x="6172202" y="2027756"/>
+          <a:ext cx="5181600" cy="4351338"/>
+        </p:xfrm>
+        <a:graphic>
+          <a:graphicData uri="http://schemas.openxmlformats.org/drawingml/2006/diagram">
+            <dgm:relIds xmlns:dgm="http://schemas.openxmlformats.org/drawingml/2006/diagram" xmlns:r="http://schemas.openxmlformats.org/officeDocument/2006/relationships" r:dm="rId3" r:lo="rId4" r:qs="rId5" r:cs="rId6"/>
+          </a:graphicData>
+        </a:graphic>
+      </p:graphicFrame>
+    </p:spTree>
+    <p:extLst>
+      <p:ext uri="{BB962C8B-B14F-4D97-AF65-F5344CB8AC3E}">
+        <p14:creationId xmlns:p14="http://schemas.microsoft.com/office/powerpoint/2010/main" val="1059351873"/>
+      </p:ext>
+    </p:extLst>
+  </p:cSld>
+  <p:clrMapOvr>
+    <a:masterClrMapping/>
+  </p:clrMapOvr>
+</p:sld>
+</file>
+
+<file path=ppt/slides/slide15.xml><?xml version="1.0" encoding="utf-8"?>
+<p:sld xmlns:a="http://schemas.openxmlformats.org/drawingml/2006/main" xmlns:r="http://schemas.openxmlformats.org/officeDocument/2006/relationships" xmlns:p="http://schemas.openxmlformats.org/presentationml/2006/main">
+  <p:cSld>
+    <p:spTree>
+      <p:nvGrpSpPr>
+        <p:cNvPr id="1" name=""/>
+        <p:cNvGrpSpPr/>
+        <p:nvPr/>
+      </p:nvGrpSpPr>
+      <p:grpSpPr>
+        <a:xfrm>
+          <a:off x="0" y="0"/>
+          <a:ext cx="0" cy="0"/>
+          <a:chOff x="0" y="0"/>
+          <a:chExt cx="0" cy="0"/>
+        </a:xfrm>
+      </p:grpSpPr>
+      <p:sp>
+        <p:nvSpPr>
           <p:cNvPr id="2" name="Τίτλος 1"/>
           <p:cNvSpPr>
             <a:spLocks noGrp="1"/>
@@ -6058,7 +9218,7 @@
           <a:p>
             <a:fld id="{634CA47B-BB17-47C7-9E60-64B1219A2C73}" type="slidenum">
               <a:rPr lang="el-GR" smtClean="0"/>
-              <a:t>14</a:t>
+              <a:t>15</a:t>
             </a:fld>
             <a:endParaRPr lang="el-GR"/>
           </a:p>
@@ -6831,6 +9991,14 @@
 <file path=ppt/slides/slide5.xml><?xml version="1.0" encoding="utf-8"?>
 <p:sld xmlns:a="http://schemas.openxmlformats.org/drawingml/2006/main" xmlns:r="http://schemas.openxmlformats.org/officeDocument/2006/relationships" xmlns:p="http://schemas.openxmlformats.org/presentationml/2006/main">
   <p:cSld>
+    <p:bg>
+      <p:bgPr>
+        <a:solidFill>
+          <a:schemeClr val="bg1"/>
+        </a:solidFill>
+        <a:effectLst/>
+      </p:bgPr>
+    </p:bg>
     <p:spTree>
       <p:nvGrpSpPr>
         <p:cNvPr id="1" name=""/>
@@ -6847,6 +10015,98 @@
       </p:grpSpPr>
       <p:sp>
         <p:nvSpPr>
+          <p:cNvPr id="71" name="Rectangle 70">
+            <a:extLst>
+              <a:ext uri="{FF2B5EF4-FFF2-40B4-BE49-F238E27FC236}">
+                <a16:creationId xmlns:a16="http://schemas.microsoft.com/office/drawing/2014/main" id="{81AEB8A9-B768-4E30-BA55-D919E6687343}"/>
+              </a:ext>
+              <a:ext uri="{C183D7F6-B498-43B3-948B-1728B52AA6E4}">
+                <adec:decorative xmlns:adec="http://schemas.microsoft.com/office/drawing/2017/decorative" val="1"/>
+              </a:ext>
+            </a:extLst>
+          </p:cNvPr>
+          <p:cNvSpPr>
+            <a:spLocks noGrp="1" noRot="1" noChangeAspect="1" noMove="1" noResize="1" noEditPoints="1" noAdjustHandles="1" noChangeArrowheads="1" noChangeShapeType="1" noTextEdit="1"/>
+          </p:cNvSpPr>
+          <p:nvPr>
+            <p:extLst>
+              <p:ext uri="{386F3935-93C4-4BCD-93E2-E3B085C9AB24}">
+                <p16:designElem xmlns:p16="http://schemas.microsoft.com/office/powerpoint/2015/main" val="1"/>
+              </p:ext>
+            </p:extLst>
+          </p:nvPr>
+        </p:nvSpPr>
+        <p:spPr>
+          <a:xfrm>
+            <a:off x="-10001" y="-2"/>
+            <a:ext cx="4069936" cy="6858002"/>
+          </a:xfrm>
+          <a:prstGeom prst="rect">
+            <a:avLst/>
+          </a:prstGeom>
+          <a:solidFill>
+            <a:schemeClr val="accent1"/>
+          </a:solidFill>
+          <a:ln>
+            <a:noFill/>
+          </a:ln>
+        </p:spPr>
+        <p:style>
+          <a:lnRef idx="2">
+            <a:schemeClr val="accent1">
+              <a:shade val="50000"/>
+            </a:schemeClr>
+          </a:lnRef>
+          <a:fillRef idx="1">
+            <a:schemeClr val="accent1"/>
+          </a:fillRef>
+          <a:effectRef idx="0">
+            <a:schemeClr val="accent1"/>
+          </a:effectRef>
+          <a:fontRef idx="minor">
+            <a:schemeClr val="lt1"/>
+          </a:fontRef>
+        </p:style>
+        <p:txBody>
+          <a:bodyPr rtlCol="0" anchor="ctr"/>
+          <a:lstStyle/>
+          <a:p>
+            <a:pPr marL="0" marR="0" lvl="0" indent="0" algn="ctr" defTabSz="914400" rtl="0" eaLnBrk="1" fontAlgn="auto" latinLnBrk="0" hangingPunct="1">
+              <a:lnSpc>
+                <a:spcPct val="100000"/>
+              </a:lnSpc>
+              <a:spcBef>
+                <a:spcPts val="0"/>
+              </a:spcBef>
+              <a:spcAft>
+                <a:spcPts val="0"/>
+              </a:spcAft>
+              <a:buClrTx/>
+              <a:buSzTx/>
+              <a:buFontTx/>
+              <a:buNone/>
+              <a:tabLst/>
+              <a:defRPr/>
+            </a:pPr>
+            <a:endParaRPr kumimoji="0" lang="en-US" sz="1800" b="0" i="0" u="none" strike="noStrike" kern="1200" cap="none" spc="0" normalizeH="0" baseline="0" noProof="0">
+              <a:ln>
+                <a:noFill/>
+              </a:ln>
+              <a:solidFill>
+                <a:prstClr val="white"/>
+              </a:solidFill>
+              <a:effectLst/>
+              <a:uLnTx/>
+              <a:uFillTx/>
+              <a:latin typeface="Calibri" panose="020F0502020204030204"/>
+              <a:ea typeface="+mn-ea"/>
+              <a:cs typeface="+mn-cs"/>
+            </a:endParaRPr>
+          </a:p>
+        </p:txBody>
+      </p:sp>
+      <p:sp>
+        <p:nvSpPr>
           <p:cNvPr id="2" name="Τίτλος 1"/>
           <p:cNvSpPr>
             <a:spLocks noGrp="1"/>
@@ -6855,90 +10115,75 @@
             <p:ph type="title"/>
           </p:nvPr>
         </p:nvSpPr>
-        <p:spPr/>
-        <p:txBody>
-          <a:bodyPr/>
-          <a:lstStyle/>
-          <a:p>
-            <a:r>
-              <a:rPr lang="en-US" dirty="0"/>
-              <a:t>Hadoop YARN (Yet Another Resource Negotiator)</a:t>
-            </a:r>
-            <a:endParaRPr lang="el-GR" dirty="0"/>
-          </a:p>
-        </p:txBody>
-      </p:sp>
-      <p:sp>
-        <p:nvSpPr>
-          <p:cNvPr id="3" name="Θέση περιεχομένου 2"/>
-          <p:cNvSpPr>
-            <a:spLocks noGrp="1"/>
-          </p:cNvSpPr>
-          <p:nvPr>
-            <p:ph sz="half" idx="1"/>
-          </p:nvPr>
-        </p:nvSpPr>
-        <p:spPr/>
-        <p:txBody>
-          <a:bodyPr>
+        <p:spPr>
+          <a:xfrm>
+            <a:off x="643467" y="640080"/>
+            <a:ext cx="3096427" cy="5613236"/>
+          </a:xfrm>
+        </p:spPr>
+        <p:txBody>
+          <a:bodyPr vert="horz" lIns="91440" tIns="45720" rIns="91440" bIns="45720" rtlCol="0" anchor="ctr">
             <a:normAutofit/>
           </a:bodyPr>
           <a:lstStyle/>
           <a:p>
             <a:r>
-              <a:rPr lang="el-GR" dirty="0"/>
-              <a:t>Το </a:t>
-            </a:r>
-            <a:r>
-              <a:rPr lang="en-US" dirty="0"/>
-              <a:t>YARN </a:t>
-            </a:r>
-            <a:r>
-              <a:rPr lang="el-GR" dirty="0"/>
-              <a:t>λειτουργεί ως ενδιάμεσο επίπεδο ανάμεσα στις εργασίες που πρόκειται να εκτελεστούν και στο </a:t>
-            </a:r>
-            <a:r>
-              <a:rPr lang="en-US" dirty="0"/>
-              <a:t>HDFS</a:t>
-            </a:r>
-          </a:p>
-          <a:p>
-            <a:r>
-              <a:rPr lang="el-GR" dirty="0"/>
+              <a:rPr lang="en-US" kern="1200">
+                <a:solidFill>
+                  <a:srgbClr val="FFFFFF"/>
+                </a:solidFill>
+                <a:latin typeface="+mj-lt"/>
+                <a:ea typeface="+mj-ea"/>
+                <a:cs typeface="+mj-cs"/>
+              </a:rPr>
+              <a:t>Hadoop YARN (Yet Another Resource Negotiator)</a:t>
+            </a:r>
+          </a:p>
+        </p:txBody>
+      </p:sp>
+      <p:sp>
+        <p:nvSpPr>
+          <p:cNvPr id="3" name="Θέση περιεχομένου 2"/>
+          <p:cNvSpPr>
+            <a:spLocks noGrp="1"/>
+          </p:cNvSpPr>
+          <p:nvPr>
+            <p:ph sz="half" idx="1"/>
+          </p:nvPr>
+        </p:nvSpPr>
+        <p:spPr>
+          <a:xfrm>
+            <a:off x="4699818" y="640082"/>
+            <a:ext cx="6848715" cy="2484884"/>
+          </a:xfrm>
+        </p:spPr>
+        <p:txBody>
+          <a:bodyPr vert="horz" lIns="91440" tIns="45720" rIns="91440" bIns="45720" rtlCol="0" anchor="ctr">
+            <a:normAutofit/>
+          </a:bodyPr>
+          <a:lstStyle/>
+          <a:p>
+            <a:r>
+              <a:rPr lang="en-US" sz="2000"/>
+              <a:t>Το YARN λειτουργεί ως ενδιάμεσο επίπεδο ανάμεσα στις εργασίες που πρόκειται να εκτελεστούν και στο HDFS</a:t>
+            </a:r>
+          </a:p>
+          <a:p>
+            <a:r>
+              <a:rPr lang="en-US" sz="2000"/>
               <a:t>Φροντίζει ώστε να γίνεται καλή χρήση της υπολογιστικής ισχύος της υποδομής</a:t>
             </a:r>
-            <a:endParaRPr lang="en-US" dirty="0"/>
-          </a:p>
-          <a:p>
-            <a:r>
-              <a:rPr lang="en-US" dirty="0" err="1"/>
-              <a:t>JobTracker</a:t>
-            </a:r>
-            <a:r>
-              <a:rPr lang="en-US" dirty="0"/>
-              <a:t> (master)</a:t>
-            </a:r>
-          </a:p>
-          <a:p>
-            <a:r>
-              <a:rPr lang="en-US" dirty="0" err="1"/>
-              <a:t>TaskTrackers</a:t>
-            </a:r>
-            <a:r>
-              <a:rPr lang="en-US" dirty="0"/>
-              <a:t> (slaves)</a:t>
-            </a:r>
-            <a:r>
-              <a:rPr lang="el-GR" dirty="0"/>
-              <a:t> – ένα ανά </a:t>
-            </a:r>
-            <a:r>
-              <a:rPr lang="en-US" dirty="0" err="1"/>
-              <a:t>datanode</a:t>
-            </a:r>
-            <a:r>
-              <a:rPr lang="en-US" dirty="0"/>
-              <a:t> </a:t>
+          </a:p>
+          <a:p>
+            <a:r>
+              <a:rPr lang="en-US" sz="2000"/>
+              <a:t>JobTracker (master)</a:t>
+            </a:r>
+          </a:p>
+          <a:p>
+            <a:r>
+              <a:rPr lang="en-US" sz="2000"/>
+              <a:t>TaskTrackers (slaves) – ένα ανά datanode </a:t>
             </a:r>
           </a:p>
         </p:txBody>
@@ -6968,8 +10213,8 @@
         </p:blipFill>
         <p:spPr bwMode="auto">
           <a:xfrm>
-            <a:off x="6172200" y="3112856"/>
-            <a:ext cx="5181600" cy="1776876"/>
+            <a:off x="4654297" y="3510228"/>
+            <a:ext cx="6894236" cy="2361275"/>
           </a:xfrm>
           <a:prstGeom prst="rect">
             <a:avLst/>
@@ -6996,16 +10241,45 @@
             <p:ph type="sldNum" sz="quarter" idx="12"/>
           </p:nvPr>
         </p:nvSpPr>
-        <p:spPr/>
-        <p:txBody>
-          <a:bodyPr/>
-          <a:lstStyle/>
-          <a:p>
+        <p:spPr>
+          <a:xfrm>
+            <a:off x="10534650" y="6356350"/>
+            <a:ext cx="819150" cy="365125"/>
+          </a:xfrm>
+        </p:spPr>
+        <p:txBody>
+          <a:bodyPr vert="horz" lIns="91440" tIns="45720" rIns="91440" bIns="45720" rtlCol="0" anchor="ctr">
+            <a:normAutofit/>
+          </a:bodyPr>
+          <a:lstStyle/>
+          <a:p>
+            <a:pPr>
+              <a:spcAft>
+                <a:spcPts val="600"/>
+              </a:spcAft>
+            </a:pPr>
             <a:fld id="{634CA47B-BB17-47C7-9E60-64B1219A2C73}" type="slidenum">
-              <a:rPr lang="el-GR" smtClean="0"/>
+              <a:rPr lang="en-US">
+                <a:solidFill>
+                  <a:prstClr val="black">
+                    <a:tint val="75000"/>
+                  </a:prstClr>
+                </a:solidFill>
+              </a:rPr>
+              <a:pPr>
+                <a:spcAft>
+                  <a:spcPts val="600"/>
+                </a:spcAft>
+              </a:pPr>
               <a:t>5</a:t>
             </a:fld>
-            <a:endParaRPr lang="el-GR"/>
+            <a:endParaRPr lang="en-US">
+              <a:solidFill>
+                <a:prstClr val="black">
+                  <a:tint val="75000"/>
+                </a:prstClr>
+              </a:solidFill>
+            </a:endParaRPr>
           </a:p>
         </p:txBody>
       </p:sp>
@@ -7540,8 +10814,8 @@
         </p:blipFill>
         <p:spPr bwMode="auto">
           <a:xfrm>
-            <a:off x="6096000" y="2311704"/>
-            <a:ext cx="5061626" cy="2724842"/>
+            <a:off x="6019801" y="1825625"/>
+            <a:ext cx="6040758" cy="3251941"/>
           </a:xfrm>
           <a:prstGeom prst="rect">
             <a:avLst/>
@@ -8164,7 +11438,7 @@
         </p:nvSpPr>
         <p:spPr>
           <a:xfrm>
-            <a:off x="4151784" y="5589240"/>
+            <a:off x="3615898" y="5810065"/>
             <a:ext cx="4960204" cy="369332"/>
           </a:xfrm>
           <a:prstGeom prst="rect">
@@ -8238,8 +11512,8 @@
         </p:blipFill>
         <p:spPr bwMode="auto">
           <a:xfrm>
-            <a:off x="2214562" y="2039144"/>
-            <a:ext cx="7762875" cy="3429000"/>
+            <a:off x="1251284" y="1555781"/>
+            <a:ext cx="9230627" cy="4077332"/>
           </a:xfrm>
           <a:prstGeom prst="rect">
             <a:avLst/>

--- a/03. Apache Hadoop-Map Reduce.pptx
+++ b/03. Apache Hadoop-Map Reduce.pptx
@@ -2683,8 +2683,8 @@
         </a:p>
       </dgm:t>
     </dgm:pt>
-    <mc:AlternateContent xmlns:mc="http://schemas.openxmlformats.org/markup-compatibility/2006">
-      <mc:Choice xmlns:a14="http://schemas.microsoft.com/office/drawing/2010/main" Requires="a14">
+    <mc:AlternateContent xmlns:mc="http://schemas.openxmlformats.org/markup-compatibility/2006" xmlns:a14="http://schemas.microsoft.com/office/drawing/2010/main">
+      <mc:Choice Requires="a14">
         <dgm:pt modelId="{351B3B6B-BBFF-4672-8079-E64DE4B09D1D}">
           <dgm:prSet/>
           <dgm:spPr/>
@@ -2774,7 +2774,7 @@
           </dgm:t>
         </dgm:pt>
       </mc:Choice>
-      <mc:Fallback>
+      <mc:Fallback xmlns="">
         <dgm:pt modelId="{351B3B6B-BBFF-4672-8079-E64DE4B09D1D}">
           <dgm:prSet/>
           <dgm:spPr/>
@@ -2876,8 +2876,8 @@
         </a:p>
       </dgm:t>
     </dgm:pt>
-    <mc:AlternateContent xmlns:mc="http://schemas.openxmlformats.org/markup-compatibility/2006">
-      <mc:Choice xmlns:a14="http://schemas.microsoft.com/office/drawing/2010/main" Requires="a14">
+    <mc:AlternateContent xmlns:mc="http://schemas.openxmlformats.org/markup-compatibility/2006" xmlns:a14="http://schemas.microsoft.com/office/drawing/2010/main">
+      <mc:Choice Requires="a14">
         <dgm:pt modelId="{6761D184-32A1-4B19-A845-11B991A0778F}">
           <dgm:prSet/>
           <dgm:spPr/>
@@ -2994,7 +2994,7 @@
           </dgm:t>
         </dgm:pt>
       </mc:Choice>
-      <mc:Fallback>
+      <mc:Fallback xmlns="">
         <dgm:pt modelId="{6761D184-32A1-4B19-A845-11B991A0778F}">
           <dgm:prSet/>
           <dgm:spPr/>
@@ -8710,7 +8710,7 @@
           <a:p>
             <a:fld id="{5C0A5EA6-AAE0-4EFC-BC6D-4FAFD39403E9}" type="datetimeFigureOut">
               <a:rPr lang="el-GR" smtClean="0"/>
-              <a:t>29/10/2019</a:t>
+              <a:t>11/5/2020</a:t>
             </a:fld>
             <a:endParaRPr lang="el-GR"/>
           </a:p>
@@ -10366,7 +10366,7 @@
           <a:p>
             <a:fld id="{190FA44E-1D1B-438E-B117-A380D79B4D65}" type="datetime1">
               <a:rPr lang="el-GR" smtClean="0"/>
-              <a:t>29/10/2019</a:t>
+              <a:t>11/5/2020</a:t>
             </a:fld>
             <a:endParaRPr lang="el-GR"/>
           </a:p>
@@ -10534,7 +10534,7 @@
           <a:p>
             <a:fld id="{6C35651D-B634-475C-B2D5-FEDA7D407795}" type="datetime1">
               <a:rPr lang="el-GR" smtClean="0"/>
-              <a:t>29/10/2019</a:t>
+              <a:t>11/5/2020</a:t>
             </a:fld>
             <a:endParaRPr lang="el-GR"/>
           </a:p>
@@ -10712,7 +10712,7 @@
           <a:p>
             <a:fld id="{D2BB4705-5645-40F1-93F0-26054C4A3E51}" type="datetime1">
               <a:rPr lang="el-GR" smtClean="0"/>
-              <a:t>29/10/2019</a:t>
+              <a:t>11/5/2020</a:t>
             </a:fld>
             <a:endParaRPr lang="el-GR"/>
           </a:p>
@@ -10880,7 +10880,7 @@
           <a:p>
             <a:fld id="{7AC59E53-0FF9-40E4-A5FF-89021D286147}" type="datetime1">
               <a:rPr lang="el-GR" smtClean="0"/>
-              <a:t>29/10/2019</a:t>
+              <a:t>11/5/2020</a:t>
             </a:fld>
             <a:endParaRPr lang="el-GR"/>
           </a:p>
@@ -11125,7 +11125,7 @@
           <a:p>
             <a:fld id="{14C5FD92-1C0D-4824-9928-55AC6D974B30}" type="datetime1">
               <a:rPr lang="el-GR" smtClean="0"/>
-              <a:t>29/10/2019</a:t>
+              <a:t>11/5/2020</a:t>
             </a:fld>
             <a:endParaRPr lang="el-GR"/>
           </a:p>
@@ -11354,7 +11354,7 @@
           <a:p>
             <a:fld id="{A225C6D0-3254-43D3-83A9-2215B09526C6}" type="datetime1">
               <a:rPr lang="el-GR" smtClean="0"/>
-              <a:t>29/10/2019</a:t>
+              <a:t>11/5/2020</a:t>
             </a:fld>
             <a:endParaRPr lang="el-GR"/>
           </a:p>
@@ -11718,7 +11718,7 @@
           <a:p>
             <a:fld id="{5832E204-EFF6-4ECE-9C48-D4BFF77EDAB7}" type="datetime1">
               <a:rPr lang="el-GR" smtClean="0"/>
-              <a:t>29/10/2019</a:t>
+              <a:t>11/5/2020</a:t>
             </a:fld>
             <a:endParaRPr lang="el-GR"/>
           </a:p>
@@ -11835,7 +11835,7 @@
           <a:p>
             <a:fld id="{AC8A1198-0945-4B8E-98F9-86A696A651FA}" type="datetime1">
               <a:rPr lang="el-GR" smtClean="0"/>
-              <a:t>29/10/2019</a:t>
+              <a:t>11/5/2020</a:t>
             </a:fld>
             <a:endParaRPr lang="el-GR"/>
           </a:p>
@@ -11930,7 +11930,7 @@
           <a:p>
             <a:fld id="{7CAA78A5-4D9C-4519-94B0-B553E2E6B3A3}" type="datetime1">
               <a:rPr lang="el-GR" smtClean="0"/>
-              <a:t>29/10/2019</a:t>
+              <a:t>11/5/2020</a:t>
             </a:fld>
             <a:endParaRPr lang="el-GR"/>
           </a:p>
@@ -12205,7 +12205,7 @@
           <a:p>
             <a:fld id="{D191003C-63C6-44A1-875A-B463A41888FF}" type="datetime1">
               <a:rPr lang="el-GR" smtClean="0"/>
-              <a:t>29/10/2019</a:t>
+              <a:t>11/5/2020</a:t>
             </a:fld>
             <a:endParaRPr lang="el-GR"/>
           </a:p>
@@ -12457,7 +12457,7 @@
           <a:p>
             <a:fld id="{4799A977-5730-4461-9ED1-8D7134D95502}" type="datetime1">
               <a:rPr lang="el-GR" smtClean="0"/>
-              <a:t>29/10/2019</a:t>
+              <a:t>11/5/2020</a:t>
             </a:fld>
             <a:endParaRPr lang="el-GR"/>
           </a:p>
@@ -12668,7 +12668,7 @@
           <a:p>
             <a:fld id="{920B499C-45F3-4A99-9C67-31B3CA2D7C38}" type="datetime1">
               <a:rPr lang="el-GR" smtClean="0"/>
-              <a:t>29/10/2019</a:t>
+              <a:t>11/5/2020</a:t>
             </a:fld>
             <a:endParaRPr lang="el-GR"/>
           </a:p>
@@ -16067,10 +16067,34 @@
             </a:r>
           </a:p>
           <a:p>
-            <a:r>
-              <a:rPr lang="en-US" dirty="0"/>
+            <a:pPr lvl="1"/>
+            <a:r>
+              <a:rPr lang="en-US" dirty="0">
+                <a:solidFill>
+                  <a:schemeClr val="bg2">
+                    <a:lumMod val="75000"/>
+                  </a:schemeClr>
+                </a:solidFill>
+              </a:rPr>
               <a:t>Hortonworks</a:t>
             </a:r>
+            <a:r>
+              <a:rPr lang="el-GR" dirty="0">
+                <a:solidFill>
+                  <a:schemeClr val="bg2">
+                    <a:lumMod val="75000"/>
+                  </a:schemeClr>
+                </a:solidFill>
+              </a:rPr>
+              <a:t> </a:t>
+            </a:r>
+            <a:endParaRPr lang="en-US" dirty="0">
+              <a:solidFill>
+                <a:schemeClr val="bg2">
+                  <a:lumMod val="75000"/>
+                </a:schemeClr>
+              </a:solidFill>
+            </a:endParaRPr>
           </a:p>
           <a:p>
             <a:r>
@@ -16178,7 +16202,7 @@
           </p:cNvPicPr>
           <p:nvPr/>
         </p:nvPicPr>
-        <p:blipFill>
+        <p:blipFill rotWithShape="1">
           <a:blip r:embed="rId3">
             <a:extLst>
               <a:ext uri="{28A0092B-C50C-407E-A947-70E740481C1C}">
@@ -16186,15 +16210,13 @@
               </a:ext>
             </a:extLst>
           </a:blip>
-          <a:srcRect/>
-          <a:stretch>
-            <a:fillRect/>
-          </a:stretch>
+          <a:srcRect r="68090"/>
+          <a:stretch/>
         </p:blipFill>
         <p:spPr bwMode="auto">
           <a:xfrm>
-            <a:off x="2598873" y="5308164"/>
-            <a:ext cx="6994255" cy="1048186"/>
+            <a:off x="1197165" y="4759396"/>
+            <a:ext cx="2231835" cy="1048186"/>
           </a:xfrm>
           <a:prstGeom prst="rect">
             <a:avLst/>
@@ -16234,6 +16256,88 @@
           </a:p>
         </p:txBody>
       </p:sp>
+      <p:sp>
+        <p:nvSpPr>
+          <p:cNvPr id="6" name="Ορθογώνιο 5">
+            <a:extLst>
+              <a:ext uri="{FF2B5EF4-FFF2-40B4-BE49-F238E27FC236}">
+                <a16:creationId xmlns:a16="http://schemas.microsoft.com/office/drawing/2014/main" id="{0AA5B2B6-7605-4D88-9705-3DBB3030802E}"/>
+              </a:ext>
+            </a:extLst>
+          </p:cNvPr>
+          <p:cNvSpPr/>
+          <p:nvPr/>
+        </p:nvSpPr>
+        <p:spPr>
+          <a:xfrm>
+            <a:off x="1129990" y="3743684"/>
+            <a:ext cx="6096000" cy="646331"/>
+          </a:xfrm>
+          <a:prstGeom prst="rect">
+            <a:avLst/>
+          </a:prstGeom>
+        </p:spPr>
+        <p:txBody>
+          <a:bodyPr>
+            <a:spAutoFit/>
+          </a:bodyPr>
+          <a:lstStyle/>
+          <a:p>
+            <a:r>
+              <a:rPr lang="en-US" dirty="0">
+                <a:hlinkClick r:id="rId4"/>
+              </a:rPr>
+              <a:t>https://www.zdnet.com/article/the-new-cloudera-hortonworks-hadoop-100-open-source-50-boring/</a:t>
+            </a:r>
+            <a:endParaRPr lang="el-GR" dirty="0"/>
+          </a:p>
+        </p:txBody>
+      </p:sp>
+      <p:pic>
+        <p:nvPicPr>
+          <p:cNvPr id="8" name="Picture 2" descr="http://blog.altoros.com/wp-content/uploads/2013/11/cloudera_hortonworks_mapr.jpg">
+            <a:extLst>
+              <a:ext uri="{FF2B5EF4-FFF2-40B4-BE49-F238E27FC236}">
+                <a16:creationId xmlns:a16="http://schemas.microsoft.com/office/drawing/2014/main" id="{5A10149D-49C1-41EF-BCDA-9A5DA17625DC}"/>
+              </a:ext>
+            </a:extLst>
+          </p:cNvPr>
+          <p:cNvPicPr>
+            <a:picLocks noChangeAspect="1" noChangeArrowheads="1"/>
+          </p:cNvPicPr>
+          <p:nvPr/>
+        </p:nvPicPr>
+        <p:blipFill rotWithShape="1">
+          <a:blip r:embed="rId3">
+            <a:extLst>
+              <a:ext uri="{28A0092B-C50C-407E-A947-70E740481C1C}">
+                <a14:useLocalDpi xmlns:a14="http://schemas.microsoft.com/office/drawing/2010/main" val="0"/>
+              </a:ext>
+            </a:extLst>
+          </a:blip>
+          <a:srcRect l="65571"/>
+          <a:stretch/>
+        </p:blipFill>
+        <p:spPr bwMode="auto">
+          <a:xfrm>
+            <a:off x="3581400" y="4789375"/>
+            <a:ext cx="2408026" cy="1048186"/>
+          </a:xfrm>
+          <a:prstGeom prst="rect">
+            <a:avLst/>
+          </a:prstGeom>
+          <a:noFill/>
+          <a:extLst>
+            <a:ext uri="{909E8E84-426E-40DD-AFC4-6F175D3DCCD1}">
+              <a14:hiddenFill xmlns:a14="http://schemas.microsoft.com/office/drawing/2010/main">
+                <a:solidFill>
+                  <a:srgbClr val="FFFFFF"/>
+                </a:solidFill>
+              </a14:hiddenFill>
+            </a:ext>
+          </a:extLst>
+        </p:spPr>
+      </p:pic>
     </p:spTree>
     <p:extLst>
       <p:ext uri="{BB962C8B-B14F-4D97-AF65-F5344CB8AC3E}">
@@ -17970,8 +18074,8 @@
           </a:fontRef>
         </p:style>
       </p:cxnSp>
-      <mc:AlternateContent xmlns:mc="http://schemas.openxmlformats.org/markup-compatibility/2006">
-        <mc:Choice xmlns:a14="http://schemas.microsoft.com/office/drawing/2010/main" Requires="a14">
+      <mc:AlternateContent xmlns:mc="http://schemas.openxmlformats.org/markup-compatibility/2006" xmlns:a14="http://schemas.microsoft.com/office/drawing/2010/main">
+        <mc:Choice Requires="a14">
           <p:graphicFrame>
             <p:nvGraphicFramePr>
               <p:cNvPr id="5" name="Θέση περιεχομένου 2">
@@ -18004,7 +18108,7 @@
             </a:graphic>
           </p:graphicFrame>
         </mc:Choice>
-        <mc:Fallback>
+        <mc:Fallback xmlns="">
           <p:graphicFrame>
             <p:nvGraphicFramePr>
               <p:cNvPr id="5" name="Θέση περιεχομένου 2">
@@ -18032,7 +18136,7 @@
             </p:xfrm>
             <a:graphic>
               <a:graphicData uri="http://schemas.openxmlformats.org/drawingml/2006/diagram">
-                <dgm:relIds xmlns:dgm="http://schemas.openxmlformats.org/drawingml/2006/diagram" xmlns:r="http://schemas.openxmlformats.org/officeDocument/2006/relationships" r:dm="rId8" r:lo="rId4" r:qs="rId5" r:cs="rId6"/>
+                <dgm:relIds xmlns:dgm="http://schemas.openxmlformats.org/drawingml/2006/diagram" xmlns:r="http://schemas.openxmlformats.org/officeDocument/2006/relationships" r:dm="rId8" r:lo="rId9" r:qs="rId10" r:cs="rId11"/>
               </a:graphicData>
             </a:graphic>
           </p:graphicFrame>

--- a/03. Apache Hadoop-Map Reduce.pptx
+++ b/03. Apache Hadoop-Map Reduce.pptx
@@ -23,8 +23,8 @@
     <p:sldId id="265" r:id="rId14"/>
     <p:sldId id="266" r:id="rId15"/>
     <p:sldId id="267" r:id="rId16"/>
-    <p:sldId id="268" r:id="rId17"/>
-    <p:sldId id="271" r:id="rId18"/>
+    <p:sldId id="271" r:id="rId17"/>
+    <p:sldId id="268" r:id="rId18"/>
     <p:sldId id="269" r:id="rId19"/>
   </p:sldIdLst>
   <p:sldSz cx="12192000" cy="6858000"/>
@@ -2563,18 +2563,18 @@
         <a:lstStyle/>
         <a:p>
           <a:r>
-            <a:rPr lang="el-GR"/>
-            <a:t>Εφαρμογές που μπορούν να κάνουν χρήση χιλιάδων φθηνών υπολογιστών (</a:t>
+            <a:rPr lang="el-GR" dirty="0"/>
+            <a:t>Εφαρμογές που μπορούν να κάνουν χρήση μεγάλου αριθμού χαμηλού κόστους υπολογιστών (</a:t>
           </a:r>
           <a:r>
-            <a:rPr lang="en-US"/>
+            <a:rPr lang="en-US" dirty="0"/>
             <a:t>scale out</a:t>
           </a:r>
           <a:r>
-            <a:rPr lang="el-GR"/>
+            <a:rPr lang="el-GR" dirty="0"/>
             <a:t>).</a:t>
           </a:r>
-          <a:endParaRPr lang="en-US"/>
+          <a:endParaRPr lang="en-US" dirty="0"/>
         </a:p>
       </dgm:t>
     </dgm:pt>
@@ -4102,18 +4102,18 @@
             <a:buNone/>
           </a:pPr>
           <a:r>
-            <a:rPr lang="el-GR" sz="2500" kern="1200"/>
-            <a:t>Εφαρμογές που μπορούν να κάνουν χρήση χιλιάδων φθηνών υπολογιστών (</a:t>
+            <a:rPr lang="el-GR" sz="2500" kern="1200" dirty="0"/>
+            <a:t>Εφαρμογές που μπορούν να κάνουν χρήση μεγάλου αριθμού χαμηλού κόστους υπολογιστών (</a:t>
           </a:r>
           <a:r>
-            <a:rPr lang="en-US" sz="2500" kern="1200"/>
+            <a:rPr lang="en-US" sz="2500" kern="1200" dirty="0"/>
             <a:t>scale out</a:t>
           </a:r>
           <a:r>
-            <a:rPr lang="el-GR" sz="2500" kern="1200"/>
+            <a:rPr lang="el-GR" sz="2500" kern="1200" dirty="0"/>
             <a:t>).</a:t>
           </a:r>
-          <a:endParaRPr lang="en-US" sz="2500" kern="1200"/>
+          <a:endParaRPr lang="en-US" sz="2500" kern="1200" dirty="0"/>
         </a:p>
       </dsp:txBody>
       <dsp:txXfrm>
@@ -8710,7 +8710,7 @@
           <a:p>
             <a:fld id="{5C0A5EA6-AAE0-4EFC-BC6D-4FAFD39403E9}" type="datetimeFigureOut">
               <a:rPr lang="el-GR" smtClean="0"/>
-              <a:t>11/5/2020</a:t>
+              <a:t>23/11/2020</a:t>
             </a:fld>
             <a:endParaRPr lang="el-GR"/>
           </a:p>
@@ -9190,7 +9190,7 @@
           <a:p>
             <a:fld id="{BE70A1E2-1EEA-4342-A128-5F40CC54FD76}" type="slidenum">
               <a:rPr lang="el-GR" smtClean="0"/>
-              <a:t>16</a:t>
+              <a:t>17</a:t>
             </a:fld>
             <a:endParaRPr lang="el-GR"/>
           </a:p>
@@ -10366,7 +10366,7 @@
           <a:p>
             <a:fld id="{190FA44E-1D1B-438E-B117-A380D79B4D65}" type="datetime1">
               <a:rPr lang="el-GR" smtClean="0"/>
-              <a:t>11/5/2020</a:t>
+              <a:t>23/11/2020</a:t>
             </a:fld>
             <a:endParaRPr lang="el-GR"/>
           </a:p>
@@ -10534,7 +10534,7 @@
           <a:p>
             <a:fld id="{6C35651D-B634-475C-B2D5-FEDA7D407795}" type="datetime1">
               <a:rPr lang="el-GR" smtClean="0"/>
-              <a:t>11/5/2020</a:t>
+              <a:t>23/11/2020</a:t>
             </a:fld>
             <a:endParaRPr lang="el-GR"/>
           </a:p>
@@ -10712,7 +10712,7 @@
           <a:p>
             <a:fld id="{D2BB4705-5645-40F1-93F0-26054C4A3E51}" type="datetime1">
               <a:rPr lang="el-GR" smtClean="0"/>
-              <a:t>11/5/2020</a:t>
+              <a:t>23/11/2020</a:t>
             </a:fld>
             <a:endParaRPr lang="el-GR"/>
           </a:p>
@@ -10880,7 +10880,7 @@
           <a:p>
             <a:fld id="{7AC59E53-0FF9-40E4-A5FF-89021D286147}" type="datetime1">
               <a:rPr lang="el-GR" smtClean="0"/>
-              <a:t>11/5/2020</a:t>
+              <a:t>23/11/2020</a:t>
             </a:fld>
             <a:endParaRPr lang="el-GR"/>
           </a:p>
@@ -11125,7 +11125,7 @@
           <a:p>
             <a:fld id="{14C5FD92-1C0D-4824-9928-55AC6D974B30}" type="datetime1">
               <a:rPr lang="el-GR" smtClean="0"/>
-              <a:t>11/5/2020</a:t>
+              <a:t>23/11/2020</a:t>
             </a:fld>
             <a:endParaRPr lang="el-GR"/>
           </a:p>
@@ -11354,7 +11354,7 @@
           <a:p>
             <a:fld id="{A225C6D0-3254-43D3-83A9-2215B09526C6}" type="datetime1">
               <a:rPr lang="el-GR" smtClean="0"/>
-              <a:t>11/5/2020</a:t>
+              <a:t>23/11/2020</a:t>
             </a:fld>
             <a:endParaRPr lang="el-GR"/>
           </a:p>
@@ -11718,7 +11718,7 @@
           <a:p>
             <a:fld id="{5832E204-EFF6-4ECE-9C48-D4BFF77EDAB7}" type="datetime1">
               <a:rPr lang="el-GR" smtClean="0"/>
-              <a:t>11/5/2020</a:t>
+              <a:t>23/11/2020</a:t>
             </a:fld>
             <a:endParaRPr lang="el-GR"/>
           </a:p>
@@ -11835,7 +11835,7 @@
           <a:p>
             <a:fld id="{AC8A1198-0945-4B8E-98F9-86A696A651FA}" type="datetime1">
               <a:rPr lang="el-GR" smtClean="0"/>
-              <a:t>11/5/2020</a:t>
+              <a:t>23/11/2020</a:t>
             </a:fld>
             <a:endParaRPr lang="el-GR"/>
           </a:p>
@@ -11930,7 +11930,7 @@
           <a:p>
             <a:fld id="{7CAA78A5-4D9C-4519-94B0-B553E2E6B3A3}" type="datetime1">
               <a:rPr lang="el-GR" smtClean="0"/>
-              <a:t>11/5/2020</a:t>
+              <a:t>23/11/2020</a:t>
             </a:fld>
             <a:endParaRPr lang="el-GR"/>
           </a:p>
@@ -12205,7 +12205,7 @@
           <a:p>
             <a:fld id="{D191003C-63C6-44A1-875A-B463A41888FF}" type="datetime1">
               <a:rPr lang="el-GR" smtClean="0"/>
-              <a:t>11/5/2020</a:t>
+              <a:t>23/11/2020</a:t>
             </a:fld>
             <a:endParaRPr lang="el-GR"/>
           </a:p>
@@ -12457,7 +12457,7 @@
           <a:p>
             <a:fld id="{4799A977-5730-4461-9ED1-8D7134D95502}" type="datetime1">
               <a:rPr lang="el-GR" smtClean="0"/>
-              <a:t>11/5/2020</a:t>
+              <a:t>23/11/2020</a:t>
             </a:fld>
             <a:endParaRPr lang="el-GR"/>
           </a:p>
@@ -12668,7 +12668,7 @@
           <a:p>
             <a:fld id="{920B499C-45F3-4A99-9C67-31B3CA2D7C38}" type="datetime1">
               <a:rPr lang="el-GR" smtClean="0"/>
-              <a:t>11/5/2020</a:t>
+              <a:t>23/11/2020</a:t>
             </a:fld>
             <a:endParaRPr lang="el-GR"/>
           </a:p>
@@ -13354,7 +13354,7 @@
                   <a:srgbClr val="000000"/>
                 </a:solidFill>
               </a:rPr>
-              <a:t>29/10/2019</a:t>
+              <a:t>24/11/2020</a:t>
             </a:r>
             <a:endParaRPr lang="en-US" dirty="0">
               <a:solidFill>
@@ -13477,16 +13477,28 @@
           <a:lstStyle/>
           <a:p>
             <a:r>
-              <a:rPr lang="en-US" dirty="0" err="1"/>
+              <a:rPr lang="el-GR" dirty="0"/>
+              <a:t>Οι συναρτήσεις </a:t>
+            </a:r>
+            <a:r>
+              <a:rPr lang="en-US" dirty="0"/>
+              <a:t>map </a:t>
+            </a:r>
+            <a:r>
+              <a:rPr lang="el-GR" dirty="0"/>
+              <a:t>και </a:t>
+            </a:r>
+            <a:r>
+              <a:rPr lang="en-US" dirty="0"/>
+              <a:t>reduce </a:t>
+            </a:r>
+            <a:r>
+              <a:rPr lang="el-GR" dirty="0"/>
+              <a:t>του </a:t>
+            </a:r>
+            <a:r>
+              <a:rPr lang="en-US" dirty="0"/>
               <a:t>MapReduce</a:t>
-            </a:r>
-            <a:r>
-              <a:rPr lang="el-GR" dirty="0"/>
-              <a:t> </a:t>
-            </a:r>
-            <a:r>
-              <a:rPr lang="en-US" dirty="0"/>
-              <a:t>functions</a:t>
             </a:r>
             <a:endParaRPr lang="el-GR" dirty="0"/>
           </a:p>
@@ -13552,14 +13564,7 @@
             </a:r>
             <a:r>
               <a:rPr lang="el-GR" dirty="0"/>
-              <a:t>και ανατίθενται σε διεργασίες που παράγουν αποτελέσματα επίσης της μορφής </a:t>
-            </a:r>
-            <a:br>
-              <a:rPr lang="el-GR" dirty="0"/>
-            </a:br>
-            <a:r>
-              <a:rPr lang="el-GR" dirty="0"/>
-              <a:t>&lt;</a:t>
+              <a:t>και ανατίθενται σε διεργασίες που παράγουν αποτελέσματα επίσης της μορφής &lt;</a:t>
             </a:r>
             <a:r>
               <a:rPr lang="en-US" dirty="0"/>
@@ -13569,7 +13574,6 @@
               <a:rPr lang="el-GR" dirty="0"/>
               <a:t>&gt;</a:t>
             </a:r>
-            <a:endParaRPr lang="en-US" dirty="0"/>
           </a:p>
           <a:p>
             <a:pPr lvl="1">
@@ -13579,48 +13583,69 @@
             </a:pPr>
             <a:r>
               <a:rPr lang="en-US" b="1" dirty="0"/>
-              <a:t>Reduce</a:t>
+              <a:t>Shuffle (and sort):</a:t>
             </a:r>
             <a:r>
               <a:rPr lang="en-US" dirty="0"/>
-              <a:t>: </a:t>
+              <a:t> </a:t>
             </a:r>
             <a:r>
               <a:rPr lang="el-GR" dirty="0"/>
-              <a:t>τα αποτελέσματα της </a:t>
+              <a:t>γίνεται από το </a:t>
             </a:r>
             <a:r>
               <a:rPr lang="en-US" dirty="0"/>
-              <a:t>Map </a:t>
+              <a:t>Hadoop MR – </a:t>
             </a:r>
             <a:r>
               <a:rPr lang="el-GR" dirty="0"/>
-              <a:t>φάσης τροφοδοτούνται σε διεργασίες που τα συνοψίζουν σε μικρότερο αριθμό εγγραφών</a:t>
+              <a:t>ταξινομεί και ομαδοποιεί τα δεδομένα της </a:t>
+            </a:r>
+            <a:r>
+              <a:rPr lang="en-US" dirty="0"/>
+              <a:t>map </a:t>
+            </a:r>
+            <a:r>
+              <a:rPr lang="el-GR" dirty="0"/>
+              <a:t>φάσης</a:t>
             </a:r>
             <a:endParaRPr lang="en-US" dirty="0"/>
           </a:p>
           <a:p>
-            <a:pPr>
+            <a:pPr lvl="1">
               <a:lnSpc>
                 <a:spcPct val="110000"/>
               </a:lnSpc>
             </a:pPr>
             <a:r>
+              <a:rPr lang="en-US" b="1" dirty="0"/>
+              <a:t>Reduce</a:t>
+            </a:r>
+            <a:r>
+              <a:rPr lang="en-US" dirty="0"/>
+              <a:t>: </a:t>
+            </a:r>
+            <a:r>
               <a:rPr lang="el-GR" dirty="0"/>
-              <a:t>Η συνάρτηση </a:t>
+              <a:t>τα αποτελέσματα της </a:t>
             </a:r>
             <a:r>
               <a:rPr lang="en-US" dirty="0"/>
-              <a:t>reduce </a:t>
+              <a:t>Map </a:t>
             </a:r>
             <a:r>
               <a:rPr lang="el-GR" dirty="0"/>
-              <a:t>εκτελείται μετά την συνάρτηση </a:t>
-            </a:r>
-            <a:r>
-              <a:rPr lang="en-US" dirty="0"/>
-              <a:t>map</a:t>
-            </a:r>
+              <a:t>φάσης τροφοδοτούνται σε διεργασίες που τα συνοψίζουν σε μικρότερο αριθμό εγγραφών</a:t>
+            </a:r>
+            <a:endParaRPr lang="en-US" dirty="0"/>
+          </a:p>
+          <a:p>
+            <a:pPr lvl="1">
+              <a:lnSpc>
+                <a:spcPct val="110000"/>
+              </a:lnSpc>
+            </a:pPr>
+            <a:endParaRPr lang="en-US" dirty="0"/>
           </a:p>
         </p:txBody>
       </p:sp>
@@ -13784,7 +13809,11 @@
           <a:p>
             <a:r>
               <a:rPr lang="el-GR" dirty="0"/>
-              <a:t>Πρόβλημα: Υπολογισμός της συχνότητας εμφάνισης λέξεων σε ένα σύνολο πολλών κειμένων</a:t>
+              <a:t>Πρόβλημα: Υπολογισμός της συχνότητας εμφάνισης λέξεων σε ένα </a:t>
+            </a:r>
+            <a:r>
+              <a:rPr lang="el-GR" u="sng" dirty="0"/>
+              <a:t>σύνολο πολλών κειμένων</a:t>
             </a:r>
           </a:p>
           <a:p>
@@ -14261,8 +14290,20 @@
           <a:lstStyle/>
           <a:p>
             <a:r>
+              <a:rPr lang="el-GR" dirty="0"/>
+              <a:t>Παράδειγμα καταμέτρησης λέξεων </a:t>
+            </a:r>
+            <a:r>
               <a:rPr lang="en-US" dirty="0"/>
-              <a:t>Word Count Example</a:t>
+              <a:t>(</a:t>
+            </a:r>
+            <a:r>
+              <a:rPr lang="el-GR" dirty="0"/>
+              <a:t>σε 1 κείμενο</a:t>
+            </a:r>
+            <a:r>
+              <a:rPr lang="en-US" dirty="0"/>
+              <a:t>)</a:t>
             </a:r>
             <a:endParaRPr lang="el-GR" dirty="0"/>
           </a:p>
@@ -15363,7 +15404,7 @@
           <a:p>
             <a:r>
               <a:rPr lang="el-GR" dirty="0"/>
-              <a:t>Συνάρτηση </a:t>
+              <a:t>Γράφει τη συνάρτηση </a:t>
             </a:r>
             <a:r>
               <a:rPr lang="en-US" dirty="0"/>
@@ -15373,13 +15414,27 @@
           <a:p>
             <a:r>
               <a:rPr lang="el-GR" dirty="0"/>
-              <a:t>Συνάρτηση </a:t>
+              <a:t>Γράφει τη συνάρτηση </a:t>
             </a:r>
             <a:r>
               <a:rPr lang="en-US" dirty="0"/>
               <a:t>reduce</a:t>
             </a:r>
             <a:endParaRPr lang="el-GR" dirty="0"/>
+          </a:p>
+          <a:p>
+            <a:r>
+              <a:rPr lang="el-GR" dirty="0"/>
+              <a:t>Γράφει το </a:t>
+            </a:r>
+            <a:r>
+              <a:rPr lang="en-US" dirty="0"/>
+              <a:t>driver </a:t>
+            </a:r>
+            <a:r>
+              <a:rPr lang="el-GR" dirty="0"/>
+              <a:t>πρόγραμμα</a:t>
+            </a:r>
           </a:p>
         </p:txBody>
       </p:sp>
@@ -15400,20 +15455,9 @@
           <a:p>
             <a:r>
               <a:rPr lang="en-US" dirty="0"/>
-              <a:t>Framework </a:t>
-            </a:r>
-            <a:r>
-              <a:rPr lang="el-GR" dirty="0"/>
-              <a:t>(</a:t>
-            </a:r>
-            <a:r>
-              <a:rPr lang="en-US" dirty="0"/>
-              <a:t>Hadoop MapReduce</a:t>
-            </a:r>
-            <a:r>
-              <a:rPr lang="el-GR" dirty="0"/>
-              <a:t>)</a:t>
-            </a:r>
+              <a:t>Framework Hadoop</a:t>
+            </a:r>
+            <a:endParaRPr lang="el-GR" dirty="0"/>
           </a:p>
         </p:txBody>
       </p:sp>
@@ -15472,8 +15516,20 @@
           </a:p>
           <a:p>
             <a:r>
+              <a:rPr lang="en-US" dirty="0"/>
+              <a:t>Shuffle</a:t>
+            </a:r>
+            <a:r>
               <a:rPr lang="el-GR" dirty="0"/>
-              <a:t>Ανακάτεμα-ταξινόμηση των δεδομένων</a:t>
+              <a:t> &amp; </a:t>
+            </a:r>
+            <a:r>
+              <a:rPr lang="en-US" dirty="0"/>
+              <a:t>sort </a:t>
+            </a:r>
+            <a:r>
+              <a:rPr lang="el-GR" dirty="0"/>
+              <a:t>ανακάτεμα και ταξινόμηση των δεδομένων</a:t>
             </a:r>
           </a:p>
         </p:txBody>
@@ -15598,7 +15654,7 @@
             </a:r>
             <a:r>
               <a:rPr lang="el-GR" sz="2000" dirty="0"/>
-              <a:t>αλλά δύσκαμπτα και μεγάλα προγράμματα</a:t>
+              <a:t>αλλά δύσκαμπτα και μεγάλα προγράμματα </a:t>
             </a:r>
             <a:endParaRPr lang="en-US" sz="2000" dirty="0"/>
           </a:p>
@@ -15689,7 +15745,7 @@
             </a:pPr>
             <a:r>
               <a:rPr lang="en-US" sz="2000" b="1" dirty="0"/>
-              <a:t>Hive</a:t>
+              <a:t>Pig</a:t>
             </a:r>
             <a:r>
               <a:rPr lang="en-US" sz="2000" dirty="0"/>
@@ -15697,12 +15753,13 @@
             </a:r>
             <a:r>
               <a:rPr lang="el-GR" sz="2000" dirty="0"/>
-              <a:t>γλώσσα παρόμοια με την </a:t>
+              <a:t>γλώσσα </a:t>
             </a:r>
             <a:r>
               <a:rPr lang="en-US" sz="2000" dirty="0"/>
-              <a:t>SQL</a:t>
-            </a:r>
+              <a:t>data flow</a:t>
+            </a:r>
+            <a:endParaRPr lang="el-GR" sz="2000" dirty="0"/>
           </a:p>
           <a:p>
             <a:pPr>
@@ -15712,21 +15769,20 @@
             </a:pPr>
             <a:r>
               <a:rPr lang="en-US" sz="2000" b="1" dirty="0"/>
-              <a:t>Pig</a:t>
+              <a:t>Scalding</a:t>
+            </a:r>
+            <a:r>
+              <a:rPr lang="el-GR" sz="2000" dirty="0"/>
+              <a:t>: γλώσσα βασισμένη στη </a:t>
             </a:r>
             <a:r>
               <a:rPr lang="en-US" sz="2000" dirty="0"/>
-              <a:t>: </a:t>
+              <a:t>Scala </a:t>
             </a:r>
             <a:r>
               <a:rPr lang="el-GR" sz="2000" dirty="0"/>
-              <a:t>γλώσσα </a:t>
-            </a:r>
-            <a:r>
-              <a:rPr lang="en-US" sz="2000" dirty="0"/>
-              <a:t>data flow</a:t>
-            </a:r>
-            <a:endParaRPr lang="el-GR" sz="2000" dirty="0"/>
+              <a:t>που οδηγεί στη συγγραφή σύντομων προγραμμάτων</a:t>
+            </a:r>
           </a:p>
           <a:p>
             <a:pPr>
@@ -15736,19 +15792,19 @@
             </a:pPr>
             <a:r>
               <a:rPr lang="en-US" sz="2000" b="1" dirty="0"/>
-              <a:t>Scalding</a:t>
+              <a:t>Hive</a:t>
+            </a:r>
+            <a:r>
+              <a:rPr lang="en-US" sz="2000" dirty="0"/>
+              <a:t>: </a:t>
             </a:r>
             <a:r>
               <a:rPr lang="el-GR" sz="2000" dirty="0"/>
-              <a:t>: γλώσσα βασισμένη στη </a:t>
+              <a:t>γλώσσα παρόμοια με την </a:t>
             </a:r>
             <a:r>
               <a:rPr lang="en-US" sz="2000" dirty="0"/>
-              <a:t>Scala </a:t>
-            </a:r>
-            <a:r>
-              <a:rPr lang="el-GR" sz="2000" dirty="0"/>
-              <a:t>που οδηγεί στη συγγραφή σύντομων προγραμμάτων</a:t>
+              <a:t>SQL</a:t>
             </a:r>
           </a:p>
         </p:txBody>
@@ -16025,6 +16081,181 @@
       </p:grpSpPr>
       <p:sp>
         <p:nvSpPr>
+          <p:cNvPr id="2" name="Τίτλος 1">
+            <a:extLst>
+              <a:ext uri="{FF2B5EF4-FFF2-40B4-BE49-F238E27FC236}">
+                <a16:creationId xmlns:a16="http://schemas.microsoft.com/office/drawing/2014/main" id="{D91232BA-28CE-4D1C-BC0F-2936B3728E14}"/>
+              </a:ext>
+            </a:extLst>
+          </p:cNvPr>
+          <p:cNvSpPr>
+            <a:spLocks noGrp="1"/>
+          </p:cNvSpPr>
+          <p:nvPr>
+            <p:ph type="title"/>
+          </p:nvPr>
+        </p:nvSpPr>
+        <p:spPr/>
+        <p:txBody>
+          <a:bodyPr>
+            <a:normAutofit fontScale="90000"/>
+          </a:bodyPr>
+          <a:lstStyle/>
+          <a:p>
+            <a:r>
+              <a:rPr lang="el-GR" dirty="0"/>
+              <a:t>Η αγορά σχετικά με το </a:t>
+            </a:r>
+            <a:r>
+              <a:rPr lang="en-US" dirty="0"/>
+              <a:t>Hadoop </a:t>
+            </a:r>
+            <a:r>
+              <a:rPr lang="el-GR" dirty="0"/>
+              <a:t>αναμένεται να ξεπεράσει τα 50 δισεκατομμύρια $ μέχρι το </a:t>
+            </a:r>
+            <a:r>
+              <a:rPr lang="en-US" dirty="0"/>
+              <a:t>2024.</a:t>
+            </a:r>
+            <a:endParaRPr lang="el-GR" dirty="0"/>
+          </a:p>
+        </p:txBody>
+      </p:sp>
+      <p:sp>
+        <p:nvSpPr>
+          <p:cNvPr id="3" name="Θέση περιεχομένου 2">
+            <a:extLst>
+              <a:ext uri="{FF2B5EF4-FFF2-40B4-BE49-F238E27FC236}">
+                <a16:creationId xmlns:a16="http://schemas.microsoft.com/office/drawing/2014/main" id="{239856C4-EF6F-4936-B898-0FE1E8038765}"/>
+              </a:ext>
+            </a:extLst>
+          </p:cNvPr>
+          <p:cNvSpPr>
+            <a:spLocks noGrp="1"/>
+          </p:cNvSpPr>
+          <p:nvPr>
+            <p:ph sz="half" idx="1"/>
+          </p:nvPr>
+        </p:nvSpPr>
+        <p:spPr/>
+        <p:txBody>
+          <a:bodyPr/>
+          <a:lstStyle/>
+          <a:p>
+            <a:r>
+              <a:rPr lang="en-US" dirty="0"/>
+              <a:t>Hadoop Market by Product (Software, Hardware and Services) and by Applications - Global Industry Analysis and Forecast 2018 – 2024</a:t>
+            </a:r>
+            <a:r>
+              <a:rPr lang="el-GR" dirty="0"/>
+              <a:t> </a:t>
+            </a:r>
+            <a:r>
+              <a:rPr lang="en-US" dirty="0">
+                <a:hlinkClick r:id="rId2"/>
+              </a:rPr>
+              <a:t>https://www.marketresearchengine.com/reportdetails/hadoop-market-share</a:t>
+            </a:r>
+            <a:r>
+              <a:rPr lang="el-GR" dirty="0"/>
+              <a:t> </a:t>
+            </a:r>
+          </a:p>
+        </p:txBody>
+      </p:sp>
+      <p:graphicFrame>
+        <p:nvGraphicFramePr>
+          <p:cNvPr id="5" name="Θέση περιεχομένου 4">
+            <a:extLst>
+              <a:ext uri="{FF2B5EF4-FFF2-40B4-BE49-F238E27FC236}">
+                <a16:creationId xmlns:a16="http://schemas.microsoft.com/office/drawing/2014/main" id="{835A1C53-3F59-4D1E-AC97-CE527ACAB4B8}"/>
+              </a:ext>
+            </a:extLst>
+          </p:cNvPr>
+          <p:cNvGraphicFramePr>
+            <a:graphicFrameLocks noGrp="1"/>
+          </p:cNvGraphicFramePr>
+          <p:nvPr>
+            <p:ph sz="half" idx="2"/>
+            <p:extLst>
+              <p:ext uri="{D42A27DB-BD31-4B8C-83A1-F6EECF244321}">
+                <p14:modId xmlns:p14="http://schemas.microsoft.com/office/powerpoint/2010/main" val="631125406"/>
+              </p:ext>
+            </p:extLst>
+          </p:nvPr>
+        </p:nvGraphicFramePr>
+        <p:xfrm>
+          <a:off x="6172202" y="2027756"/>
+          <a:ext cx="5181600" cy="4351338"/>
+        </p:xfrm>
+        <a:graphic>
+          <a:graphicData uri="http://schemas.openxmlformats.org/drawingml/2006/diagram">
+            <dgm:relIds xmlns:dgm="http://schemas.openxmlformats.org/drawingml/2006/diagram" xmlns:r="http://schemas.openxmlformats.org/officeDocument/2006/relationships" r:dm="rId3" r:lo="rId4" r:qs="rId5" r:cs="rId6"/>
+          </a:graphicData>
+        </a:graphic>
+      </p:graphicFrame>
+      <p:sp>
+        <p:nvSpPr>
+          <p:cNvPr id="4" name="Θέση αριθμού διαφάνειας 3">
+            <a:extLst>
+              <a:ext uri="{FF2B5EF4-FFF2-40B4-BE49-F238E27FC236}">
+                <a16:creationId xmlns:a16="http://schemas.microsoft.com/office/drawing/2014/main" id="{53F20E7B-C0C8-4919-9E38-64E820BEE756}"/>
+              </a:ext>
+            </a:extLst>
+          </p:cNvPr>
+          <p:cNvSpPr>
+            <a:spLocks noGrp="1"/>
+          </p:cNvSpPr>
+          <p:nvPr>
+            <p:ph type="sldNum" sz="quarter" idx="12"/>
+          </p:nvPr>
+        </p:nvSpPr>
+        <p:spPr/>
+        <p:txBody>
+          <a:bodyPr/>
+          <a:lstStyle/>
+          <a:p>
+            <a:fld id="{3D74D2C4-C843-412D-9C67-6E6796AB11E2}" type="slidenum">
+              <a:rPr lang="el-GR" smtClean="0"/>
+              <a:t>16</a:t>
+            </a:fld>
+            <a:endParaRPr lang="el-GR"/>
+          </a:p>
+        </p:txBody>
+      </p:sp>
+    </p:spTree>
+    <p:extLst>
+      <p:ext uri="{BB962C8B-B14F-4D97-AF65-F5344CB8AC3E}">
+        <p14:creationId xmlns:p14="http://schemas.microsoft.com/office/powerpoint/2010/main" val="1059351873"/>
+      </p:ext>
+    </p:extLst>
+  </p:cSld>
+  <p:clrMapOvr>
+    <a:masterClrMapping/>
+  </p:clrMapOvr>
+</p:sld>
+</file>
+
+<file path=ppt/slides/slide17.xml><?xml version="1.0" encoding="utf-8"?>
+<p:sld xmlns:a="http://schemas.openxmlformats.org/drawingml/2006/main" xmlns:r="http://schemas.openxmlformats.org/officeDocument/2006/relationships" xmlns:p="http://schemas.openxmlformats.org/presentationml/2006/main">
+  <p:cSld>
+    <p:spTree>
+      <p:nvGrpSpPr>
+        <p:cNvPr id="1" name=""/>
+        <p:cNvGrpSpPr/>
+        <p:nvPr/>
+      </p:nvGrpSpPr>
+      <p:grpSpPr>
+        <a:xfrm>
+          <a:off x="0" y="0"/>
+          <a:ext cx="0" cy="0"/>
+          <a:chOff x="0" y="0"/>
+          <a:chExt cx="0" cy="0"/>
+        </a:xfrm>
+      </p:grpSpPr>
+      <p:sp>
+        <p:nvSpPr>
           <p:cNvPr id="2" name="Τίτλος 1"/>
           <p:cNvSpPr>
             <a:spLocks noGrp="1"/>
@@ -16250,7 +16481,7 @@
           <a:p>
             <a:fld id="{634CA47B-BB17-47C7-9E60-64B1219A2C73}" type="slidenum">
               <a:rPr lang="el-GR" smtClean="0"/>
-              <a:t>16</a:t>
+              <a:t>17</a:t>
             </a:fld>
             <a:endParaRPr lang="el-GR"/>
           </a:p>
@@ -16351,181 +16582,6 @@
 </p:sld>
 </file>
 
-<file path=ppt/slides/slide17.xml><?xml version="1.0" encoding="utf-8"?>
-<p:sld xmlns:a="http://schemas.openxmlformats.org/drawingml/2006/main" xmlns:r="http://schemas.openxmlformats.org/officeDocument/2006/relationships" xmlns:p="http://schemas.openxmlformats.org/presentationml/2006/main">
-  <p:cSld>
-    <p:spTree>
-      <p:nvGrpSpPr>
-        <p:cNvPr id="1" name=""/>
-        <p:cNvGrpSpPr/>
-        <p:nvPr/>
-      </p:nvGrpSpPr>
-      <p:grpSpPr>
-        <a:xfrm>
-          <a:off x="0" y="0"/>
-          <a:ext cx="0" cy="0"/>
-          <a:chOff x="0" y="0"/>
-          <a:chExt cx="0" cy="0"/>
-        </a:xfrm>
-      </p:grpSpPr>
-      <p:sp>
-        <p:nvSpPr>
-          <p:cNvPr id="2" name="Τίτλος 1">
-            <a:extLst>
-              <a:ext uri="{FF2B5EF4-FFF2-40B4-BE49-F238E27FC236}">
-                <a16:creationId xmlns:a16="http://schemas.microsoft.com/office/drawing/2014/main" id="{D91232BA-28CE-4D1C-BC0F-2936B3728E14}"/>
-              </a:ext>
-            </a:extLst>
-          </p:cNvPr>
-          <p:cNvSpPr>
-            <a:spLocks noGrp="1"/>
-          </p:cNvSpPr>
-          <p:nvPr>
-            <p:ph type="title"/>
-          </p:nvPr>
-        </p:nvSpPr>
-        <p:spPr/>
-        <p:txBody>
-          <a:bodyPr>
-            <a:normAutofit fontScale="90000"/>
-          </a:bodyPr>
-          <a:lstStyle/>
-          <a:p>
-            <a:r>
-              <a:rPr lang="el-GR" dirty="0"/>
-              <a:t>Η αγορά σχετικά με το </a:t>
-            </a:r>
-            <a:r>
-              <a:rPr lang="en-US" dirty="0"/>
-              <a:t>Hadoop </a:t>
-            </a:r>
-            <a:r>
-              <a:rPr lang="el-GR" dirty="0"/>
-              <a:t>αναμένεται να ξεπεράσει τα 50 δισεκατομμύρια $ μέχρι το </a:t>
-            </a:r>
-            <a:r>
-              <a:rPr lang="en-US" dirty="0"/>
-              <a:t>2024.</a:t>
-            </a:r>
-            <a:endParaRPr lang="el-GR" dirty="0"/>
-          </a:p>
-        </p:txBody>
-      </p:sp>
-      <p:sp>
-        <p:nvSpPr>
-          <p:cNvPr id="3" name="Θέση περιεχομένου 2">
-            <a:extLst>
-              <a:ext uri="{FF2B5EF4-FFF2-40B4-BE49-F238E27FC236}">
-                <a16:creationId xmlns:a16="http://schemas.microsoft.com/office/drawing/2014/main" id="{239856C4-EF6F-4936-B898-0FE1E8038765}"/>
-              </a:ext>
-            </a:extLst>
-          </p:cNvPr>
-          <p:cNvSpPr>
-            <a:spLocks noGrp="1"/>
-          </p:cNvSpPr>
-          <p:nvPr>
-            <p:ph sz="half" idx="1"/>
-          </p:nvPr>
-        </p:nvSpPr>
-        <p:spPr/>
-        <p:txBody>
-          <a:bodyPr/>
-          <a:lstStyle/>
-          <a:p>
-            <a:r>
-              <a:rPr lang="en-US" dirty="0"/>
-              <a:t>Hadoop Market by Product (Software, Hardware and Services) and by Applications - Global Industry Analysis and Forecast 2018 – 2024</a:t>
-            </a:r>
-            <a:r>
-              <a:rPr lang="el-GR" dirty="0"/>
-              <a:t> </a:t>
-            </a:r>
-            <a:r>
-              <a:rPr lang="en-US" dirty="0">
-                <a:hlinkClick r:id="rId2"/>
-              </a:rPr>
-              <a:t>https://www.marketresearchengine.com/reportdetails/hadoop-market-share</a:t>
-            </a:r>
-            <a:r>
-              <a:rPr lang="el-GR" dirty="0"/>
-              <a:t> </a:t>
-            </a:r>
-          </a:p>
-        </p:txBody>
-      </p:sp>
-      <p:graphicFrame>
-        <p:nvGraphicFramePr>
-          <p:cNvPr id="5" name="Θέση περιεχομένου 4">
-            <a:extLst>
-              <a:ext uri="{FF2B5EF4-FFF2-40B4-BE49-F238E27FC236}">
-                <a16:creationId xmlns:a16="http://schemas.microsoft.com/office/drawing/2014/main" id="{835A1C53-3F59-4D1E-AC97-CE527ACAB4B8}"/>
-              </a:ext>
-            </a:extLst>
-          </p:cNvPr>
-          <p:cNvGraphicFramePr>
-            <a:graphicFrameLocks noGrp="1"/>
-          </p:cNvGraphicFramePr>
-          <p:nvPr>
-            <p:ph sz="half" idx="2"/>
-            <p:extLst>
-              <p:ext uri="{D42A27DB-BD31-4B8C-83A1-F6EECF244321}">
-                <p14:modId xmlns:p14="http://schemas.microsoft.com/office/powerpoint/2010/main" val="631125406"/>
-              </p:ext>
-            </p:extLst>
-          </p:nvPr>
-        </p:nvGraphicFramePr>
-        <p:xfrm>
-          <a:off x="6172202" y="2027756"/>
-          <a:ext cx="5181600" cy="4351338"/>
-        </p:xfrm>
-        <a:graphic>
-          <a:graphicData uri="http://schemas.openxmlformats.org/drawingml/2006/diagram">
-            <dgm:relIds xmlns:dgm="http://schemas.openxmlformats.org/drawingml/2006/diagram" xmlns:r="http://schemas.openxmlformats.org/officeDocument/2006/relationships" r:dm="rId3" r:lo="rId4" r:qs="rId5" r:cs="rId6"/>
-          </a:graphicData>
-        </a:graphic>
-      </p:graphicFrame>
-      <p:sp>
-        <p:nvSpPr>
-          <p:cNvPr id="4" name="Θέση αριθμού διαφάνειας 3">
-            <a:extLst>
-              <a:ext uri="{FF2B5EF4-FFF2-40B4-BE49-F238E27FC236}">
-                <a16:creationId xmlns:a16="http://schemas.microsoft.com/office/drawing/2014/main" id="{53F20E7B-C0C8-4919-9E38-64E820BEE756}"/>
-              </a:ext>
-            </a:extLst>
-          </p:cNvPr>
-          <p:cNvSpPr>
-            <a:spLocks noGrp="1"/>
-          </p:cNvSpPr>
-          <p:nvPr>
-            <p:ph type="sldNum" sz="quarter" idx="12"/>
-          </p:nvPr>
-        </p:nvSpPr>
-        <p:spPr/>
-        <p:txBody>
-          <a:bodyPr/>
-          <a:lstStyle/>
-          <a:p>
-            <a:fld id="{3D74D2C4-C843-412D-9C67-6E6796AB11E2}" type="slidenum">
-              <a:rPr lang="el-GR" smtClean="0"/>
-              <a:t>17</a:t>
-            </a:fld>
-            <a:endParaRPr lang="el-GR"/>
-          </a:p>
-        </p:txBody>
-      </p:sp>
-    </p:spTree>
-    <p:extLst>
-      <p:ext uri="{BB962C8B-B14F-4D97-AF65-F5344CB8AC3E}">
-        <p14:creationId xmlns:p14="http://schemas.microsoft.com/office/powerpoint/2010/main" val="1059351873"/>
-      </p:ext>
-    </p:extLst>
-  </p:cSld>
-  <p:clrMapOvr>
-    <a:masterClrMapping/>
-  </p:clrMapOvr>
-</p:sld>
-</file>
-
 <file path=ppt/slides/slide18.xml><?xml version="1.0" encoding="utf-8"?>
 <p:sld xmlns:a="http://schemas.openxmlformats.org/drawingml/2006/main" xmlns:r="http://schemas.openxmlformats.org/officeDocument/2006/relationships" xmlns:p="http://schemas.openxmlformats.org/presentationml/2006/main">
   <p:cSld>
@@ -16584,9 +16640,16 @@
             <p:ph sz="half" idx="1"/>
           </p:nvPr>
         </p:nvSpPr>
-        <p:spPr/>
+        <p:spPr>
+          <a:xfrm>
+            <a:off x="838199" y="1825625"/>
+            <a:ext cx="5447097" cy="4351338"/>
+          </a:xfrm>
+        </p:spPr>
         <p:txBody>
-          <a:bodyPr/>
+          <a:bodyPr>
+            <a:normAutofit/>
+          </a:bodyPr>
           <a:lstStyle/>
           <a:p>
             <a:r>
@@ -16621,7 +16684,15 @@
             </a:r>
             <a:r>
               <a:rPr lang="en-US" dirty="0"/>
-              <a:t>Virtual Machine </a:t>
+              <a:t>Virtual Machine</a:t>
+            </a:r>
+            <a:r>
+              <a:rPr lang="el-GR" dirty="0"/>
+              <a:t> </a:t>
+            </a:r>
+            <a:r>
+              <a:rPr lang="en-US" dirty="0"/>
+              <a:t>CDH 4.1.1 </a:t>
             </a:r>
             <a:r>
               <a:rPr lang="el-GR" dirty="0"/>
@@ -16631,21 +16702,69 @@
               <a:rPr lang="en-US" dirty="0"/>
               <a:t>Cloudera</a:t>
             </a:r>
-          </a:p>
-          <a:p>
-            <a:pPr lvl="1"/>
+            <a:endParaRPr lang="el-GR" dirty="0"/>
+          </a:p>
+          <a:p>
+            <a:r>
+              <a:rPr lang="el-GR" dirty="0"/>
+              <a:t>Συγγραφή κώδικα σε </a:t>
+            </a:r>
+            <a:r>
+              <a:rPr lang="en-US" dirty="0"/>
+              <a:t>python </a:t>
+            </a:r>
+            <a:r>
+              <a:rPr lang="el-GR" dirty="0"/>
+              <a:t>(</a:t>
+            </a:r>
             <a:r>
               <a:rPr lang="en-US" dirty="0"/>
               <a:t>mapper.py</a:t>
             </a:r>
-          </a:p>
-          <a:p>
-            <a:pPr lvl="1"/>
+            <a:r>
+              <a:rPr lang="el-GR" dirty="0"/>
+              <a:t>, </a:t>
+            </a:r>
             <a:r>
               <a:rPr lang="en-US" dirty="0"/>
               <a:t>reducer.py</a:t>
             </a:r>
-            <a:endParaRPr lang="el-GR" dirty="0"/>
+            <a:r>
+              <a:rPr lang="el-GR" dirty="0"/>
+              <a:t>)</a:t>
+            </a:r>
+            <a:r>
+              <a:rPr lang="en-US" dirty="0"/>
+              <a:t> </a:t>
+            </a:r>
+            <a:r>
+              <a:rPr lang="el-GR" dirty="0"/>
+              <a:t>που με το </a:t>
+            </a:r>
+            <a:r>
+              <a:rPr lang="en-US" b="1" dirty="0"/>
+              <a:t>Hadoop streaming</a:t>
+            </a:r>
+            <a:r>
+              <a:rPr lang="en-US" dirty="0"/>
+              <a:t> </a:t>
+            </a:r>
+            <a:r>
+              <a:rPr lang="el-GR" dirty="0"/>
+              <a:t>μετατρέπεται σε </a:t>
+            </a:r>
+            <a:r>
+              <a:rPr lang="en-US" dirty="0"/>
+              <a:t>jar </a:t>
+            </a:r>
+            <a:r>
+              <a:rPr lang="el-GR" dirty="0"/>
+              <a:t>αρχεία </a:t>
+            </a:r>
+            <a:r>
+              <a:rPr lang="en-US" dirty="0"/>
+              <a:t>java</a:t>
+            </a:r>
           </a:p>
         </p:txBody>
       </p:sp>
@@ -17044,8 +17163,83 @@
                 <a:ea typeface="+mn-ea"/>
                 <a:cs typeface="+mn-cs"/>
               </a:rPr>
-              <a:t>α μηχάνημα υψηλών προδιαγραφών και υψηλής αξιοπιστίας (εκθετική αύξηση κόστους)</a:t>
-            </a:r>
+              <a:t>α μηχάνημα υψηλών προδιαγραφών και υψηλής αξιοπιστίας </a:t>
+            </a:r>
+            <a:r>
+              <a:rPr lang="el-GR" sz="2400" kern="1200" dirty="0">
+                <a:solidFill>
+                  <a:schemeClr val="tx1"/>
+                </a:solidFill>
+                <a:latin typeface="+mn-lt"/>
+                <a:ea typeface="+mn-ea"/>
+                <a:cs typeface="+mn-cs"/>
+                <a:sym typeface="Wingdings" panose="05000000000000000000" pitchFamily="2" charset="2"/>
+              </a:rPr>
+              <a:t> </a:t>
+            </a:r>
+            <a:r>
+              <a:rPr lang="en-US" sz="2400" kern="1200" dirty="0" err="1">
+                <a:solidFill>
+                  <a:schemeClr val="tx1"/>
+                </a:solidFill>
+                <a:latin typeface="+mn-lt"/>
+                <a:ea typeface="+mn-ea"/>
+                <a:cs typeface="+mn-cs"/>
+              </a:rPr>
+              <a:t>εκθετική</a:t>
+            </a:r>
+            <a:r>
+              <a:rPr lang="en-US" sz="2400" kern="1200" dirty="0">
+                <a:solidFill>
+                  <a:schemeClr val="tx1"/>
+                </a:solidFill>
+                <a:latin typeface="+mn-lt"/>
+                <a:ea typeface="+mn-ea"/>
+                <a:cs typeface="+mn-cs"/>
+              </a:rPr>
+              <a:t> α</a:t>
+            </a:r>
+            <a:r>
+              <a:rPr lang="en-US" sz="2400" kern="1200" dirty="0" err="1">
+                <a:solidFill>
+                  <a:schemeClr val="tx1"/>
+                </a:solidFill>
+                <a:latin typeface="+mn-lt"/>
+                <a:ea typeface="+mn-ea"/>
+                <a:cs typeface="+mn-cs"/>
+              </a:rPr>
+              <a:t>ύξηση</a:t>
+            </a:r>
+            <a:r>
+              <a:rPr lang="en-US" sz="2400" kern="1200" dirty="0">
+                <a:solidFill>
+                  <a:schemeClr val="tx1"/>
+                </a:solidFill>
+                <a:latin typeface="+mn-lt"/>
+                <a:ea typeface="+mn-ea"/>
+                <a:cs typeface="+mn-cs"/>
+              </a:rPr>
+              <a:t> </a:t>
+            </a:r>
+            <a:r>
+              <a:rPr lang="en-US" sz="2400" kern="1200" dirty="0" err="1">
+                <a:solidFill>
+                  <a:schemeClr val="tx1"/>
+                </a:solidFill>
+                <a:latin typeface="+mn-lt"/>
+                <a:ea typeface="+mn-ea"/>
+                <a:cs typeface="+mn-cs"/>
+              </a:rPr>
+              <a:t>κόστους</a:t>
+            </a:r>
+            <a:endParaRPr lang="en-US" sz="2400" kern="1200" dirty="0">
+              <a:solidFill>
+                <a:schemeClr val="tx1"/>
+              </a:solidFill>
+              <a:latin typeface="+mn-lt"/>
+              <a:ea typeface="+mn-ea"/>
+              <a:cs typeface="+mn-cs"/>
+            </a:endParaRPr>
           </a:p>
           <a:p>
             <a:r>
@@ -17112,7 +17306,133 @@
                 <a:ea typeface="+mn-ea"/>
                 <a:cs typeface="+mn-cs"/>
               </a:rPr>
-              <a:t> αποτελούμενη από απλούς υπολογιστές χαμηλής αξιοπιστίας (γραμμική αύξηση κόστο</a:t>
+              <a:t> αποτελούμενη από απλούς υπ</a:t>
+            </a:r>
+            <a:r>
+              <a:rPr lang="en-US" sz="2400" kern="1200" dirty="0" err="1">
+                <a:solidFill>
+                  <a:schemeClr val="tx1"/>
+                </a:solidFill>
+                <a:latin typeface="+mn-lt"/>
+                <a:ea typeface="+mn-ea"/>
+                <a:cs typeface="+mn-cs"/>
+              </a:rPr>
+              <a:t>ολογιστές</a:t>
+            </a:r>
+            <a:r>
+              <a:rPr lang="en-US" sz="2400" kern="1200" dirty="0">
+                <a:solidFill>
+                  <a:schemeClr val="tx1"/>
+                </a:solidFill>
+                <a:latin typeface="+mn-lt"/>
+                <a:ea typeface="+mn-ea"/>
+                <a:cs typeface="+mn-cs"/>
+              </a:rPr>
+              <a:t> </a:t>
+            </a:r>
+            <a:r>
+              <a:rPr lang="el-GR" sz="2400" dirty="0"/>
+              <a:t>μέτριας</a:t>
+            </a:r>
+            <a:r>
+              <a:rPr lang="en-US" sz="2400" kern="1200" dirty="0">
+                <a:solidFill>
+                  <a:schemeClr val="tx1"/>
+                </a:solidFill>
+                <a:latin typeface="+mn-lt"/>
+                <a:ea typeface="+mn-ea"/>
+                <a:cs typeface="+mn-cs"/>
+              </a:rPr>
+              <a:t> α</a:t>
+            </a:r>
+            <a:r>
+              <a:rPr lang="en-US" sz="2400" kern="1200" dirty="0" err="1">
+                <a:solidFill>
+                  <a:schemeClr val="tx1"/>
+                </a:solidFill>
+                <a:latin typeface="+mn-lt"/>
+                <a:ea typeface="+mn-ea"/>
+                <a:cs typeface="+mn-cs"/>
+              </a:rPr>
+              <a:t>ξιο</a:t>
+            </a:r>
+            <a:r>
+              <a:rPr lang="en-US" sz="2400" kern="1200" dirty="0">
+                <a:solidFill>
+                  <a:schemeClr val="tx1"/>
+                </a:solidFill>
+                <a:latin typeface="+mn-lt"/>
+                <a:ea typeface="+mn-ea"/>
+                <a:cs typeface="+mn-cs"/>
+              </a:rPr>
+              <a:t>πιστίας </a:t>
+            </a:r>
+            <a:r>
+              <a:rPr lang="el-GR" sz="2400" kern="1200" dirty="0">
+                <a:solidFill>
+                  <a:schemeClr val="tx1"/>
+                </a:solidFill>
+                <a:latin typeface="+mn-lt"/>
+                <a:ea typeface="+mn-ea"/>
+                <a:cs typeface="+mn-cs"/>
+              </a:rPr>
+              <a:t>(</a:t>
+            </a:r>
+            <a:r>
+              <a:rPr lang="en-US" sz="2400" kern="1200" dirty="0">
+                <a:solidFill>
+                  <a:schemeClr val="tx1"/>
+                </a:solidFill>
+                <a:latin typeface="+mn-lt"/>
+                <a:ea typeface="+mn-ea"/>
+                <a:cs typeface="+mn-cs"/>
+              </a:rPr>
+              <a:t>commodity hardware</a:t>
+            </a:r>
+            <a:r>
+              <a:rPr lang="el-GR" sz="2400" kern="1200" dirty="0">
+                <a:solidFill>
+                  <a:schemeClr val="tx1"/>
+                </a:solidFill>
+                <a:latin typeface="+mn-lt"/>
+                <a:ea typeface="+mn-ea"/>
+                <a:cs typeface="+mn-cs"/>
+              </a:rPr>
+              <a:t>) </a:t>
+            </a:r>
+            <a:r>
+              <a:rPr lang="el-GR" sz="2400" kern="1200" dirty="0">
+                <a:solidFill>
+                  <a:schemeClr val="tx1"/>
+                </a:solidFill>
+                <a:latin typeface="+mn-lt"/>
+                <a:ea typeface="+mn-ea"/>
+                <a:cs typeface="+mn-cs"/>
+                <a:sym typeface="Wingdings" panose="05000000000000000000" pitchFamily="2" charset="2"/>
+              </a:rPr>
+              <a:t> </a:t>
+            </a:r>
+            <a:r>
+              <a:rPr lang="en-US" sz="2400" kern="1200" dirty="0" err="1">
+                <a:solidFill>
+                  <a:schemeClr val="tx1"/>
+                </a:solidFill>
+                <a:latin typeface="+mn-lt"/>
+                <a:ea typeface="+mn-ea"/>
+                <a:cs typeface="+mn-cs"/>
+              </a:rPr>
+              <a:t>γρ</a:t>
+            </a:r>
+            <a:r>
+              <a:rPr lang="en-US" sz="2400" kern="1200" dirty="0">
+                <a:solidFill>
+                  <a:schemeClr val="tx1"/>
+                </a:solidFill>
+                <a:latin typeface="+mn-lt"/>
+                <a:ea typeface="+mn-ea"/>
+                <a:cs typeface="+mn-cs"/>
+              </a:rPr>
+              <a:t>αμμική αύξηση κόστο</a:t>
             </a:r>
             <a:r>
               <a:rPr lang="el-GR" sz="2400" kern="1200" dirty="0">
@@ -17134,7 +17454,7 @@
                 <a:ea typeface="+mn-ea"/>
                 <a:cs typeface="+mn-cs"/>
               </a:rPr>
-              <a:t>ς)</a:t>
+              <a:t>ς</a:t>
             </a:r>
           </a:p>
         </p:txBody>
@@ -17439,7 +17759,7 @@
             <p:ph idx="1"/>
             <p:extLst>
               <p:ext uri="{D42A27DB-BD31-4B8C-83A1-F6EECF244321}">
-                <p14:modId xmlns:p14="http://schemas.microsoft.com/office/powerpoint/2010/main" val="700650102"/>
+                <p14:modId xmlns:p14="http://schemas.microsoft.com/office/powerpoint/2010/main" val="499364820"/>
               </p:ext>
             </p:extLst>
           </p:nvPr>
@@ -18426,7 +18746,7 @@
         </p:spPr>
         <p:txBody>
           <a:bodyPr>
-            <a:normAutofit fontScale="85000" lnSpcReduction="20000"/>
+            <a:normAutofit fontScale="77500" lnSpcReduction="20000"/>
           </a:bodyPr>
           <a:lstStyle/>
           <a:p>
@@ -18461,7 +18781,15 @@
             </a:r>
             <a:r>
               <a:rPr lang="el-GR" dirty="0"/>
-              <a:t> σε συστάδες απλών υπολογιστών</a:t>
+              <a:t> σε συστάδες απλών υπολογιστών (</a:t>
+            </a:r>
+            <a:r>
+              <a:rPr lang="en-US" dirty="0"/>
+              <a:t>computer clusters</a:t>
+            </a:r>
+            <a:r>
+              <a:rPr lang="el-GR" dirty="0"/>
+              <a:t>)</a:t>
             </a:r>
           </a:p>
           <a:p>
@@ -18503,6 +18831,17 @@
             <a:r>
               <a:rPr lang="en-US" b="1" dirty="0"/>
               <a:t>YARN</a:t>
+            </a:r>
+          </a:p>
+          <a:p>
+            <a:pPr lvl="1">
+              <a:lnSpc>
+                <a:spcPct val="120000"/>
+              </a:lnSpc>
+            </a:pPr>
+            <a:r>
+              <a:rPr lang="en-US" b="1" dirty="0"/>
+              <a:t>MapReduce</a:t>
             </a:r>
           </a:p>
           <a:p>
@@ -18899,7 +19238,7 @@
         </p:nvSpPr>
         <p:spPr>
           <a:xfrm>
-            <a:off x="838200" y="1825625"/>
+            <a:off x="838200" y="1816000"/>
             <a:ext cx="5695950" cy="4765675"/>
           </a:xfrm>
         </p:spPr>
@@ -18939,15 +19278,7 @@
             </a:pPr>
             <a:r>
               <a:rPr lang="el-GR" dirty="0"/>
-              <a:t>Μπορεί να αποθηκεύσει μεγάλα αρχεία σε συστάδες κοινών υπολογιστών (</a:t>
-            </a:r>
-            <a:r>
-              <a:rPr lang="en-US" dirty="0"/>
-              <a:t>commodity hardware</a:t>
-            </a:r>
-            <a:r>
-              <a:rPr lang="el-GR" dirty="0"/>
-              <a:t>)</a:t>
+              <a:t>Μπορεί να αποθηκεύσει μεγάλα αρχεία σε συστάδες κοινών υπολογιστών</a:t>
             </a:r>
           </a:p>
           <a:p>
@@ -18958,15 +19289,7 @@
             </a:pPr>
             <a:r>
               <a:rPr lang="el-GR" dirty="0"/>
-              <a:t>Τα δεδομένα σπάνε σε μπλοκ (</a:t>
-            </a:r>
-            <a:r>
-              <a:rPr lang="en-US" dirty="0"/>
-              <a:t>64MB</a:t>
-            </a:r>
-            <a:r>
-              <a:rPr lang="el-GR" dirty="0"/>
-              <a:t> ή 128 </a:t>
+              <a:t>Τα δεδομένα σπάνε σε μπλοκ (128 </a:t>
             </a:r>
             <a:r>
               <a:rPr lang="en-US" dirty="0"/>
@@ -19485,7 +19808,7 @@
         </p:spPr>
         <p:txBody>
           <a:bodyPr>
-            <a:normAutofit fontScale="70000" lnSpcReduction="20000"/>
+            <a:normAutofit fontScale="62500" lnSpcReduction="20000"/>
           </a:bodyPr>
           <a:lstStyle/>
           <a:p>
@@ -19516,7 +19839,15 @@
             </a:r>
             <a:r>
               <a:rPr lang="el-GR" dirty="0"/>
-              <a:t>) είναι ένα προγραμματιστικό μοντέλο που χρησιμοποιείται ευρύτατα για αποδοτική κατανεμημένη επεξεργασία πάνω σε μεγάλα σύνολα δεδομένων</a:t>
+              <a:t>) είναι ένα υπολογιστικό υπόδειγμα (</a:t>
+            </a:r>
+            <a:r>
+              <a:rPr lang="en-US" dirty="0"/>
+              <a:t>computational paradigm/engine</a:t>
+            </a:r>
+            <a:r>
+              <a:rPr lang="el-GR" dirty="0"/>
+              <a:t>) που χρησιμοποιείται ευρύτατα για αποδοτική κατανεμημένη επεξεργασία πάνω σε μεγάλα σύνολα δεδομένων</a:t>
             </a:r>
           </a:p>
           <a:p>
@@ -19578,16 +19909,12 @@
               </a:lnSpc>
             </a:pPr>
             <a:r>
+              <a:rPr lang="en-US" dirty="0"/>
+              <a:t>To Hadoop MR </a:t>
+            </a:r>
+            <a:r>
               <a:rPr lang="el-GR" dirty="0"/>
-              <a:t>Ένα τμήμα του </a:t>
-            </a:r>
-            <a:r>
-              <a:rPr lang="en-US" dirty="0"/>
-              <a:t>Hadoop </a:t>
-            </a:r>
-            <a:r>
-              <a:rPr lang="el-GR" dirty="0"/>
-              <a:t>αποτελεί </a:t>
+              <a:t>αποτελεί μια </a:t>
             </a:r>
             <a:r>
               <a:rPr lang="en-US" dirty="0"/>
@@ -19598,8 +19925,16 @@
               <a:t>υλοποίηση του </a:t>
             </a:r>
             <a:r>
-              <a:rPr lang="en-US" dirty="0" err="1"/>
+              <a:rPr lang="en-US" dirty="0"/>
               <a:t>MapReduce</a:t>
+            </a:r>
+            <a:r>
+              <a:rPr lang="el-GR" dirty="0"/>
+              <a:t> που περιλαμβάνεται στο </a:t>
+            </a:r>
+            <a:r>
+              <a:rPr lang="en-US" dirty="0"/>
+              <a:t>Apache Hadoop</a:t>
             </a:r>
             <a:endParaRPr lang="el-GR" dirty="0"/>
           </a:p>
@@ -19685,7 +20020,7 @@
               <a:rPr lang="el-GR" smtClean="0"/>
               <a:t>9</a:t>
             </a:fld>
-            <a:endParaRPr lang="el-GR"/>
+            <a:endParaRPr lang="el-GR" dirty="0"/>
           </a:p>
         </p:txBody>
       </p:sp>

--- a/03. Apache Hadoop-Map Reduce.pptx
+++ b/03. Apache Hadoop-Map Reduce.pptx
@@ -2572,7 +2572,7 @@
           </a:r>
           <a:r>
             <a:rPr lang="el-GR" dirty="0"/>
-            <a:t>).</a:t>
+            <a:t>)</a:t>
           </a:r>
           <a:endParaRPr lang="en-US" dirty="0"/>
         </a:p>
@@ -2683,8 +2683,8 @@
         </a:p>
       </dgm:t>
     </dgm:pt>
-    <mc:AlternateContent xmlns:mc="http://schemas.openxmlformats.org/markup-compatibility/2006" xmlns:a14="http://schemas.microsoft.com/office/drawing/2010/main">
-      <mc:Choice Requires="a14">
+    <mc:AlternateContent xmlns:mc="http://schemas.openxmlformats.org/markup-compatibility/2006">
+      <mc:Choice xmlns:a14="http://schemas.microsoft.com/office/drawing/2010/main" Requires="a14">
         <dgm:pt modelId="{351B3B6B-BBFF-4672-8079-E64DE4B09D1D}">
           <dgm:prSet/>
           <dgm:spPr/>
@@ -2767,14 +2767,14 @@
               </a:r>
               <a:r>
                 <a:rPr lang="el-GR" dirty="0"/>
-                <a:t>σταθερά)</a:t>
+                <a:t>μια αριθμητική σταθερά)</a:t>
               </a:r>
               <a:endParaRPr lang="en-US" dirty="0"/>
             </a:p>
           </dgm:t>
         </dgm:pt>
       </mc:Choice>
-      <mc:Fallback xmlns="">
+      <mc:Fallback>
         <dgm:pt modelId="{351B3B6B-BBFF-4672-8079-E64DE4B09D1D}">
           <dgm:prSet/>
           <dgm:spPr/>
@@ -2846,7 +2846,7 @@
               </a:r>
               <a:r>
                 <a:rPr lang="el-GR" dirty="0"/>
-                <a:t>σταθερά)</a:t>
+                <a:t>μια αριθμητική σταθερά)</a:t>
               </a:r>
               <a:endParaRPr lang="en-US" dirty="0"/>
             </a:p>
@@ -3125,7 +3125,7 @@
         <a:p>
           <a:r>
             <a:rPr lang="el-GR" b="1" dirty="0"/>
-            <a:t>Σύντομα στο μέλλον</a:t>
+            <a:t>Στο μέλλον (σύντομα)</a:t>
           </a:r>
           <a:r>
             <a:rPr lang="el-GR" dirty="0"/>
@@ -3137,7 +3137,7 @@
           </a:r>
           <a:r>
             <a:rPr lang="el-GR" dirty="0"/>
-            <a:t>δεδομένα (δεδομένα που έρχονται συνεχώς), είναι πρακτικό να γίνεται ένα μόνο πέρασμα από τα δεδομένα, αποδεκτή πολυπλοκότητα πρέπει να είναι το πολύ Ο(</a:t>
+            <a:t>δεδομένα (δεδομένα που έρχονται συνεχώς), είναι πρακτικό να γίνεται ένα μόνο πέρασμα από τα δεδομένα, αποδεκτή πολυπλοκότητα μπορεί να είναι το πολύ Ο(</a:t>
           </a:r>
           <a:r>
             <a:rPr lang="en-US" dirty="0" err="1"/>
@@ -3355,7 +3355,7 @@
         <a:p>
           <a:r>
             <a:rPr lang="el-GR" b="1" dirty="0"/>
-            <a:t>Σύντομα στο μέλλον</a:t>
+            <a:t>Στο μέλλον (σύντομα)</a:t>
           </a:r>
           <a:r>
             <a:rPr lang="el-GR" dirty="0"/>
@@ -3367,7 +3367,7 @@
           </a:r>
           <a:r>
             <a:rPr lang="el-GR" dirty="0"/>
-            <a:t>δεδομένα (δεδομένα που έρχονται συνεχώς), είναι πρακτικό να γίνεται ένα μόνο πέρασμα από τα δεδομένα, αποδεκτή πολυπλοκότητα πρέπει να είναι το πολύ Ο(</a:t>
+            <a:t>δεδομένα (δεδομένα που έρχονται συνεχώς), είναι πρακτικό να γίνεται ένα μόνο πέρασμα από τα δεδομένα, αποδεκτή πολυπλοκότητα μπορεί να είναι το πολύ Ο(</a:t>
           </a:r>
           <a:r>
             <a:rPr lang="en-US" dirty="0" err="1"/>
@@ -4111,7 +4111,7 @@
           </a:r>
           <a:r>
             <a:rPr lang="el-GR" sz="2500" kern="1200" dirty="0"/>
-            <a:t>).</a:t>
+            <a:t>)</a:t>
           </a:r>
           <a:endParaRPr lang="en-US" sz="2500" kern="1200" dirty="0"/>
         </a:p>
@@ -4275,7 +4275,7 @@
           </a:r>
           <a:r>
             <a:rPr lang="el-GR" sz="2000" kern="1200" dirty="0"/>
-            <a:t>σταθερά)</a:t>
+            <a:t>μια αριθμητική σταθερά)</a:t>
           </a:r>
           <a:endParaRPr lang="en-US" sz="2000" kern="1200" dirty="0"/>
         </a:p>
@@ -4533,7 +4533,7 @@
           </a:pPr>
           <a:r>
             <a:rPr lang="el-GR" sz="2000" b="1" kern="1200" dirty="0"/>
-            <a:t>Σύντομα στο μέλλον</a:t>
+            <a:t>Στο μέλλον (σύντομα)</a:t>
           </a:r>
           <a:r>
             <a:rPr lang="el-GR" sz="2000" kern="1200" dirty="0"/>
@@ -4545,7 +4545,7 @@
           </a:r>
           <a:r>
             <a:rPr lang="el-GR" sz="2000" kern="1200" dirty="0"/>
-            <a:t>δεδομένα (δεδομένα που έρχονται συνεχώς), είναι πρακτικό να γίνεται ένα μόνο πέρασμα από τα δεδομένα, αποδεκτή πολυπλοκότητα πρέπει να είναι το πολύ Ο(</a:t>
+            <a:t>δεδομένα (δεδομένα που έρχονται συνεχώς), είναι πρακτικό να γίνεται ένα μόνο πέρασμα από τα δεδομένα, αποδεκτή πολυπλοκότητα μπορεί να είναι το πολύ Ο(</a:t>
           </a:r>
           <a:r>
             <a:rPr lang="en-US" sz="2000" kern="1200" dirty="0" err="1"/>
@@ -8710,7 +8710,7 @@
           <a:p>
             <a:fld id="{5C0A5EA6-AAE0-4EFC-BC6D-4FAFD39403E9}" type="datetimeFigureOut">
               <a:rPr lang="el-GR" smtClean="0"/>
-              <a:t>23/11/2020</a:t>
+              <a:t>23/1/2022</a:t>
             </a:fld>
             <a:endParaRPr lang="el-GR"/>
           </a:p>
@@ -10366,7 +10366,7 @@
           <a:p>
             <a:fld id="{190FA44E-1D1B-438E-B117-A380D79B4D65}" type="datetime1">
               <a:rPr lang="el-GR" smtClean="0"/>
-              <a:t>23/11/2020</a:t>
+              <a:t>23/1/2022</a:t>
             </a:fld>
             <a:endParaRPr lang="el-GR"/>
           </a:p>
@@ -10534,7 +10534,7 @@
           <a:p>
             <a:fld id="{6C35651D-B634-475C-B2D5-FEDA7D407795}" type="datetime1">
               <a:rPr lang="el-GR" smtClean="0"/>
-              <a:t>23/11/2020</a:t>
+              <a:t>23/1/2022</a:t>
             </a:fld>
             <a:endParaRPr lang="el-GR"/>
           </a:p>
@@ -10712,7 +10712,7 @@
           <a:p>
             <a:fld id="{D2BB4705-5645-40F1-93F0-26054C4A3E51}" type="datetime1">
               <a:rPr lang="el-GR" smtClean="0"/>
-              <a:t>23/11/2020</a:t>
+              <a:t>23/1/2022</a:t>
             </a:fld>
             <a:endParaRPr lang="el-GR"/>
           </a:p>
@@ -10880,7 +10880,7 @@
           <a:p>
             <a:fld id="{7AC59E53-0FF9-40E4-A5FF-89021D286147}" type="datetime1">
               <a:rPr lang="el-GR" smtClean="0"/>
-              <a:t>23/11/2020</a:t>
+              <a:t>23/1/2022</a:t>
             </a:fld>
             <a:endParaRPr lang="el-GR"/>
           </a:p>
@@ -11125,7 +11125,7 @@
           <a:p>
             <a:fld id="{14C5FD92-1C0D-4824-9928-55AC6D974B30}" type="datetime1">
               <a:rPr lang="el-GR" smtClean="0"/>
-              <a:t>23/11/2020</a:t>
+              <a:t>23/1/2022</a:t>
             </a:fld>
             <a:endParaRPr lang="el-GR"/>
           </a:p>
@@ -11354,7 +11354,7 @@
           <a:p>
             <a:fld id="{A225C6D0-3254-43D3-83A9-2215B09526C6}" type="datetime1">
               <a:rPr lang="el-GR" smtClean="0"/>
-              <a:t>23/11/2020</a:t>
+              <a:t>23/1/2022</a:t>
             </a:fld>
             <a:endParaRPr lang="el-GR"/>
           </a:p>
@@ -11718,7 +11718,7 @@
           <a:p>
             <a:fld id="{5832E204-EFF6-4ECE-9C48-D4BFF77EDAB7}" type="datetime1">
               <a:rPr lang="el-GR" smtClean="0"/>
-              <a:t>23/11/2020</a:t>
+              <a:t>23/1/2022</a:t>
             </a:fld>
             <a:endParaRPr lang="el-GR"/>
           </a:p>
@@ -11835,7 +11835,7 @@
           <a:p>
             <a:fld id="{AC8A1198-0945-4B8E-98F9-86A696A651FA}" type="datetime1">
               <a:rPr lang="el-GR" smtClean="0"/>
-              <a:t>23/11/2020</a:t>
+              <a:t>23/1/2022</a:t>
             </a:fld>
             <a:endParaRPr lang="el-GR"/>
           </a:p>
@@ -11930,7 +11930,7 @@
           <a:p>
             <a:fld id="{7CAA78A5-4D9C-4519-94B0-B553E2E6B3A3}" type="datetime1">
               <a:rPr lang="el-GR" smtClean="0"/>
-              <a:t>23/11/2020</a:t>
+              <a:t>23/1/2022</a:t>
             </a:fld>
             <a:endParaRPr lang="el-GR"/>
           </a:p>
@@ -12205,7 +12205,7 @@
           <a:p>
             <a:fld id="{D191003C-63C6-44A1-875A-B463A41888FF}" type="datetime1">
               <a:rPr lang="el-GR" smtClean="0"/>
-              <a:t>23/11/2020</a:t>
+              <a:t>23/1/2022</a:t>
             </a:fld>
             <a:endParaRPr lang="el-GR"/>
           </a:p>
@@ -12457,7 +12457,7 @@
           <a:p>
             <a:fld id="{4799A977-5730-4461-9ED1-8D7134D95502}" type="datetime1">
               <a:rPr lang="el-GR" smtClean="0"/>
-              <a:t>23/11/2020</a:t>
+              <a:t>23/1/2022</a:t>
             </a:fld>
             <a:endParaRPr lang="el-GR"/>
           </a:p>
@@ -12668,7 +12668,7 @@
           <a:p>
             <a:fld id="{920B499C-45F3-4A99-9C67-31B3CA2D7C38}" type="datetime1">
               <a:rPr lang="el-GR" smtClean="0"/>
-              <a:t>23/11/2020</a:t>
+              <a:t>23/1/2022</a:t>
             </a:fld>
             <a:endParaRPr lang="el-GR"/>
           </a:p>
@@ -13354,7 +13354,7 @@
                   <a:srgbClr val="000000"/>
                 </a:solidFill>
               </a:rPr>
-              <a:t>24/11/2020</a:t>
+              <a:t>24/1/2022</a:t>
             </a:r>
             <a:endParaRPr lang="en-US" dirty="0">
               <a:solidFill>
@@ -13804,12 +13804,14 @@
         </p:nvSpPr>
         <p:spPr/>
         <p:txBody>
-          <a:bodyPr/>
+          <a:bodyPr>
+            <a:normAutofit lnSpcReduction="10000"/>
+          </a:bodyPr>
           <a:lstStyle/>
           <a:p>
             <a:r>
               <a:rPr lang="el-GR" dirty="0"/>
-              <a:t>Πρόβλημα: Υπολογισμός της συχνότητας εμφάνισης λέξεων σε ένα </a:t>
+              <a:t>Παράδειγμα προβλήματος: Υπολογισμός της συχνότητας εμφάνισης λέξεων σε ένα </a:t>
             </a:r>
             <a:r>
               <a:rPr lang="el-GR" u="sng" dirty="0"/>
@@ -13822,19 +13824,23 @@
               <a:t>Ο προγραμματιστής πρέπει να γράψει μια </a:t>
             </a:r>
             <a:r>
-              <a:rPr lang="en-US" dirty="0"/>
+              <a:rPr lang="en-US" b="1" dirty="0"/>
               <a:t>map </a:t>
             </a:r>
             <a:r>
+              <a:rPr lang="el-GR" b="1" dirty="0"/>
+              <a:t>συνάρτηση</a:t>
+            </a:r>
+            <a:r>
               <a:rPr lang="el-GR" dirty="0"/>
-              <a:t>συνάρτηση και μια </a:t>
-            </a:r>
-            <a:r>
-              <a:rPr lang="en-US" dirty="0"/>
+              <a:t> και μια </a:t>
+            </a:r>
+            <a:r>
+              <a:rPr lang="en-US" b="1" dirty="0"/>
               <a:t>reduce </a:t>
             </a:r>
             <a:r>
-              <a:rPr lang="el-GR" dirty="0"/>
+              <a:rPr lang="el-GR" b="1" dirty="0"/>
               <a:t>συνάρτηση</a:t>
             </a:r>
           </a:p>
@@ -16098,27 +16104,22 @@
         <p:spPr/>
         <p:txBody>
           <a:bodyPr>
-            <a:normAutofit fontScale="90000"/>
+            <a:normAutofit/>
           </a:bodyPr>
           <a:lstStyle/>
           <a:p>
             <a:r>
               <a:rPr lang="el-GR" dirty="0"/>
-              <a:t>Η αγορά σχετικά με το </a:t>
+              <a:t>Η θέση του </a:t>
             </a:r>
             <a:r>
               <a:rPr lang="en-US" dirty="0"/>
-              <a:t>Hadoop </a:t>
+              <a:t>Hadoop</a:t>
             </a:r>
             <a:r>
               <a:rPr lang="el-GR" dirty="0"/>
-              <a:t>αναμένεται να ξεπεράσει τα 50 δισεκατομμύρια $ μέχρι το </a:t>
-            </a:r>
-            <a:r>
-              <a:rPr lang="en-US" dirty="0"/>
-              <a:t>2024.</a:t>
-            </a:r>
-            <a:endParaRPr lang="el-GR" dirty="0"/>
+              <a:t> στην αγορά</a:t>
+            </a:r>
           </a:p>
         </p:txBody>
       </p:sp>
@@ -16138,7 +16139,12 @@
             <p:ph sz="half" idx="1"/>
           </p:nvPr>
         </p:nvSpPr>
-        <p:spPr/>
+        <p:spPr>
+          <a:xfrm>
+            <a:off x="838199" y="1825625"/>
+            <a:ext cx="5481521" cy="4351338"/>
+          </a:xfrm>
+        </p:spPr>
         <p:txBody>
           <a:bodyPr/>
           <a:lstStyle/>
@@ -16161,6 +16167,26 @@
               <a:rPr lang="el-GR" dirty="0"/>
               <a:t> </a:t>
             </a:r>
+          </a:p>
+          <a:p>
+            <a:pPr lvl="1"/>
+            <a:r>
+              <a:rPr lang="el-GR" dirty="0"/>
+              <a:t>Η αγορά του </a:t>
+            </a:r>
+            <a:r>
+              <a:rPr lang="en-US" dirty="0"/>
+              <a:t>Hadoop </a:t>
+            </a:r>
+            <a:r>
+              <a:rPr lang="el-GR" dirty="0"/>
+              <a:t>αναμένεται να ξεπεράσει τα 50 δισεκατομμύρια $ μέχρι το </a:t>
+            </a:r>
+            <a:r>
+              <a:rPr lang="en-US" dirty="0"/>
+              <a:t>2024</a:t>
+            </a:r>
+            <a:endParaRPr lang="el-GR" dirty="0"/>
           </a:p>
         </p:txBody>
       </p:sp>
@@ -17759,7 +17785,7 @@
             <p:ph idx="1"/>
             <p:extLst>
               <p:ext uri="{D42A27DB-BD31-4B8C-83A1-F6EECF244321}">
-                <p14:modId xmlns:p14="http://schemas.microsoft.com/office/powerpoint/2010/main" val="499364820"/>
+                <p14:modId xmlns:p14="http://schemas.microsoft.com/office/powerpoint/2010/main" val="1873102058"/>
               </p:ext>
             </p:extLst>
           </p:nvPr>
@@ -18394,8 +18420,8 @@
           </a:fontRef>
         </p:style>
       </p:cxnSp>
-      <mc:AlternateContent xmlns:mc="http://schemas.openxmlformats.org/markup-compatibility/2006" xmlns:a14="http://schemas.microsoft.com/office/drawing/2010/main">
-        <mc:Choice Requires="a14">
+      <mc:AlternateContent xmlns:mc="http://schemas.openxmlformats.org/markup-compatibility/2006">
+        <mc:Choice xmlns:a14="http://schemas.microsoft.com/office/drawing/2010/main" Requires="a14">
           <p:graphicFrame>
             <p:nvGraphicFramePr>
               <p:cNvPr id="5" name="Θέση περιεχομένου 2">
@@ -18412,7 +18438,7 @@
                 <p:ph idx="1"/>
                 <p:extLst>
                   <p:ext uri="{D42A27DB-BD31-4B8C-83A1-F6EECF244321}">
-                    <p14:modId xmlns:p14="http://schemas.microsoft.com/office/powerpoint/2010/main" val="2455499881"/>
+                    <p14:modId xmlns:p14="http://schemas.microsoft.com/office/powerpoint/2010/main" val="3973154142"/>
                   </p:ext>
                 </p:extLst>
               </p:nvPr>
@@ -18428,7 +18454,7 @@
             </a:graphic>
           </p:graphicFrame>
         </mc:Choice>
-        <mc:Fallback xmlns="">
+        <mc:Fallback>
           <p:graphicFrame>
             <p:nvGraphicFramePr>
               <p:cNvPr id="5" name="Θέση περιεχομένου 2">
@@ -18445,7 +18471,7 @@
                 <p:ph idx="1"/>
                 <p:extLst>
                   <p:ext uri="{D42A27DB-BD31-4B8C-83A1-F6EECF244321}">
-                    <p14:modId xmlns:p14="http://schemas.microsoft.com/office/powerpoint/2010/main" val="2455499881"/>
+                    <p14:modId xmlns:p14="http://schemas.microsoft.com/office/powerpoint/2010/main" val="3973154142"/>
                   </p:ext>
                 </p:extLst>
               </p:nvPr>
@@ -18456,7 +18482,7 @@
             </p:xfrm>
             <a:graphic>
               <a:graphicData uri="http://schemas.openxmlformats.org/drawingml/2006/diagram">
-                <dgm:relIds xmlns:dgm="http://schemas.openxmlformats.org/drawingml/2006/diagram" xmlns:r="http://schemas.openxmlformats.org/officeDocument/2006/relationships" r:dm="rId8" r:lo="rId9" r:qs="rId10" r:cs="rId11"/>
+                <dgm:relIds xmlns:dgm="http://schemas.openxmlformats.org/drawingml/2006/diagram" xmlns:r="http://schemas.openxmlformats.org/officeDocument/2006/relationships" r:dm="rId8" r:lo="rId4" r:qs="rId5" r:cs="rId6"/>
               </a:graphicData>
             </a:graphic>
           </p:graphicFrame>
@@ -19259,7 +19285,15 @@
             </a:r>
             <a:r>
               <a:rPr lang="el-GR" dirty="0"/>
-              <a:t>είναι ένα κατανεμημένο σύστημα αρχείων που τρέχει πάνω από το σύστημα αρχείων ενός </a:t>
+              <a:t>είναι ένα </a:t>
+            </a:r>
+            <a:r>
+              <a:rPr lang="el-GR" b="1" dirty="0"/>
+              <a:t>κατανεμημένο σύστημα αρχείων</a:t>
+            </a:r>
+            <a:r>
+              <a:rPr lang="el-GR" dirty="0"/>
+              <a:t> που τρέχει πάνω από το σύστημα αρχείων ενός </a:t>
             </a:r>
             <a:r>
               <a:rPr lang="en-US" dirty="0" err="1"/>
@@ -19289,7 +19323,15 @@
             </a:pPr>
             <a:r>
               <a:rPr lang="el-GR" dirty="0"/>
-              <a:t>Τα δεδομένα σπάνε σε μπλοκ (128 </a:t>
+              <a:t>Τα αρχεία δεδομένων σπάνε σε </a:t>
+            </a:r>
+            <a:r>
+              <a:rPr lang="el-GR" dirty="0" err="1"/>
+              <a:t>μπλοκς</a:t>
+            </a:r>
+            <a:r>
+              <a:rPr lang="el-GR" dirty="0"/>
+              <a:t> (128 </a:t>
             </a:r>
             <a:r>
               <a:rPr lang="en-US" dirty="0"/>
@@ -19878,11 +19920,11 @@
             </a:pPr>
             <a:r>
               <a:rPr lang="el-GR" dirty="0"/>
-              <a:t>Ο προγραμματιστής χρειάζεται να γράψει δύο συναρτήσεις</a:t>
+              <a:t>Ο προγραμματιστής χρειάζεται να γράφει δύο συναρτήσεις για την αντιμετώπιση κάθε προβλήματος με </a:t>
             </a:r>
             <a:r>
               <a:rPr lang="en-US" dirty="0"/>
-              <a:t>:</a:t>
+              <a:t>MapReduce:</a:t>
             </a:r>
             <a:r>
               <a:rPr lang="el-GR" dirty="0"/>

--- a/03. Apache Hadoop-Map Reduce.pptx
+++ b/03. Apache Hadoop-Map Reduce.pptx
@@ -2683,8 +2683,8 @@
         </a:p>
       </dgm:t>
     </dgm:pt>
-    <mc:AlternateContent xmlns:mc="http://schemas.openxmlformats.org/markup-compatibility/2006">
-      <mc:Choice xmlns:a14="http://schemas.microsoft.com/office/drawing/2010/main" Requires="a14">
+    <mc:AlternateContent xmlns:mc="http://schemas.openxmlformats.org/markup-compatibility/2006" xmlns:a14="http://schemas.microsoft.com/office/drawing/2010/main">
+      <mc:Choice Requires="a14">
         <dgm:pt modelId="{351B3B6B-BBFF-4672-8079-E64DE4B09D1D}">
           <dgm:prSet/>
           <dgm:spPr/>
@@ -2774,7 +2774,7 @@
           </dgm:t>
         </dgm:pt>
       </mc:Choice>
-      <mc:Fallback>
+      <mc:Fallback xmlns="">
         <dgm:pt modelId="{351B3B6B-BBFF-4672-8079-E64DE4B09D1D}">
           <dgm:prSet/>
           <dgm:spPr/>
@@ -8710,7 +8710,7 @@
           <a:p>
             <a:fld id="{5C0A5EA6-AAE0-4EFC-BC6D-4FAFD39403E9}" type="datetimeFigureOut">
               <a:rPr lang="el-GR" smtClean="0"/>
-              <a:t>23/1/2022</a:t>
+              <a:t>18/5/2022</a:t>
             </a:fld>
             <a:endParaRPr lang="el-GR"/>
           </a:p>
@@ -10366,7 +10366,7 @@
           <a:p>
             <a:fld id="{190FA44E-1D1B-438E-B117-A380D79B4D65}" type="datetime1">
               <a:rPr lang="el-GR" smtClean="0"/>
-              <a:t>23/1/2022</a:t>
+              <a:t>18/5/2022</a:t>
             </a:fld>
             <a:endParaRPr lang="el-GR"/>
           </a:p>
@@ -10534,7 +10534,7 @@
           <a:p>
             <a:fld id="{6C35651D-B634-475C-B2D5-FEDA7D407795}" type="datetime1">
               <a:rPr lang="el-GR" smtClean="0"/>
-              <a:t>23/1/2022</a:t>
+              <a:t>18/5/2022</a:t>
             </a:fld>
             <a:endParaRPr lang="el-GR"/>
           </a:p>
@@ -10712,7 +10712,7 @@
           <a:p>
             <a:fld id="{D2BB4705-5645-40F1-93F0-26054C4A3E51}" type="datetime1">
               <a:rPr lang="el-GR" smtClean="0"/>
-              <a:t>23/1/2022</a:t>
+              <a:t>18/5/2022</a:t>
             </a:fld>
             <a:endParaRPr lang="el-GR"/>
           </a:p>
@@ -10880,7 +10880,7 @@
           <a:p>
             <a:fld id="{7AC59E53-0FF9-40E4-A5FF-89021D286147}" type="datetime1">
               <a:rPr lang="el-GR" smtClean="0"/>
-              <a:t>23/1/2022</a:t>
+              <a:t>18/5/2022</a:t>
             </a:fld>
             <a:endParaRPr lang="el-GR"/>
           </a:p>
@@ -11125,7 +11125,7 @@
           <a:p>
             <a:fld id="{14C5FD92-1C0D-4824-9928-55AC6D974B30}" type="datetime1">
               <a:rPr lang="el-GR" smtClean="0"/>
-              <a:t>23/1/2022</a:t>
+              <a:t>18/5/2022</a:t>
             </a:fld>
             <a:endParaRPr lang="el-GR"/>
           </a:p>
@@ -11354,7 +11354,7 @@
           <a:p>
             <a:fld id="{A225C6D0-3254-43D3-83A9-2215B09526C6}" type="datetime1">
               <a:rPr lang="el-GR" smtClean="0"/>
-              <a:t>23/1/2022</a:t>
+              <a:t>18/5/2022</a:t>
             </a:fld>
             <a:endParaRPr lang="el-GR"/>
           </a:p>
@@ -11718,7 +11718,7 @@
           <a:p>
             <a:fld id="{5832E204-EFF6-4ECE-9C48-D4BFF77EDAB7}" type="datetime1">
               <a:rPr lang="el-GR" smtClean="0"/>
-              <a:t>23/1/2022</a:t>
+              <a:t>18/5/2022</a:t>
             </a:fld>
             <a:endParaRPr lang="el-GR"/>
           </a:p>
@@ -11835,7 +11835,7 @@
           <a:p>
             <a:fld id="{AC8A1198-0945-4B8E-98F9-86A696A651FA}" type="datetime1">
               <a:rPr lang="el-GR" smtClean="0"/>
-              <a:t>23/1/2022</a:t>
+              <a:t>18/5/2022</a:t>
             </a:fld>
             <a:endParaRPr lang="el-GR"/>
           </a:p>
@@ -11930,7 +11930,7 @@
           <a:p>
             <a:fld id="{7CAA78A5-4D9C-4519-94B0-B553E2E6B3A3}" type="datetime1">
               <a:rPr lang="el-GR" smtClean="0"/>
-              <a:t>23/1/2022</a:t>
+              <a:t>18/5/2022</a:t>
             </a:fld>
             <a:endParaRPr lang="el-GR"/>
           </a:p>
@@ -12205,7 +12205,7 @@
           <a:p>
             <a:fld id="{D191003C-63C6-44A1-875A-B463A41888FF}" type="datetime1">
               <a:rPr lang="el-GR" smtClean="0"/>
-              <a:t>23/1/2022</a:t>
+              <a:t>18/5/2022</a:t>
             </a:fld>
             <a:endParaRPr lang="el-GR"/>
           </a:p>
@@ -12457,7 +12457,7 @@
           <a:p>
             <a:fld id="{4799A977-5730-4461-9ED1-8D7134D95502}" type="datetime1">
               <a:rPr lang="el-GR" smtClean="0"/>
-              <a:t>23/1/2022</a:t>
+              <a:t>18/5/2022</a:t>
             </a:fld>
             <a:endParaRPr lang="el-GR"/>
           </a:p>
@@ -12668,7 +12668,7 @@
           <a:p>
             <a:fld id="{920B499C-45F3-4A99-9C67-31B3CA2D7C38}" type="datetime1">
               <a:rPr lang="el-GR" smtClean="0"/>
-              <a:t>23/1/2022</a:t>
+              <a:t>18/5/2022</a:t>
             </a:fld>
             <a:endParaRPr lang="el-GR"/>
           </a:p>
@@ -13349,12 +13349,12 @@
           <a:p>
             <a:pPr algn="l"/>
             <a:r>
-              <a:rPr lang="en-US" sz="1800" dirty="0">
+              <a:rPr lang="en-US" sz="1800">
                 <a:solidFill>
                   <a:srgbClr val="000000"/>
                 </a:solidFill>
               </a:rPr>
-              <a:t>24/1/2022</a:t>
+              <a:t>18/5/2022</a:t>
             </a:r>
             <a:endParaRPr lang="en-US" dirty="0">
               <a:solidFill>
@@ -13548,7 +13548,7 @@
             </a:r>
             <a:r>
               <a:rPr lang="el-GR" dirty="0"/>
-              <a:t>τα δεδομένα του προβλήματος διαχωρίζονται σε μη επικαλυπτόμενα τμήματα της μορφής &lt;</a:t>
+              <a:t>τα δεδομένα του προβλήματος διαχωρίζονται σε ξένα μεταξύ τους σύνολα που περιέχουν εγγραφές της μορφής &lt;</a:t>
             </a:r>
             <a:r>
               <a:rPr lang="en-US" dirty="0"/>
@@ -14297,21 +14297,8 @@
           <a:p>
             <a:r>
               <a:rPr lang="el-GR" dirty="0"/>
-              <a:t>Παράδειγμα καταμέτρησης λέξεων </a:t>
-            </a:r>
-            <a:r>
-              <a:rPr lang="en-US" dirty="0"/>
-              <a:t>(</a:t>
-            </a:r>
-            <a:r>
-              <a:rPr lang="el-GR" dirty="0"/>
-              <a:t>σε 1 κείμενο</a:t>
-            </a:r>
-            <a:r>
-              <a:rPr lang="en-US" dirty="0"/>
-              <a:t>)</a:t>
-            </a:r>
-            <a:endParaRPr lang="el-GR" dirty="0"/>
+              <a:t>Παράδειγμα καταμέτρησης λέξεων κειμένου</a:t>
+            </a:r>
           </a:p>
         </p:txBody>
       </p:sp>
@@ -15361,7 +15348,7 @@
             </a:r>
             <a:r>
               <a:rPr lang="el-GR" dirty="0"/>
-              <a:t>Τι κάνει ο προγραμματιστής και τι το </a:t>
+              <a:t>Τι κάνει ο προγραμματιστής και τι κάνει το </a:t>
             </a:r>
             <a:r>
               <a:rPr lang="en-US" dirty="0"/>
@@ -15498,7 +15485,7 @@
             </a:r>
             <a:r>
               <a:rPr lang="el-GR" dirty="0"/>
-              <a:t>σε </a:t>
+              <a:t>σε εργασίες </a:t>
             </a:r>
             <a:r>
               <a:rPr lang="en-US" dirty="0"/>
@@ -15506,7 +15493,7 @@
             </a:r>
             <a:r>
               <a:rPr lang="el-GR" dirty="0"/>
-              <a:t> και </a:t>
+              <a:t> και εργασίες </a:t>
             </a:r>
             <a:r>
               <a:rPr lang="en-US" dirty="0"/>
@@ -15633,7 +15620,7 @@
         <p:spPr/>
         <p:txBody>
           <a:bodyPr>
-            <a:normAutofit fontScale="92500" lnSpcReduction="20000"/>
+            <a:normAutofit fontScale="85000" lnSpcReduction="10000"/>
           </a:bodyPr>
           <a:lstStyle/>
           <a:p>
@@ -15787,7 +15774,7 @@
             </a:r>
             <a:r>
               <a:rPr lang="el-GR" sz="2000" dirty="0"/>
-              <a:t>που οδηγεί στη συγγραφή σύντομων προγραμμάτων</a:t>
+              <a:t>που οδηγεί στη συγγραφή σχετικά σύντομων προγραμμάτων</a:t>
             </a:r>
           </a:p>
           <a:p>
@@ -18420,8 +18407,8 @@
           </a:fontRef>
         </p:style>
       </p:cxnSp>
-      <mc:AlternateContent xmlns:mc="http://schemas.openxmlformats.org/markup-compatibility/2006">
-        <mc:Choice xmlns:a14="http://schemas.microsoft.com/office/drawing/2010/main" Requires="a14">
+      <mc:AlternateContent xmlns:mc="http://schemas.openxmlformats.org/markup-compatibility/2006" xmlns:a14="http://schemas.microsoft.com/office/drawing/2010/main">
+        <mc:Choice Requires="a14">
           <p:graphicFrame>
             <p:nvGraphicFramePr>
               <p:cNvPr id="5" name="Θέση περιεχομένου 2">
@@ -18454,7 +18441,7 @@
             </a:graphic>
           </p:graphicFrame>
         </mc:Choice>
-        <mc:Fallback>
+        <mc:Fallback xmlns="">
           <p:graphicFrame>
             <p:nvGraphicFramePr>
               <p:cNvPr id="5" name="Θέση περιεχομένου 2">
@@ -18482,7 +18469,7 @@
             </p:xfrm>
             <a:graphic>
               <a:graphicData uri="http://schemas.openxmlformats.org/drawingml/2006/diagram">
-                <dgm:relIds xmlns:dgm="http://schemas.openxmlformats.org/drawingml/2006/diagram" xmlns:r="http://schemas.openxmlformats.org/officeDocument/2006/relationships" r:dm="rId8" r:lo="rId4" r:qs="rId5" r:cs="rId6"/>
+                <dgm:relIds xmlns:dgm="http://schemas.openxmlformats.org/drawingml/2006/diagram" xmlns:r="http://schemas.openxmlformats.org/officeDocument/2006/relationships" r:dm="rId8" r:lo="rId9" r:qs="rId10" r:cs="rId11"/>
               </a:graphicData>
             </a:graphic>
           </p:graphicFrame>
